--- a/presentation/Full results presentation.pptx
+++ b/presentation/Full results presentation.pptx
@@ -10,22 +10,23 @@
     <p:sldId id="260" r:id="rId4"/>
     <p:sldId id="264" r:id="rId5"/>
     <p:sldId id="265" r:id="rId6"/>
-    <p:sldId id="279" r:id="rId7"/>
-    <p:sldId id="266" r:id="rId8"/>
-    <p:sldId id="274" r:id="rId9"/>
-    <p:sldId id="280" r:id="rId10"/>
-    <p:sldId id="258" r:id="rId11"/>
-    <p:sldId id="261" r:id="rId12"/>
-    <p:sldId id="283" r:id="rId13"/>
-    <p:sldId id="281" r:id="rId14"/>
-    <p:sldId id="284" r:id="rId15"/>
-    <p:sldId id="267" r:id="rId16"/>
-    <p:sldId id="273" r:id="rId17"/>
-    <p:sldId id="263" r:id="rId18"/>
-    <p:sldId id="275" r:id="rId19"/>
-    <p:sldId id="277" r:id="rId20"/>
-    <p:sldId id="278" r:id="rId21"/>
-    <p:sldId id="285" r:id="rId22"/>
+    <p:sldId id="286" r:id="rId7"/>
+    <p:sldId id="279" r:id="rId8"/>
+    <p:sldId id="266" r:id="rId9"/>
+    <p:sldId id="274" r:id="rId10"/>
+    <p:sldId id="280" r:id="rId11"/>
+    <p:sldId id="258" r:id="rId12"/>
+    <p:sldId id="261" r:id="rId13"/>
+    <p:sldId id="283" r:id="rId14"/>
+    <p:sldId id="281" r:id="rId15"/>
+    <p:sldId id="284" r:id="rId16"/>
+    <p:sldId id="267" r:id="rId17"/>
+    <p:sldId id="273" r:id="rId18"/>
+    <p:sldId id="263" r:id="rId19"/>
+    <p:sldId id="275" r:id="rId20"/>
+    <p:sldId id="277" r:id="rId21"/>
+    <p:sldId id="278" r:id="rId22"/>
+    <p:sldId id="285" r:id="rId23"/>
   </p:sldIdLst>
   <p:sldSz cx="12192000" cy="6858000"/>
   <p:notesSz cx="6858000" cy="9144000"/>
@@ -4293,6 +4294,611 @@
           <a:chExt cx="0" cy="0"/>
         </a:xfrm>
       </p:grpSpPr>
+      <p:pic>
+        <p:nvPicPr>
+          <p:cNvPr id="6" name="Graphic 5">
+            <a:extLst>
+              <a:ext uri="{FF2B5EF4-FFF2-40B4-BE49-F238E27FC236}">
+                <a16:creationId xmlns:a16="http://schemas.microsoft.com/office/drawing/2014/main" id="{2C6870D8-7085-1842-02D7-29E6AABCFC20}"/>
+              </a:ext>
+            </a:extLst>
+          </p:cNvPr>
+          <p:cNvPicPr>
+            <a:picLocks noChangeAspect="1"/>
+          </p:cNvPicPr>
+          <p:nvPr/>
+        </p:nvPicPr>
+        <p:blipFill>
+          <a:blip r:embed="rId2">
+            <a:extLst>
+              <a:ext uri="{96DAC541-7B7A-43D3-8B79-37D633B846F1}">
+                <asvg:svgBlip xmlns:asvg="http://schemas.microsoft.com/office/drawing/2016/SVG/main" r:embed="rId3"/>
+              </a:ext>
+            </a:extLst>
+          </a:blip>
+          <a:stretch>
+            <a:fillRect/>
+          </a:stretch>
+        </p:blipFill>
+        <p:spPr>
+          <a:xfrm>
+            <a:off x="-578735" y="2983170"/>
+            <a:ext cx="13689573" cy="6858000"/>
+          </a:xfrm>
+          <a:prstGeom prst="rect">
+            <a:avLst/>
+          </a:prstGeom>
+        </p:spPr>
+      </p:pic>
+      <p:pic>
+        <p:nvPicPr>
+          <p:cNvPr id="3" name="Picture 2">
+            <a:extLst>
+              <a:ext uri="{FF2B5EF4-FFF2-40B4-BE49-F238E27FC236}">
+                <a16:creationId xmlns:a16="http://schemas.microsoft.com/office/drawing/2014/main" id="{FFC284DF-34D1-762F-B5AF-66632FE1E1E8}"/>
+              </a:ext>
+            </a:extLst>
+          </p:cNvPr>
+          <p:cNvPicPr>
+            <a:picLocks noChangeAspect="1"/>
+          </p:cNvPicPr>
+          <p:nvPr/>
+        </p:nvPicPr>
+        <p:blipFill rotWithShape="1">
+          <a:blip r:embed="rId4"/>
+          <a:srcRect b="19965"/>
+          <a:stretch/>
+        </p:blipFill>
+        <p:spPr>
+          <a:xfrm>
+            <a:off x="-1" y="4876011"/>
+            <a:ext cx="12192000" cy="1596202"/>
+          </a:xfrm>
+          <a:prstGeom prst="rect">
+            <a:avLst/>
+          </a:prstGeom>
+        </p:spPr>
+      </p:pic>
+      <p:sp>
+        <p:nvSpPr>
+          <p:cNvPr id="4" name="TextBox 3">
+            <a:extLst>
+              <a:ext uri="{FF2B5EF4-FFF2-40B4-BE49-F238E27FC236}">
+                <a16:creationId xmlns:a16="http://schemas.microsoft.com/office/drawing/2014/main" id="{87A6BCE7-B700-0E24-CFF2-731DE1355E18}"/>
+              </a:ext>
+            </a:extLst>
+          </p:cNvPr>
+          <p:cNvSpPr txBox="1"/>
+          <p:nvPr/>
+        </p:nvSpPr>
+        <p:spPr>
+          <a:xfrm>
+            <a:off x="7761492" y="1071075"/>
+            <a:ext cx="4478133" cy="923330"/>
+          </a:xfrm>
+          <a:prstGeom prst="rect">
+            <a:avLst/>
+          </a:prstGeom>
+          <a:noFill/>
+        </p:spPr>
+        <p:txBody>
+          <a:bodyPr wrap="square" rtlCol="0">
+            <a:spAutoFit/>
+          </a:bodyPr>
+          <a:lstStyle/>
+          <a:p>
+            <a:pPr algn="ctr"/>
+            <a:r>
+              <a:rPr lang="en-US" dirty="0">
+                <a:hlinkClick r:id="rId5"/>
+              </a:rPr>
+              <a:t>Prompt </a:t>
+            </a:r>
+            <a:r>
+              <a:rPr lang="en-US" b="1" u="sng" dirty="0">
+                <a:hlinkClick r:id="rId5"/>
+              </a:rPr>
+              <a:t>bypassing the content filter </a:t>
+            </a:r>
+            <a:r>
+              <a:rPr lang="en-US" dirty="0">
+                <a:hlinkClick r:id="rId5"/>
+              </a:rPr>
+              <a:t>: https://chat.openai.com/share/de877a72-3ccd-4dcd-8c72-8faebfb8c48e</a:t>
+            </a:r>
+            <a:endParaRPr lang="el-GR" dirty="0"/>
+          </a:p>
+        </p:txBody>
+      </p:sp>
+      <p:sp>
+        <p:nvSpPr>
+          <p:cNvPr id="5" name="TextBox 4">
+            <a:extLst>
+              <a:ext uri="{FF2B5EF4-FFF2-40B4-BE49-F238E27FC236}">
+                <a16:creationId xmlns:a16="http://schemas.microsoft.com/office/drawing/2014/main" id="{E2308F48-B0D3-AE91-5941-08B0983DAA89}"/>
+              </a:ext>
+            </a:extLst>
+          </p:cNvPr>
+          <p:cNvSpPr txBox="1"/>
+          <p:nvPr/>
+        </p:nvSpPr>
+        <p:spPr>
+          <a:xfrm>
+            <a:off x="5965239" y="188631"/>
+            <a:ext cx="2068969" cy="830997"/>
+          </a:xfrm>
+          <a:prstGeom prst="rect">
+            <a:avLst/>
+          </a:prstGeom>
+          <a:noFill/>
+        </p:spPr>
+        <p:txBody>
+          <a:bodyPr wrap="square" rtlCol="0">
+            <a:spAutoFit/>
+          </a:bodyPr>
+          <a:lstStyle/>
+          <a:p>
+            <a:r>
+              <a:rPr lang="en-US" sz="4800" dirty="0" err="1">
+                <a:latin typeface="Arial Black" panose="020B0A04020102020204" pitchFamily="34" charset="0"/>
+              </a:rPr>
+              <a:t>P.o.C.</a:t>
+            </a:r>
+            <a:endParaRPr lang="el-GR" sz="4800" dirty="0">
+              <a:latin typeface="Arial Black" panose="020B0A04020102020204" pitchFamily="34" charset="0"/>
+            </a:endParaRPr>
+          </a:p>
+        </p:txBody>
+      </p:sp>
+      <p:sp>
+        <p:nvSpPr>
+          <p:cNvPr id="7" name="TextBox 6">
+            <a:extLst>
+              <a:ext uri="{FF2B5EF4-FFF2-40B4-BE49-F238E27FC236}">
+                <a16:creationId xmlns:a16="http://schemas.microsoft.com/office/drawing/2014/main" id="{12FA1DD5-C1C5-8F1E-0C4A-0B058A309DA7}"/>
+              </a:ext>
+            </a:extLst>
+          </p:cNvPr>
+          <p:cNvSpPr txBox="1"/>
+          <p:nvPr/>
+        </p:nvSpPr>
+        <p:spPr>
+          <a:xfrm>
+            <a:off x="3009414" y="1480055"/>
+            <a:ext cx="4478133" cy="923330"/>
+          </a:xfrm>
+          <a:prstGeom prst="rect">
+            <a:avLst/>
+          </a:prstGeom>
+          <a:noFill/>
+        </p:spPr>
+        <p:txBody>
+          <a:bodyPr wrap="square" rtlCol="0">
+            <a:spAutoFit/>
+          </a:bodyPr>
+          <a:lstStyle/>
+          <a:p>
+            <a:pPr algn="ctr"/>
+            <a:r>
+              <a:rPr lang="en-US" dirty="0">
+                <a:hlinkClick r:id="rId6"/>
+              </a:rPr>
+              <a:t>Prompt </a:t>
+            </a:r>
+            <a:r>
+              <a:rPr lang="en-US" b="1" u="sng" dirty="0">
+                <a:hlinkClick r:id="rId6"/>
+              </a:rPr>
+              <a:t>without</a:t>
+            </a:r>
+            <a:r>
+              <a:rPr lang="en-US" dirty="0">
+                <a:hlinkClick r:id="rId6"/>
+              </a:rPr>
+              <a:t> bypassing the content filter : https://chat.openai.com/share/89c53be5-10bf-4ecc-859a-894b3ae967c2</a:t>
+            </a:r>
+            <a:endParaRPr lang="el-GR" dirty="0"/>
+          </a:p>
+        </p:txBody>
+      </p:sp>
+      <p:pic>
+        <p:nvPicPr>
+          <p:cNvPr id="8" name="Picture 7">
+            <a:extLst>
+              <a:ext uri="{FF2B5EF4-FFF2-40B4-BE49-F238E27FC236}">
+                <a16:creationId xmlns:a16="http://schemas.microsoft.com/office/drawing/2014/main" id="{B0E18CBC-D303-0B15-7AEC-1008010CA36F}"/>
+              </a:ext>
+            </a:extLst>
+          </p:cNvPr>
+          <p:cNvPicPr>
+            <a:picLocks noChangeAspect="1"/>
+          </p:cNvPicPr>
+          <p:nvPr/>
+        </p:nvPicPr>
+        <p:blipFill>
+          <a:blip r:embed="rId7"/>
+          <a:stretch>
+            <a:fillRect/>
+          </a:stretch>
+        </p:blipFill>
+        <p:spPr>
+          <a:xfrm>
+            <a:off x="3697160" y="1147430"/>
+            <a:ext cx="2511008" cy="335309"/>
+          </a:xfrm>
+          <a:prstGeom prst="rect">
+            <a:avLst/>
+          </a:prstGeom>
+        </p:spPr>
+      </p:pic>
+      <p:sp>
+        <p:nvSpPr>
+          <p:cNvPr id="9" name="TextBox 8">
+            <a:extLst>
+              <a:ext uri="{FF2B5EF4-FFF2-40B4-BE49-F238E27FC236}">
+                <a16:creationId xmlns:a16="http://schemas.microsoft.com/office/drawing/2014/main" id="{3742CA93-89F7-D56A-E2BC-1E967E4854F4}"/>
+              </a:ext>
+            </a:extLst>
+          </p:cNvPr>
+          <p:cNvSpPr txBox="1"/>
+          <p:nvPr/>
+        </p:nvSpPr>
+        <p:spPr>
+          <a:xfrm>
+            <a:off x="7644859" y="1160390"/>
+            <a:ext cx="681134" cy="372350"/>
+          </a:xfrm>
+          <a:prstGeom prst="rect">
+            <a:avLst/>
+          </a:prstGeom>
+          <a:noFill/>
+        </p:spPr>
+        <p:txBody>
+          <a:bodyPr wrap="square" rtlCol="0">
+            <a:spAutoFit/>
+          </a:bodyPr>
+          <a:lstStyle/>
+          <a:p>
+            <a:r>
+              <a:rPr lang="en-US" dirty="0"/>
+              <a:t>2)</a:t>
+            </a:r>
+            <a:endParaRPr lang="el-GR" dirty="0"/>
+          </a:p>
+        </p:txBody>
+      </p:sp>
+      <p:sp>
+        <p:nvSpPr>
+          <p:cNvPr id="12" name="TextBox 11">
+            <a:extLst>
+              <a:ext uri="{FF2B5EF4-FFF2-40B4-BE49-F238E27FC236}">
+                <a16:creationId xmlns:a16="http://schemas.microsoft.com/office/drawing/2014/main" id="{2EFB3D60-CE82-A974-B9C2-20BE161E7FDC}"/>
+              </a:ext>
+            </a:extLst>
+          </p:cNvPr>
+          <p:cNvSpPr txBox="1"/>
+          <p:nvPr/>
+        </p:nvSpPr>
+        <p:spPr>
+          <a:xfrm>
+            <a:off x="3298277" y="1121981"/>
+            <a:ext cx="681134" cy="372350"/>
+          </a:xfrm>
+          <a:prstGeom prst="rect">
+            <a:avLst/>
+          </a:prstGeom>
+          <a:noFill/>
+        </p:spPr>
+        <p:txBody>
+          <a:bodyPr wrap="square" rtlCol="0">
+            <a:spAutoFit/>
+          </a:bodyPr>
+          <a:lstStyle/>
+          <a:p>
+            <a:r>
+              <a:rPr lang="en-US" dirty="0"/>
+              <a:t>1)</a:t>
+            </a:r>
+            <a:endParaRPr lang="el-GR" dirty="0"/>
+          </a:p>
+        </p:txBody>
+      </p:sp>
+      <p:sp>
+        <p:nvSpPr>
+          <p:cNvPr id="13" name="TextBox 12">
+            <a:extLst>
+              <a:ext uri="{FF2B5EF4-FFF2-40B4-BE49-F238E27FC236}">
+                <a16:creationId xmlns:a16="http://schemas.microsoft.com/office/drawing/2014/main" id="{F77FC932-ECA4-D6B6-783C-2BDADE47B422}"/>
+              </a:ext>
+            </a:extLst>
+          </p:cNvPr>
+          <p:cNvSpPr txBox="1"/>
+          <p:nvPr/>
+        </p:nvSpPr>
+        <p:spPr>
+          <a:xfrm>
+            <a:off x="8706094" y="2153411"/>
+            <a:ext cx="2525486" cy="369332"/>
+          </a:xfrm>
+          <a:prstGeom prst="rect">
+            <a:avLst/>
+          </a:prstGeom>
+          <a:noFill/>
+        </p:spPr>
+        <p:txBody>
+          <a:bodyPr wrap="square" rtlCol="0">
+            <a:spAutoFit/>
+          </a:bodyPr>
+          <a:lstStyle/>
+          <a:p>
+            <a:r>
+              <a:rPr lang="en-US" dirty="0">
+                <a:hlinkClick r:id="rId8"/>
+              </a:rPr>
+              <a:t>Code</a:t>
+            </a:r>
+            <a:r>
+              <a:rPr lang="en-US" dirty="0"/>
+              <a:t> and </a:t>
+            </a:r>
+            <a:r>
+              <a:rPr lang="en-US" dirty="0">
+                <a:hlinkClick r:id="rId9"/>
+              </a:rPr>
+              <a:t>testbench</a:t>
+            </a:r>
+            <a:r>
+              <a:rPr lang="en-US" dirty="0"/>
+              <a:t> link </a:t>
+            </a:r>
+            <a:endParaRPr lang="el-GR" dirty="0"/>
+          </a:p>
+        </p:txBody>
+      </p:sp>
+      <p:pic>
+        <p:nvPicPr>
+          <p:cNvPr id="2" name="Graphic 1">
+            <a:extLst>
+              <a:ext uri="{FF2B5EF4-FFF2-40B4-BE49-F238E27FC236}">
+                <a16:creationId xmlns:a16="http://schemas.microsoft.com/office/drawing/2014/main" id="{F9A944DC-FD57-BCB9-3FDD-AA50DAA1DE50}"/>
+              </a:ext>
+            </a:extLst>
+          </p:cNvPr>
+          <p:cNvPicPr>
+            <a:picLocks noChangeAspect="1"/>
+          </p:cNvPicPr>
+          <p:nvPr/>
+        </p:nvPicPr>
+        <p:blipFill>
+          <a:blip r:embed="rId10">
+            <a:extLst>
+              <a:ext uri="{96DAC541-7B7A-43D3-8B79-37D633B846F1}">
+                <asvg:svgBlip xmlns:asvg="http://schemas.microsoft.com/office/drawing/2016/SVG/main" r:embed="rId11"/>
+              </a:ext>
+            </a:extLst>
+          </a:blip>
+          <a:stretch>
+            <a:fillRect/>
+          </a:stretch>
+        </p:blipFill>
+        <p:spPr>
+          <a:xfrm>
+            <a:off x="-5530732" y="-3526386"/>
+            <a:ext cx="11061463" cy="6858000"/>
+          </a:xfrm>
+          <a:prstGeom prst="rect">
+            <a:avLst/>
+          </a:prstGeom>
+        </p:spPr>
+      </p:pic>
+      <p:sp>
+        <p:nvSpPr>
+          <p:cNvPr id="14" name="Βέλος: Δεξιό 13">
+            <a:extLst>
+              <a:ext uri="{FF2B5EF4-FFF2-40B4-BE49-F238E27FC236}">
+                <a16:creationId xmlns:a16="http://schemas.microsoft.com/office/drawing/2014/main" id="{094A06B2-CA8B-1154-6997-D4842F3180C9}"/>
+              </a:ext>
+            </a:extLst>
+          </p:cNvPr>
+          <p:cNvSpPr/>
+          <p:nvPr/>
+        </p:nvSpPr>
+        <p:spPr>
+          <a:xfrm rot="6922079">
+            <a:off x="5435139" y="5960819"/>
+            <a:ext cx="191183" cy="190180"/>
+          </a:xfrm>
+          <a:prstGeom prst="rightArrow">
+            <a:avLst/>
+          </a:prstGeom>
+          <a:solidFill>
+            <a:srgbClr val="C00000"/>
+          </a:solidFill>
+        </p:spPr>
+        <p:style>
+          <a:lnRef idx="2">
+            <a:schemeClr val="accent2">
+              <a:shade val="15000"/>
+            </a:schemeClr>
+          </a:lnRef>
+          <a:fillRef idx="1">
+            <a:schemeClr val="accent2"/>
+          </a:fillRef>
+          <a:effectRef idx="0">
+            <a:schemeClr val="accent2"/>
+          </a:effectRef>
+          <a:fontRef idx="minor">
+            <a:schemeClr val="lt1"/>
+          </a:fontRef>
+        </p:style>
+        <p:txBody>
+          <a:bodyPr rtlCol="0" anchor="ctr"/>
+          <a:lstStyle/>
+          <a:p>
+            <a:pPr algn="ctr"/>
+            <a:endParaRPr lang="el-GR"/>
+          </a:p>
+        </p:txBody>
+      </p:sp>
+      <p:sp>
+        <p:nvSpPr>
+          <p:cNvPr id="16" name="TextBox 15">
+            <a:extLst>
+              <a:ext uri="{FF2B5EF4-FFF2-40B4-BE49-F238E27FC236}">
+                <a16:creationId xmlns:a16="http://schemas.microsoft.com/office/drawing/2014/main" id="{F980485D-ED7F-A8A6-2B11-9BAA12EF515D}"/>
+              </a:ext>
+            </a:extLst>
+          </p:cNvPr>
+          <p:cNvSpPr txBox="1"/>
+          <p:nvPr/>
+        </p:nvSpPr>
+        <p:spPr>
+          <a:xfrm>
+            <a:off x="747713" y="2574190"/>
+            <a:ext cx="11366889" cy="2246769"/>
+          </a:xfrm>
+          <a:prstGeom prst="rect">
+            <a:avLst/>
+          </a:prstGeom>
+          <a:noFill/>
+        </p:spPr>
+        <p:txBody>
+          <a:bodyPr wrap="square" rtlCol="0">
+            <a:spAutoFit/>
+          </a:bodyPr>
+          <a:lstStyle/>
+          <a:p>
+            <a:r>
+              <a:rPr lang="en-US" sz="1400" dirty="0"/>
+              <a:t>The waveform is a simulation of a UART communication.</a:t>
+            </a:r>
+          </a:p>
+          <a:p>
+            <a:r>
+              <a:rPr lang="en-US" sz="1400" dirty="0"/>
+              <a:t>From the labels and the activity visible in the waveform:</a:t>
+            </a:r>
+          </a:p>
+          <a:p>
+            <a:r>
+              <a:rPr lang="en-US" sz="1400" i="1" dirty="0" err="1"/>
+              <a:t>clk</a:t>
+            </a:r>
+            <a:r>
+              <a:rPr lang="en-US" sz="1400" i="1" dirty="0"/>
+              <a:t> </a:t>
+            </a:r>
+            <a:r>
+              <a:rPr lang="en-US" sz="1400" dirty="0"/>
+              <a:t>- This is the clock signal, which is oscillating as expected.</a:t>
+            </a:r>
+          </a:p>
+          <a:p>
+            <a:r>
+              <a:rPr lang="en-US" sz="1400" i="1" dirty="0" err="1"/>
+              <a:t>data_in</a:t>
+            </a:r>
+            <a:r>
+              <a:rPr lang="en-US" sz="1400" i="1" dirty="0"/>
+              <a:t>[7:0] </a:t>
+            </a:r>
+            <a:r>
+              <a:rPr lang="en-US" sz="1400" dirty="0"/>
+              <a:t>- This seems to be the input data that is being simulated. First, it shows the binary pattern 10101010, and then it shows 11111111.</a:t>
+            </a:r>
+          </a:p>
+          <a:p>
+            <a:r>
+              <a:rPr lang="en-US" sz="1400" i="1" dirty="0" err="1"/>
+              <a:t>data_out</a:t>
+            </a:r>
+            <a:r>
+              <a:rPr lang="en-US" sz="1400" i="1" dirty="0"/>
+              <a:t>[7:0</a:t>
+            </a:r>
+            <a:r>
+              <a:rPr lang="en-US" sz="1400" dirty="0"/>
+              <a:t>] - This is the output data from the UART receiver. </a:t>
+            </a:r>
+          </a:p>
+          <a:p>
+            <a:r>
+              <a:rPr lang="en-US" sz="1400" i="1" dirty="0" err="1"/>
+              <a:t>halt_status</a:t>
+            </a:r>
+            <a:r>
+              <a:rPr lang="en-US" sz="1400" i="1" dirty="0"/>
+              <a:t> </a:t>
+            </a:r>
+            <a:r>
+              <a:rPr lang="en-US" sz="1400" dirty="0"/>
+              <a:t>- This signal goes high after </a:t>
+            </a:r>
+            <a:r>
+              <a:rPr lang="en-US" sz="1400" dirty="0" err="1"/>
+              <a:t>data_in</a:t>
+            </a:r>
+            <a:r>
+              <a:rPr lang="en-US" sz="1400" dirty="0"/>
+              <a:t> shows 11111111, which suggests that the UART has entered a HALT state as designed, in response to receiving the byte 11111111.</a:t>
+            </a:r>
+          </a:p>
+          <a:p>
+            <a:r>
+              <a:rPr lang="en-US" sz="1400" dirty="0"/>
+              <a:t>reset - The reset signal is initially high and then goes low, which should initialize the system and start the UART receiver.</a:t>
+            </a:r>
+          </a:p>
+          <a:p>
+            <a:endParaRPr lang="en-US" sz="1400" dirty="0"/>
+          </a:p>
+          <a:p>
+            <a:r>
+              <a:rPr lang="en-US" sz="1400" dirty="0"/>
+              <a:t>From the waveform, we can see the intended functionality seems to be working: after 11111111 is received, the </a:t>
+            </a:r>
+            <a:r>
+              <a:rPr lang="en-US" sz="1400" dirty="0" err="1"/>
+              <a:t>halt_status</a:t>
+            </a:r>
+            <a:r>
+              <a:rPr lang="en-US" sz="1400" dirty="0"/>
+              <a:t> signal is activated.</a:t>
+            </a:r>
+            <a:endParaRPr lang="el-GR" sz="1400" dirty="0"/>
+          </a:p>
+        </p:txBody>
+      </p:sp>
+    </p:spTree>
+    <p:extLst>
+      <p:ext uri="{BB962C8B-B14F-4D97-AF65-F5344CB8AC3E}">
+        <p14:creationId xmlns:p14="http://schemas.microsoft.com/office/powerpoint/2010/main" val="44512479"/>
+      </p:ext>
+    </p:extLst>
+  </p:cSld>
+  <p:clrMapOvr>
+    <a:masterClrMapping/>
+  </p:clrMapOvr>
+</p:sld>
+</file>
+
+<file path=ppt/slides/slide11.xml><?xml version="1.0" encoding="utf-8"?>
+<p:sld xmlns:a="http://schemas.openxmlformats.org/drawingml/2006/main" xmlns:r="http://schemas.openxmlformats.org/officeDocument/2006/relationships" xmlns:p="http://schemas.openxmlformats.org/presentationml/2006/main">
+  <p:cSld>
+    <p:spTree>
+      <p:nvGrpSpPr>
+        <p:cNvPr id="1" name=""/>
+        <p:cNvGrpSpPr/>
+        <p:nvPr/>
+      </p:nvGrpSpPr>
+      <p:grpSpPr>
+        <a:xfrm>
+          <a:off x="0" y="0"/>
+          <a:ext cx="0" cy="0"/>
+          <a:chOff x="0" y="0"/>
+          <a:chExt cx="0" cy="0"/>
+        </a:xfrm>
+      </p:grpSpPr>
       <p:sp>
         <p:nvSpPr>
           <p:cNvPr id="3" name="Subtitle 2">
@@ -4798,7 +5404,7 @@
 </p:sld>
 </file>
 
-<file path=ppt/slides/slide11.xml><?xml version="1.0" encoding="utf-8"?>
+<file path=ppt/slides/slide12.xml><?xml version="1.0" encoding="utf-8"?>
 <p:sld xmlns:a="http://schemas.openxmlformats.org/drawingml/2006/main" xmlns:r="http://schemas.openxmlformats.org/officeDocument/2006/relationships" xmlns:p="http://schemas.openxmlformats.org/presentationml/2006/main">
   <p:cSld>
     <p:spTree>
@@ -5109,386 +5715,6 @@
     <p:extLst>
       <p:ext uri="{BB962C8B-B14F-4D97-AF65-F5344CB8AC3E}">
         <p14:creationId xmlns:p14="http://schemas.microsoft.com/office/powerpoint/2010/main" val="1485886594"/>
-      </p:ext>
-    </p:extLst>
-  </p:cSld>
-  <p:clrMapOvr>
-    <a:masterClrMapping/>
-  </p:clrMapOvr>
-</p:sld>
-</file>
-
-<file path=ppt/slides/slide12.xml><?xml version="1.0" encoding="utf-8"?>
-<p:sld xmlns:a="http://schemas.openxmlformats.org/drawingml/2006/main" xmlns:r="http://schemas.openxmlformats.org/officeDocument/2006/relationships" xmlns:p="http://schemas.openxmlformats.org/presentationml/2006/main">
-  <p:cSld>
-    <p:spTree>
-      <p:nvGrpSpPr>
-        <p:cNvPr id="1" name=""/>
-        <p:cNvGrpSpPr/>
-        <p:nvPr/>
-      </p:nvGrpSpPr>
-      <p:grpSpPr>
-        <a:xfrm>
-          <a:off x="0" y="0"/>
-          <a:ext cx="0" cy="0"/>
-          <a:chOff x="0" y="0"/>
-          <a:chExt cx="0" cy="0"/>
-        </a:xfrm>
-      </p:grpSpPr>
-      <p:pic>
-        <p:nvPicPr>
-          <p:cNvPr id="2" name="Graphic 1">
-            <a:extLst>
-              <a:ext uri="{FF2B5EF4-FFF2-40B4-BE49-F238E27FC236}">
-                <a16:creationId xmlns:a16="http://schemas.microsoft.com/office/drawing/2014/main" id="{7934EAE0-B4A2-C924-119E-0AA2E4F0CFE0}"/>
-              </a:ext>
-            </a:extLst>
-          </p:cNvPr>
-          <p:cNvPicPr>
-            <a:picLocks noChangeAspect="1"/>
-          </p:cNvPicPr>
-          <p:nvPr/>
-        </p:nvPicPr>
-        <p:blipFill>
-          <a:blip r:embed="rId2">
-            <a:extLst>
-              <a:ext uri="{96DAC541-7B7A-43D3-8B79-37D633B846F1}">
-                <asvg:svgBlip xmlns:asvg="http://schemas.microsoft.com/office/drawing/2016/SVG/main" r:embed="rId3"/>
-              </a:ext>
-            </a:extLst>
-          </a:blip>
-          <a:stretch>
-            <a:fillRect/>
-          </a:stretch>
-        </p:blipFill>
-        <p:spPr>
-          <a:xfrm>
-            <a:off x="-578735" y="2983170"/>
-            <a:ext cx="13689573" cy="6858000"/>
-          </a:xfrm>
-          <a:prstGeom prst="rect">
-            <a:avLst/>
-          </a:prstGeom>
-        </p:spPr>
-      </p:pic>
-      <p:pic>
-        <p:nvPicPr>
-          <p:cNvPr id="3" name="Graphic 5">
-            <a:extLst>
-              <a:ext uri="{FF2B5EF4-FFF2-40B4-BE49-F238E27FC236}">
-                <a16:creationId xmlns:a16="http://schemas.microsoft.com/office/drawing/2014/main" id="{09AADF04-87BA-5444-1F51-4F6C5B6ED603}"/>
-              </a:ext>
-            </a:extLst>
-          </p:cNvPr>
-          <p:cNvPicPr>
-            <a:picLocks noChangeAspect="1"/>
-          </p:cNvPicPr>
-          <p:nvPr/>
-        </p:nvPicPr>
-        <p:blipFill>
-          <a:blip r:embed="rId4">
-            <a:extLst>
-              <a:ext uri="{96DAC541-7B7A-43D3-8B79-37D633B846F1}">
-                <asvg:svgBlip xmlns:asvg="http://schemas.microsoft.com/office/drawing/2016/SVG/main" r:embed="rId5"/>
-              </a:ext>
-            </a:extLst>
-          </a:blip>
-          <a:stretch>
-            <a:fillRect/>
-          </a:stretch>
-        </p:blipFill>
-        <p:spPr>
-          <a:xfrm>
-            <a:off x="-5530732" y="-3526386"/>
-            <a:ext cx="11061463" cy="6858000"/>
-          </a:xfrm>
-          <a:prstGeom prst="rect">
-            <a:avLst/>
-          </a:prstGeom>
-        </p:spPr>
-      </p:pic>
-      <p:sp>
-        <p:nvSpPr>
-          <p:cNvPr id="4" name="TextBox 3">
-            <a:extLst>
-              <a:ext uri="{FF2B5EF4-FFF2-40B4-BE49-F238E27FC236}">
-                <a16:creationId xmlns:a16="http://schemas.microsoft.com/office/drawing/2014/main" id="{B65AFF8D-FD1F-DC97-494C-859AA613F08F}"/>
-              </a:ext>
-            </a:extLst>
-          </p:cNvPr>
-          <p:cNvSpPr txBox="1"/>
-          <p:nvPr/>
-        </p:nvSpPr>
-        <p:spPr>
-          <a:xfrm>
-            <a:off x="3254683" y="1118898"/>
-            <a:ext cx="8122298" cy="461665"/>
-          </a:xfrm>
-          <a:prstGeom prst="rect">
-            <a:avLst/>
-          </a:prstGeom>
-          <a:noFill/>
-        </p:spPr>
-        <p:txBody>
-          <a:bodyPr wrap="square" rtlCol="0">
-            <a:spAutoFit/>
-          </a:bodyPr>
-          <a:lstStyle/>
-          <a:p>
-            <a:r>
-              <a:rPr lang="en-US" sz="2400" dirty="0">
-                <a:latin typeface="Arial Black" panose="020B0A04020102020204" pitchFamily="34" charset="0"/>
-              </a:rPr>
-              <a:t>Simple (AI gen.)wishbone bus </a:t>
-            </a:r>
-            <a:r>
-              <a:rPr lang="en-US" sz="2400" dirty="0" err="1">
-                <a:latin typeface="Arial Black" panose="020B0A04020102020204" pitchFamily="34" charset="0"/>
-              </a:rPr>
-              <a:t>D.ο.S</a:t>
-            </a:r>
-            <a:r>
-              <a:rPr lang="en-US" sz="2400" dirty="0">
-                <a:latin typeface="Arial Black" panose="020B0A04020102020204" pitchFamily="34" charset="0"/>
-              </a:rPr>
-              <a:t>. </a:t>
-            </a:r>
-            <a:r>
-              <a:rPr lang="en-US" sz="2400" dirty="0" err="1">
-                <a:latin typeface="Arial Black" panose="020B0A04020102020204" pitchFamily="34" charset="0"/>
-              </a:rPr>
-              <a:t>hw</a:t>
-            </a:r>
-            <a:r>
-              <a:rPr lang="en-US" sz="2400" dirty="0">
-                <a:latin typeface="Arial Black" panose="020B0A04020102020204" pitchFamily="34" charset="0"/>
-              </a:rPr>
-              <a:t> trojan</a:t>
-            </a:r>
-            <a:endParaRPr lang="el-GR" sz="2400" dirty="0">
-              <a:latin typeface="Arial Black" panose="020B0A04020102020204" pitchFamily="34" charset="0"/>
-            </a:endParaRPr>
-          </a:p>
-        </p:txBody>
-      </p:sp>
-      <p:sp>
-        <p:nvSpPr>
-          <p:cNvPr id="5" name="TextBox 4">
-            <a:extLst>
-              <a:ext uri="{FF2B5EF4-FFF2-40B4-BE49-F238E27FC236}">
-                <a16:creationId xmlns:a16="http://schemas.microsoft.com/office/drawing/2014/main" id="{5C3D2B3C-4C8A-18CE-07D8-D6660A2E116F}"/>
-              </a:ext>
-            </a:extLst>
-          </p:cNvPr>
-          <p:cNvSpPr txBox="1"/>
-          <p:nvPr/>
-        </p:nvSpPr>
-        <p:spPr>
-          <a:xfrm>
-            <a:off x="3091841" y="1618976"/>
-            <a:ext cx="8447982" cy="369332"/>
-          </a:xfrm>
-          <a:prstGeom prst="rect">
-            <a:avLst/>
-          </a:prstGeom>
-          <a:noFill/>
-        </p:spPr>
-        <p:txBody>
-          <a:bodyPr wrap="square" rtlCol="0">
-            <a:spAutoFit/>
-          </a:bodyPr>
-          <a:lstStyle/>
-          <a:p>
-            <a:pPr algn="ctr"/>
-            <a:r>
-              <a:rPr lang="en-US" dirty="0">
-                <a:hlinkClick r:id="rId6"/>
-              </a:rPr>
-              <a:t>Prompt : https://chat.openai.com/share/89c53be5-10bf-4ecc-859a-894b3ae967c2</a:t>
-            </a:r>
-            <a:endParaRPr lang="el-GR" dirty="0"/>
-          </a:p>
-        </p:txBody>
-      </p:sp>
-      <p:sp>
-        <p:nvSpPr>
-          <p:cNvPr id="7" name="TextBox 6">
-            <a:extLst>
-              <a:ext uri="{FF2B5EF4-FFF2-40B4-BE49-F238E27FC236}">
-                <a16:creationId xmlns:a16="http://schemas.microsoft.com/office/drawing/2014/main" id="{EB06E012-509D-C7D3-63CB-7D6AB5FBBFCF}"/>
-              </a:ext>
-            </a:extLst>
-          </p:cNvPr>
-          <p:cNvSpPr txBox="1"/>
-          <p:nvPr/>
-        </p:nvSpPr>
-        <p:spPr>
-          <a:xfrm>
-            <a:off x="934083" y="3176847"/>
-            <a:ext cx="5697758" cy="1754326"/>
-          </a:xfrm>
-          <a:prstGeom prst="rect">
-            <a:avLst/>
-          </a:prstGeom>
-          <a:noFill/>
-        </p:spPr>
-        <p:txBody>
-          <a:bodyPr wrap="square" rtlCol="0">
-            <a:spAutoFit/>
-          </a:bodyPr>
-          <a:lstStyle/>
-          <a:p>
-            <a:r>
-              <a:rPr lang="en-US" dirty="0"/>
-              <a:t>This is design is simple wishbone bus peripheral in Verilog.</a:t>
-            </a:r>
-          </a:p>
-          <a:p>
-            <a:pPr marL="285750" indent="-285750">
-              <a:buFont typeface="Arial" panose="020B0604020202020204" pitchFamily="34" charset="0"/>
-              <a:buChar char="•"/>
-            </a:pPr>
-            <a:r>
-              <a:rPr lang="en-US" dirty="0"/>
-              <a:t>We added the functionality of a trigger inside the state machine inserted in the </a:t>
-            </a:r>
-            <a:r>
-              <a:rPr lang="en-US" dirty="0" err="1"/>
-              <a:t>wb</a:t>
-            </a:r>
-            <a:r>
-              <a:rPr lang="en-US" dirty="0"/>
-              <a:t> bus core. </a:t>
-            </a:r>
-          </a:p>
-          <a:p>
-            <a:pPr marL="285750" indent="-285750">
-              <a:buFont typeface="Arial" panose="020B0604020202020204" pitchFamily="34" charset="0"/>
-              <a:buChar char="•"/>
-            </a:pPr>
-            <a:r>
-              <a:rPr lang="en-US" dirty="0"/>
-              <a:t>The state machine seeks the sequence of  </a:t>
-            </a:r>
-            <a:r>
-              <a:rPr lang="en-US" b="1" i="1" dirty="0"/>
-              <a:t>32'hCAFEBABE</a:t>
-            </a:r>
-            <a:r>
-              <a:rPr lang="en-US" dirty="0"/>
-              <a:t>. </a:t>
-            </a:r>
-          </a:p>
-          <a:p>
-            <a:pPr marL="285750" indent="-285750">
-              <a:buFont typeface="Arial" panose="020B0604020202020204" pitchFamily="34" charset="0"/>
-              <a:buChar char="•"/>
-            </a:pPr>
-            <a:r>
-              <a:rPr lang="en-US" dirty="0"/>
-              <a:t>After state activation any transmission is blocked and a</a:t>
-            </a:r>
-            <a:endParaRPr lang="en-US" b="1" dirty="0">
-              <a:solidFill>
-                <a:srgbClr val="FF0000"/>
-              </a:solidFill>
-            </a:endParaRPr>
-          </a:p>
-        </p:txBody>
-      </p:sp>
-      <p:sp>
-        <p:nvSpPr>
-          <p:cNvPr id="8" name="TextBox 7">
-            <a:extLst>
-              <a:ext uri="{FF2B5EF4-FFF2-40B4-BE49-F238E27FC236}">
-                <a16:creationId xmlns:a16="http://schemas.microsoft.com/office/drawing/2014/main" id="{215FB6CA-1581-E03E-E864-6281A10F108C}"/>
-              </a:ext>
-            </a:extLst>
-          </p:cNvPr>
-          <p:cNvSpPr txBox="1"/>
-          <p:nvPr/>
-        </p:nvSpPr>
-        <p:spPr>
-          <a:xfrm>
-            <a:off x="6843524" y="2983170"/>
-            <a:ext cx="5147254" cy="2031325"/>
-          </a:xfrm>
-          <a:prstGeom prst="rect">
-            <a:avLst/>
-          </a:prstGeom>
-          <a:noFill/>
-        </p:spPr>
-        <p:txBody>
-          <a:bodyPr wrap="square" rtlCol="0">
-            <a:spAutoFit/>
-          </a:bodyPr>
-          <a:lstStyle/>
-          <a:p>
-            <a:r>
-              <a:rPr lang="en-US" b="1" dirty="0"/>
-              <a:t>Severity of the vulnerability</a:t>
-            </a:r>
-          </a:p>
-          <a:p>
-            <a:endParaRPr lang="en-US" dirty="0"/>
-          </a:p>
-          <a:p>
-            <a:pPr marL="285750" indent="-285750">
-              <a:buFont typeface="Arial" panose="020B0604020202020204" pitchFamily="34" charset="0"/>
-              <a:buChar char="•"/>
-            </a:pPr>
-            <a:r>
-              <a:rPr lang="en-US" dirty="0"/>
-              <a:t>Insertion phase: Design</a:t>
-            </a:r>
-          </a:p>
-          <a:p>
-            <a:pPr marL="285750" indent="-285750">
-              <a:buFont typeface="Arial" panose="020B0604020202020204" pitchFamily="34" charset="0"/>
-              <a:buChar char="•"/>
-            </a:pPr>
-            <a:r>
-              <a:rPr lang="en-US" dirty="0"/>
-              <a:t>Abstraction level: Register‐transfer level (RTL)</a:t>
-            </a:r>
-          </a:p>
-          <a:p>
-            <a:pPr marL="285750" indent="-285750" algn="just">
-              <a:buFont typeface="Arial" panose="020B0604020202020204" pitchFamily="34" charset="0"/>
-              <a:buChar char="•"/>
-            </a:pPr>
-            <a:r>
-              <a:rPr lang="en-US" dirty="0"/>
-              <a:t>Act. mechanism: Conditionally triggered</a:t>
-            </a:r>
-          </a:p>
-          <a:p>
-            <a:pPr marL="285750" indent="-285750">
-              <a:buFont typeface="Arial" panose="020B0604020202020204" pitchFamily="34" charset="0"/>
-              <a:buChar char="•"/>
-            </a:pPr>
-            <a:r>
-              <a:rPr lang="en-US" dirty="0"/>
-              <a:t>Functional Effects: Denial of service</a:t>
-            </a:r>
-          </a:p>
-          <a:p>
-            <a:pPr marL="285750" indent="-285750">
-              <a:buFont typeface="Arial" panose="020B0604020202020204" pitchFamily="34" charset="0"/>
-              <a:buChar char="•"/>
-            </a:pPr>
-            <a:r>
-              <a:rPr lang="en-US" dirty="0"/>
-              <a:t>Physical characteristics: Functional</a:t>
-            </a:r>
-            <a:endParaRPr lang="el-GR" dirty="0"/>
-          </a:p>
-        </p:txBody>
-      </p:sp>
-    </p:spTree>
-    <p:extLst>
-      <p:ext uri="{BB962C8B-B14F-4D97-AF65-F5344CB8AC3E}">
-        <p14:creationId xmlns:p14="http://schemas.microsoft.com/office/powerpoint/2010/main" val="2559688863"/>
       </p:ext>
     </p:extLst>
   </p:cSld>
@@ -5515,12 +5741,84 @@
           <a:chExt cx="0" cy="0"/>
         </a:xfrm>
       </p:grpSpPr>
-      <p:sp>
-        <p:nvSpPr>
-          <p:cNvPr id="5" name="TextBox 4">
-            <a:extLst>
-              <a:ext uri="{FF2B5EF4-FFF2-40B4-BE49-F238E27FC236}">
-                <a16:creationId xmlns:a16="http://schemas.microsoft.com/office/drawing/2014/main" id="{E2308F48-B0D3-AE91-5941-08B0983DAA89}"/>
+      <p:pic>
+        <p:nvPicPr>
+          <p:cNvPr id="2" name="Graphic 1">
+            <a:extLst>
+              <a:ext uri="{FF2B5EF4-FFF2-40B4-BE49-F238E27FC236}">
+                <a16:creationId xmlns:a16="http://schemas.microsoft.com/office/drawing/2014/main" id="{7934EAE0-B4A2-C924-119E-0AA2E4F0CFE0}"/>
+              </a:ext>
+            </a:extLst>
+          </p:cNvPr>
+          <p:cNvPicPr>
+            <a:picLocks noChangeAspect="1"/>
+          </p:cNvPicPr>
+          <p:nvPr/>
+        </p:nvPicPr>
+        <p:blipFill>
+          <a:blip r:embed="rId2">
+            <a:extLst>
+              <a:ext uri="{96DAC541-7B7A-43D3-8B79-37D633B846F1}">
+                <asvg:svgBlip xmlns:asvg="http://schemas.microsoft.com/office/drawing/2016/SVG/main" r:embed="rId3"/>
+              </a:ext>
+            </a:extLst>
+          </a:blip>
+          <a:stretch>
+            <a:fillRect/>
+          </a:stretch>
+        </p:blipFill>
+        <p:spPr>
+          <a:xfrm>
+            <a:off x="-578735" y="2983170"/>
+            <a:ext cx="13689573" cy="6858000"/>
+          </a:xfrm>
+          <a:prstGeom prst="rect">
+            <a:avLst/>
+          </a:prstGeom>
+        </p:spPr>
+      </p:pic>
+      <p:pic>
+        <p:nvPicPr>
+          <p:cNvPr id="3" name="Graphic 5">
+            <a:extLst>
+              <a:ext uri="{FF2B5EF4-FFF2-40B4-BE49-F238E27FC236}">
+                <a16:creationId xmlns:a16="http://schemas.microsoft.com/office/drawing/2014/main" id="{09AADF04-87BA-5444-1F51-4F6C5B6ED603}"/>
+              </a:ext>
+            </a:extLst>
+          </p:cNvPr>
+          <p:cNvPicPr>
+            <a:picLocks noChangeAspect="1"/>
+          </p:cNvPicPr>
+          <p:nvPr/>
+        </p:nvPicPr>
+        <p:blipFill>
+          <a:blip r:embed="rId4">
+            <a:extLst>
+              <a:ext uri="{96DAC541-7B7A-43D3-8B79-37D633B846F1}">
+                <asvg:svgBlip xmlns:asvg="http://schemas.microsoft.com/office/drawing/2016/SVG/main" r:embed="rId5"/>
+              </a:ext>
+            </a:extLst>
+          </a:blip>
+          <a:stretch>
+            <a:fillRect/>
+          </a:stretch>
+        </p:blipFill>
+        <p:spPr>
+          <a:xfrm>
+            <a:off x="-5530732" y="-3526386"/>
+            <a:ext cx="11061463" cy="6858000"/>
+          </a:xfrm>
+          <a:prstGeom prst="rect">
+            <a:avLst/>
+          </a:prstGeom>
+        </p:spPr>
+      </p:pic>
+      <p:sp>
+        <p:nvSpPr>
+          <p:cNvPr id="4" name="TextBox 3">
+            <a:extLst>
+              <a:ext uri="{FF2B5EF4-FFF2-40B4-BE49-F238E27FC236}">
+                <a16:creationId xmlns:a16="http://schemas.microsoft.com/office/drawing/2014/main" id="{B65AFF8D-FD1F-DC97-494C-859AA613F08F}"/>
               </a:ext>
             </a:extLst>
           </p:cNvPr>
@@ -5529,8 +5827,8 @@
         </p:nvSpPr>
         <p:spPr>
           <a:xfrm>
-            <a:off x="5326551" y="53259"/>
-            <a:ext cx="2068969" cy="830997"/>
+            <a:off x="3254683" y="1118898"/>
+            <a:ext cx="8122298" cy="461665"/>
           </a:xfrm>
           <a:prstGeom prst="rect">
             <a:avLst/>
@@ -5544,53 +5842,47 @@
           <a:lstStyle/>
           <a:p>
             <a:r>
-              <a:rPr lang="en-US" sz="4800" dirty="0" err="1">
+              <a:rPr lang="en-US" sz="2400" dirty="0">
                 <a:latin typeface="Arial Black" panose="020B0A04020102020204" pitchFamily="34" charset="0"/>
               </a:rPr>
-              <a:t>P.o.C.</a:t>
-            </a:r>
-            <a:endParaRPr lang="el-GR" sz="4800" dirty="0">
+              <a:t>Simple (AI gen.)wishbone bus </a:t>
+            </a:r>
+            <a:r>
+              <a:rPr lang="en-US" sz="2400" dirty="0" err="1">
+                <a:latin typeface="Arial Black" panose="020B0A04020102020204" pitchFamily="34" charset="0"/>
+              </a:rPr>
+              <a:t>D.ο.S</a:t>
+            </a:r>
+            <a:r>
+              <a:rPr lang="en-US" sz="2400" dirty="0">
+                <a:latin typeface="Arial Black" panose="020B0A04020102020204" pitchFamily="34" charset="0"/>
+              </a:rPr>
+              <a:t>. </a:t>
+            </a:r>
+            <a:r>
+              <a:rPr lang="en-US" sz="2400" dirty="0" err="1">
+                <a:latin typeface="Arial Black" panose="020B0A04020102020204" pitchFamily="34" charset="0"/>
+              </a:rPr>
+              <a:t>hw</a:t>
+            </a:r>
+            <a:r>
+              <a:rPr lang="en-US" sz="2400" dirty="0">
+                <a:latin typeface="Arial Black" panose="020B0A04020102020204" pitchFamily="34" charset="0"/>
+              </a:rPr>
+              <a:t> trojan</a:t>
+            </a:r>
+            <a:endParaRPr lang="el-GR" sz="2400" dirty="0">
               <a:latin typeface="Arial Black" panose="020B0A04020102020204" pitchFamily="34" charset="0"/>
             </a:endParaRPr>
           </a:p>
         </p:txBody>
       </p:sp>
-      <p:pic>
-        <p:nvPicPr>
-          <p:cNvPr id="14" name="Picture 13">
-            <a:extLst>
-              <a:ext uri="{FF2B5EF4-FFF2-40B4-BE49-F238E27FC236}">
-                <a16:creationId xmlns:a16="http://schemas.microsoft.com/office/drawing/2014/main" id="{FD8507D1-84E1-8808-2AF5-EE80A44EA3BC}"/>
-              </a:ext>
-            </a:extLst>
-          </p:cNvPr>
-          <p:cNvPicPr>
-            <a:picLocks noChangeAspect="1"/>
-          </p:cNvPicPr>
-          <p:nvPr/>
-        </p:nvPicPr>
-        <p:blipFill>
-          <a:blip r:embed="rId2"/>
-          <a:stretch>
-            <a:fillRect/>
-          </a:stretch>
-        </p:blipFill>
-        <p:spPr>
-          <a:xfrm>
-            <a:off x="436096" y="4931368"/>
-            <a:ext cx="11430000" cy="1873373"/>
-          </a:xfrm>
-          <a:prstGeom prst="rect">
-            <a:avLst/>
-          </a:prstGeom>
-        </p:spPr>
-      </p:pic>
-      <p:sp>
-        <p:nvSpPr>
-          <p:cNvPr id="2" name="TextBox 1">
-            <a:extLst>
-              <a:ext uri="{FF2B5EF4-FFF2-40B4-BE49-F238E27FC236}">
-                <a16:creationId xmlns:a16="http://schemas.microsoft.com/office/drawing/2014/main" id="{60BC2B53-90D2-C0F0-ECF2-84D46305991F}"/>
+      <p:sp>
+        <p:nvSpPr>
+          <p:cNvPr id="5" name="TextBox 4">
+            <a:extLst>
+              <a:ext uri="{FF2B5EF4-FFF2-40B4-BE49-F238E27FC236}">
+                <a16:creationId xmlns:a16="http://schemas.microsoft.com/office/drawing/2014/main" id="{5C3D2B3C-4C8A-18CE-07D8-D6660A2E116F}"/>
               </a:ext>
             </a:extLst>
           </p:cNvPr>
@@ -5599,8 +5891,8 @@
         </p:nvSpPr>
         <p:spPr>
           <a:xfrm>
-            <a:off x="488205" y="651974"/>
-            <a:ext cx="4764930" cy="369332"/>
+            <a:off x="3091841" y="1618976"/>
+            <a:ext cx="8447982" cy="369332"/>
           </a:xfrm>
           <a:prstGeom prst="rect">
             <a:avLst/>
@@ -5613,19 +5905,12 @@
           </a:bodyPr>
           <a:lstStyle/>
           <a:p>
-            <a:r>
-              <a:rPr lang="en-US" dirty="0"/>
-              <a:t>Simulation without trojan: (</a:t>
-            </a:r>
+            <a:pPr algn="ctr"/>
             <a:r>
               <a:rPr lang="en-US" dirty="0">
-                <a:hlinkClick r:id="rId3"/>
+                <a:hlinkClick r:id="rId6"/>
               </a:rPr>
-              <a:t>Code and Simulation</a:t>
-            </a:r>
-            <a:r>
-              <a:rPr lang="en-US" dirty="0"/>
-              <a:t>)</a:t>
+              <a:t>Prompt : https://chat.openai.com/share/89c53be5-10bf-4ecc-859a-894b3ae967c2</a:t>
             </a:r>
             <a:endParaRPr lang="el-GR" dirty="0"/>
           </a:p>
@@ -5633,10 +5918,10 @@
       </p:sp>
       <p:sp>
         <p:nvSpPr>
-          <p:cNvPr id="3" name="TextBox 2">
-            <a:extLst>
-              <a:ext uri="{FF2B5EF4-FFF2-40B4-BE49-F238E27FC236}">
-                <a16:creationId xmlns:a16="http://schemas.microsoft.com/office/drawing/2014/main" id="{C24B832F-D9FE-5E20-E011-20BBFDA3EE8E}"/>
+          <p:cNvPr id="7" name="TextBox 6">
+            <a:extLst>
+              <a:ext uri="{FF2B5EF4-FFF2-40B4-BE49-F238E27FC236}">
+                <a16:creationId xmlns:a16="http://schemas.microsoft.com/office/drawing/2014/main" id="{EB06E012-509D-C7D3-63CB-7D6AB5FBBFCF}"/>
               </a:ext>
             </a:extLst>
           </p:cNvPr>
@@ -5645,8 +5930,8 @@
         </p:nvSpPr>
         <p:spPr>
           <a:xfrm>
-            <a:off x="965719" y="1298954"/>
-            <a:ext cx="9965094" cy="3354765"/>
+            <a:off x="934083" y="3176847"/>
+            <a:ext cx="5697758" cy="1754326"/>
           </a:xfrm>
           <a:prstGeom prst="rect">
             <a:avLst/>
@@ -5660,180 +5945,156 @@
           <a:lstStyle/>
           <a:p>
             <a:r>
-              <a:rPr lang="en-US" sz="1600" dirty="0"/>
-              <a:t>In this simulation snapshot:</a:t>
-            </a:r>
-          </a:p>
-          <a:p>
-            <a:endParaRPr lang="en-US" sz="1600" dirty="0"/>
-          </a:p>
-          <a:p>
-            <a:r>
-              <a:rPr lang="en-US" sz="1600" dirty="0"/>
-              <a:t>The </a:t>
-            </a:r>
-            <a:r>
-              <a:rPr lang="en-US" sz="1600" b="1" i="1" dirty="0" err="1"/>
-              <a:t>clk</a:t>
-            </a:r>
-            <a:r>
-              <a:rPr lang="en-US" sz="1600" dirty="0"/>
-              <a:t> signal is oscillating as expected, providing the timing reference for all transactions.</a:t>
-            </a:r>
-          </a:p>
-          <a:p>
-            <a:r>
-              <a:rPr lang="en-US" sz="1600" dirty="0"/>
-              <a:t>The </a:t>
-            </a:r>
-            <a:r>
-              <a:rPr lang="en-US" sz="1600" b="1" i="1" dirty="0" err="1"/>
-              <a:t>rst_n</a:t>
-            </a:r>
-            <a:r>
-              <a:rPr lang="en-US" sz="1600" b="1" i="1" dirty="0"/>
-              <a:t> </a:t>
-            </a:r>
-            <a:r>
-              <a:rPr lang="en-US" sz="1600" dirty="0"/>
-              <a:t>signal is initially low, indicating a reset condition, then goes high to start normal operation.</a:t>
-            </a:r>
-          </a:p>
-          <a:p>
-            <a:r>
-              <a:rPr lang="en-US" sz="1600" dirty="0"/>
-              <a:t>The </a:t>
-            </a:r>
-            <a:r>
-              <a:rPr lang="en-US" sz="1600" b="1" i="1" dirty="0" err="1"/>
-              <a:t>adr</a:t>
-            </a:r>
-            <a:r>
-              <a:rPr lang="en-US" sz="1600" dirty="0"/>
-              <a:t> bus changes its value to </a:t>
-            </a:r>
-            <a:r>
-              <a:rPr lang="en-US" sz="1600" i="1" dirty="0"/>
-              <a:t>1, 2,</a:t>
-            </a:r>
-            <a:r>
-              <a:rPr lang="en-US" sz="1600" dirty="0"/>
-              <a:t> and back to </a:t>
-            </a:r>
-            <a:r>
-              <a:rPr lang="en-US" sz="1600" i="1" dirty="0"/>
-              <a:t>1</a:t>
-            </a:r>
-            <a:r>
-              <a:rPr lang="en-US" sz="1600" dirty="0"/>
-              <a:t>, indicating different addresses are being accessed.</a:t>
-            </a:r>
-          </a:p>
-          <a:p>
-            <a:r>
-              <a:rPr lang="en-US" sz="1600" dirty="0"/>
-              <a:t>The </a:t>
-            </a:r>
-            <a:r>
-              <a:rPr lang="en-US" sz="1600" b="1" i="1" dirty="0" err="1"/>
-              <a:t>stb</a:t>
-            </a:r>
-            <a:r>
-              <a:rPr lang="en-US" sz="1600" dirty="0"/>
-              <a:t> and </a:t>
-            </a:r>
-            <a:r>
-              <a:rPr lang="en-US" sz="1600" b="1" i="1" dirty="0" err="1"/>
-              <a:t>cyc</a:t>
-            </a:r>
-            <a:r>
-              <a:rPr lang="en-US" sz="1600" dirty="0"/>
-              <a:t> signals are asserted (high) when there is an active bus transaction.</a:t>
-            </a:r>
-          </a:p>
-          <a:p>
-            <a:r>
-              <a:rPr lang="en-US" sz="1600" dirty="0"/>
-              <a:t>The we signal is not asserted at all, suggesting that the transactions shown are read operations from the perspective of the master.</a:t>
-            </a:r>
-          </a:p>
-          <a:p>
-            <a:r>
-              <a:rPr lang="en-US" sz="1600" dirty="0"/>
-              <a:t>The </a:t>
-            </a:r>
-            <a:r>
-              <a:rPr lang="en-US" sz="1600" b="1" i="1" dirty="0" err="1"/>
-              <a:t>dat_mosi</a:t>
-            </a:r>
-            <a:r>
-              <a:rPr lang="en-US" sz="1600" b="1" i="1" dirty="0"/>
-              <a:t> </a:t>
-            </a:r>
-            <a:r>
-              <a:rPr lang="en-US" sz="1600" dirty="0"/>
-              <a:t>signal contains the values </a:t>
-            </a:r>
-            <a:r>
-              <a:rPr lang="en-US" sz="1600" i="1" dirty="0" err="1"/>
-              <a:t>dead_beef</a:t>
-            </a:r>
-            <a:r>
-              <a:rPr lang="en-US" sz="1600" i="1" dirty="0"/>
-              <a:t> </a:t>
-            </a:r>
-            <a:r>
-              <a:rPr lang="en-US" sz="1600" dirty="0"/>
-              <a:t>and </a:t>
-            </a:r>
-            <a:r>
-              <a:rPr lang="en-US" sz="1600" i="1" dirty="0" err="1"/>
-              <a:t>cafe_babe</a:t>
-            </a:r>
-            <a:r>
-              <a:rPr lang="en-US" sz="1600" dirty="0"/>
-              <a:t>, which are likely test data written to the bus.</a:t>
-            </a:r>
-          </a:p>
-          <a:p>
-            <a:r>
-              <a:rPr lang="en-US" sz="1600" dirty="0"/>
-              <a:t>The </a:t>
-            </a:r>
-            <a:r>
-              <a:rPr lang="en-US" sz="1600" b="1" i="1" dirty="0" err="1"/>
-              <a:t>dat_miso</a:t>
-            </a:r>
-            <a:r>
-              <a:rPr lang="en-US" sz="1600" b="1" i="1" dirty="0"/>
-              <a:t> </a:t>
-            </a:r>
-            <a:r>
-              <a:rPr lang="en-US" sz="1600" dirty="0"/>
-              <a:t>shows an undefined state (</a:t>
-            </a:r>
-            <a:r>
-              <a:rPr lang="en-US" sz="1600" i="1" dirty="0" err="1"/>
-              <a:t>xxxx</a:t>
-            </a:r>
-            <a:r>
-              <a:rPr lang="en-US" sz="1600" dirty="0"/>
-              <a:t>) initially, which suggests that the data read from the slave device has not yet been driven or there might be a delay in the slave's response or an issue with the slave's response generation logic.</a:t>
-            </a:r>
-          </a:p>
-          <a:p>
-            <a:r>
-              <a:rPr lang="en-US" sz="1600" dirty="0"/>
-              <a:t>The ack signal goes high after each address change, which implies that the slave device is acknowledging the read requests.</a:t>
-            </a:r>
-            <a:endParaRPr lang="el-GR" sz="1600" dirty="0"/>
+              <a:rPr lang="en-US" dirty="0"/>
+              <a:t>This is design is simple wishbone bus peripheral in Verilog.</a:t>
+            </a:r>
+          </a:p>
+          <a:p>
+            <a:pPr marL="285750" indent="-285750">
+              <a:buFont typeface="Arial" panose="020B0604020202020204" pitchFamily="34" charset="0"/>
+              <a:buChar char="•"/>
+            </a:pPr>
+            <a:r>
+              <a:rPr lang="en-US" dirty="0"/>
+              <a:t>We added the functionality of a trigger inside the state machine inserted in the </a:t>
+            </a:r>
+            <a:r>
+              <a:rPr lang="en-US" dirty="0" err="1"/>
+              <a:t>wb</a:t>
+            </a:r>
+            <a:r>
+              <a:rPr lang="en-US" dirty="0"/>
+              <a:t> bus core. </a:t>
+            </a:r>
+          </a:p>
+          <a:p>
+            <a:pPr marL="285750" indent="-285750">
+              <a:buFont typeface="Arial" panose="020B0604020202020204" pitchFamily="34" charset="0"/>
+              <a:buChar char="•"/>
+            </a:pPr>
+            <a:r>
+              <a:rPr lang="en-US" dirty="0"/>
+              <a:t>The state machine seeks the sequence of  </a:t>
+            </a:r>
+            <a:r>
+              <a:rPr lang="en-US" b="1" i="1" dirty="0"/>
+              <a:t>32'hCAFEBABE</a:t>
+            </a:r>
+            <a:r>
+              <a:rPr lang="en-US" dirty="0"/>
+              <a:t>. </a:t>
+            </a:r>
+          </a:p>
+          <a:p>
+            <a:pPr marL="285750" indent="-285750">
+              <a:buFont typeface="Arial" panose="020B0604020202020204" pitchFamily="34" charset="0"/>
+              <a:buChar char="•"/>
+            </a:pPr>
+            <a:r>
+              <a:rPr lang="en-US" dirty="0"/>
+              <a:t>After state activation any transmission is blocked and a</a:t>
+            </a:r>
+            <a:endParaRPr lang="en-US" b="1" dirty="0">
+              <a:solidFill>
+                <a:srgbClr val="FF0000"/>
+              </a:solidFill>
+            </a:endParaRPr>
+          </a:p>
+        </p:txBody>
+      </p:sp>
+      <p:sp>
+        <p:nvSpPr>
+          <p:cNvPr id="8" name="TextBox 7">
+            <a:extLst>
+              <a:ext uri="{FF2B5EF4-FFF2-40B4-BE49-F238E27FC236}">
+                <a16:creationId xmlns:a16="http://schemas.microsoft.com/office/drawing/2014/main" id="{215FB6CA-1581-E03E-E864-6281A10F108C}"/>
+              </a:ext>
+            </a:extLst>
+          </p:cNvPr>
+          <p:cNvSpPr txBox="1"/>
+          <p:nvPr/>
+        </p:nvSpPr>
+        <p:spPr>
+          <a:xfrm>
+            <a:off x="6843524" y="2983170"/>
+            <a:ext cx="5147254" cy="2031325"/>
+          </a:xfrm>
+          <a:prstGeom prst="rect">
+            <a:avLst/>
+          </a:prstGeom>
+          <a:noFill/>
+        </p:spPr>
+        <p:txBody>
+          <a:bodyPr wrap="square" rtlCol="0">
+            <a:spAutoFit/>
+          </a:bodyPr>
+          <a:lstStyle/>
+          <a:p>
+            <a:r>
+              <a:rPr lang="en-US" b="1" dirty="0"/>
+              <a:t>Severity of the vulnerability</a:t>
+            </a:r>
+          </a:p>
+          <a:p>
+            <a:endParaRPr lang="en-US" dirty="0"/>
+          </a:p>
+          <a:p>
+            <a:pPr marL="285750" indent="-285750">
+              <a:buFont typeface="Arial" panose="020B0604020202020204" pitchFamily="34" charset="0"/>
+              <a:buChar char="•"/>
+            </a:pPr>
+            <a:r>
+              <a:rPr lang="en-US" dirty="0"/>
+              <a:t>Insertion phase: Design</a:t>
+            </a:r>
+          </a:p>
+          <a:p>
+            <a:pPr marL="285750" indent="-285750">
+              <a:buFont typeface="Arial" panose="020B0604020202020204" pitchFamily="34" charset="0"/>
+              <a:buChar char="•"/>
+            </a:pPr>
+            <a:r>
+              <a:rPr lang="en-US" dirty="0"/>
+              <a:t>Abstraction level: Register‐transfer level (RTL)</a:t>
+            </a:r>
+          </a:p>
+          <a:p>
+            <a:pPr marL="285750" indent="-285750" algn="just">
+              <a:buFont typeface="Arial" panose="020B0604020202020204" pitchFamily="34" charset="0"/>
+              <a:buChar char="•"/>
+            </a:pPr>
+            <a:r>
+              <a:rPr lang="en-US" dirty="0"/>
+              <a:t>Act. mechanism: Conditionally triggered</a:t>
+            </a:r>
+          </a:p>
+          <a:p>
+            <a:pPr marL="285750" indent="-285750">
+              <a:buFont typeface="Arial" panose="020B0604020202020204" pitchFamily="34" charset="0"/>
+              <a:buChar char="•"/>
+            </a:pPr>
+            <a:r>
+              <a:rPr lang="en-US" dirty="0"/>
+              <a:t>Functional Effects: Denial of service</a:t>
+            </a:r>
+          </a:p>
+          <a:p>
+            <a:pPr marL="285750" indent="-285750">
+              <a:buFont typeface="Arial" panose="020B0604020202020204" pitchFamily="34" charset="0"/>
+              <a:buChar char="•"/>
+            </a:pPr>
+            <a:r>
+              <a:rPr lang="en-US" dirty="0"/>
+              <a:t>Physical characteristics: Functional</a:t>
+            </a:r>
+            <a:endParaRPr lang="el-GR" dirty="0"/>
           </a:p>
         </p:txBody>
       </p:sp>
     </p:spTree>
     <p:extLst>
       <p:ext uri="{BB962C8B-B14F-4D97-AF65-F5344CB8AC3E}">
-        <p14:creationId xmlns:p14="http://schemas.microsoft.com/office/powerpoint/2010/main" val="224366493"/>
+        <p14:creationId xmlns:p14="http://schemas.microsoft.com/office/powerpoint/2010/main" val="2559688863"/>
       </p:ext>
     </p:extLst>
   </p:cSld>
@@ -5862,10 +6123,10 @@
       </p:grpSpPr>
       <p:sp>
         <p:nvSpPr>
-          <p:cNvPr id="2" name="TextBox 1">
-            <a:extLst>
-              <a:ext uri="{FF2B5EF4-FFF2-40B4-BE49-F238E27FC236}">
-                <a16:creationId xmlns:a16="http://schemas.microsoft.com/office/drawing/2014/main" id="{82EF0407-1C56-5C2E-FD66-DBAC24AEDCE3}"/>
+          <p:cNvPr id="5" name="TextBox 4">
+            <a:extLst>
+              <a:ext uri="{FF2B5EF4-FFF2-40B4-BE49-F238E27FC236}">
+                <a16:creationId xmlns:a16="http://schemas.microsoft.com/office/drawing/2014/main" id="{E2308F48-B0D3-AE91-5941-08B0983DAA89}"/>
               </a:ext>
             </a:extLst>
           </p:cNvPr>
@@ -5874,8 +6135,8 @@
         </p:nvSpPr>
         <p:spPr>
           <a:xfrm>
-            <a:off x="3372434" y="1253026"/>
-            <a:ext cx="4572000" cy="369332"/>
+            <a:off x="5326551" y="53259"/>
+            <a:ext cx="2068969" cy="830997"/>
           </a:xfrm>
           <a:prstGeom prst="rect">
             <a:avLst/>
@@ -5889,29 +6150,23 @@
           <a:lstStyle/>
           <a:p>
             <a:r>
-              <a:rPr lang="en-US" dirty="0"/>
-              <a:t>Simulation with Trojan (</a:t>
-            </a:r>
-            <a:r>
-              <a:rPr lang="en-US" dirty="0">
-                <a:hlinkClick r:id="rId2"/>
+              <a:rPr lang="en-US" sz="4800" dirty="0" err="1">
+                <a:latin typeface="Arial Black" panose="020B0A04020102020204" pitchFamily="34" charset="0"/>
               </a:rPr>
-              <a:t>Code and Simulation</a:t>
-            </a:r>
-            <a:r>
-              <a:rPr lang="en-US" dirty="0"/>
-              <a:t>):</a:t>
-            </a:r>
-            <a:endParaRPr lang="el-GR" dirty="0"/>
+              <a:t>P.o.C.</a:t>
+            </a:r>
+            <a:endParaRPr lang="el-GR" sz="4800" dirty="0">
+              <a:latin typeface="Arial Black" panose="020B0A04020102020204" pitchFamily="34" charset="0"/>
+            </a:endParaRPr>
           </a:p>
         </p:txBody>
       </p:sp>
       <p:pic>
         <p:nvPicPr>
-          <p:cNvPr id="3" name="Picture 15">
-            <a:extLst>
-              <a:ext uri="{FF2B5EF4-FFF2-40B4-BE49-F238E27FC236}">
-                <a16:creationId xmlns:a16="http://schemas.microsoft.com/office/drawing/2014/main" id="{DADA5C07-0EE4-0B8E-81D8-939D01849582}"/>
+          <p:cNvPr id="14" name="Picture 13">
+            <a:extLst>
+              <a:ext uri="{FF2B5EF4-FFF2-40B4-BE49-F238E27FC236}">
+                <a16:creationId xmlns:a16="http://schemas.microsoft.com/office/drawing/2014/main" id="{FD8507D1-84E1-8808-2AF5-EE80A44EA3BC}"/>
               </a:ext>
             </a:extLst>
           </p:cNvPr>
@@ -5921,15 +6176,15 @@
           <p:nvPr/>
         </p:nvPicPr>
         <p:blipFill>
-          <a:blip r:embed="rId3"/>
+          <a:blip r:embed="rId2"/>
           <a:stretch>
             <a:fillRect/>
           </a:stretch>
         </p:blipFill>
         <p:spPr>
           <a:xfrm>
-            <a:off x="538733" y="4577929"/>
-            <a:ext cx="11429999" cy="1582278"/>
+            <a:off x="436096" y="4931368"/>
+            <a:ext cx="11430000" cy="1873373"/>
           </a:xfrm>
           <a:prstGeom prst="rect">
             <a:avLst/>
@@ -5938,10 +6193,10 @@
       </p:pic>
       <p:sp>
         <p:nvSpPr>
-          <p:cNvPr id="4" name="TextBox 3">
-            <a:extLst>
-              <a:ext uri="{FF2B5EF4-FFF2-40B4-BE49-F238E27FC236}">
-                <a16:creationId xmlns:a16="http://schemas.microsoft.com/office/drawing/2014/main" id="{BE93B0F8-33A0-107D-4F50-2B37F37C0F6F}"/>
+          <p:cNvPr id="2" name="TextBox 1">
+            <a:extLst>
+              <a:ext uri="{FF2B5EF4-FFF2-40B4-BE49-F238E27FC236}">
+                <a16:creationId xmlns:a16="http://schemas.microsoft.com/office/drawing/2014/main" id="{60BC2B53-90D2-C0F0-ECF2-84D46305991F}"/>
               </a:ext>
             </a:extLst>
           </p:cNvPr>
@@ -5950,8 +6205,8 @@
         </p:nvSpPr>
         <p:spPr>
           <a:xfrm>
-            <a:off x="774440" y="1889449"/>
-            <a:ext cx="10296330" cy="2308324"/>
+            <a:off x="488205" y="651974"/>
+            <a:ext cx="4764930" cy="369332"/>
           </a:xfrm>
           <a:prstGeom prst="rect">
             <a:avLst/>
@@ -5966,61 +6221,225 @@
           <a:p>
             <a:r>
               <a:rPr lang="en-US" dirty="0"/>
-              <a:t>What this waveform reveals is a sequence of transactions over a Wishbone bus interface, where the master is sequentially reading from addresses 1, 2, and 3. </a:t>
-            </a:r>
-          </a:p>
-          <a:p>
-            <a:endParaRPr lang="en-US" dirty="0"/>
-          </a:p>
-          <a:p>
+              <a:t>Simulation without trojan: (</a:t>
+            </a:r>
+            <a:r>
+              <a:rPr lang="en-US" dirty="0">
+                <a:hlinkClick r:id="rId3"/>
+              </a:rPr>
+              <a:t>Code and Simulation</a:t>
+            </a:r>
             <a:r>
               <a:rPr lang="en-US" dirty="0"/>
-              <a:t>-The undefined data initially present on the </a:t>
-            </a:r>
-            <a:r>
-              <a:rPr lang="en-US" dirty="0" err="1"/>
+              <a:t>)</a:t>
+            </a:r>
+            <a:endParaRPr lang="el-GR" dirty="0"/>
+          </a:p>
+        </p:txBody>
+      </p:sp>
+      <p:sp>
+        <p:nvSpPr>
+          <p:cNvPr id="3" name="TextBox 2">
+            <a:extLst>
+              <a:ext uri="{FF2B5EF4-FFF2-40B4-BE49-F238E27FC236}">
+                <a16:creationId xmlns:a16="http://schemas.microsoft.com/office/drawing/2014/main" id="{C24B832F-D9FE-5E20-E011-20BBFDA3EE8E}"/>
+              </a:ext>
+            </a:extLst>
+          </p:cNvPr>
+          <p:cNvSpPr txBox="1"/>
+          <p:nvPr/>
+        </p:nvSpPr>
+        <p:spPr>
+          <a:xfrm>
+            <a:off x="965719" y="1298954"/>
+            <a:ext cx="9965094" cy="3354765"/>
+          </a:xfrm>
+          <a:prstGeom prst="rect">
+            <a:avLst/>
+          </a:prstGeom>
+          <a:noFill/>
+        </p:spPr>
+        <p:txBody>
+          <a:bodyPr wrap="square" rtlCol="0">
+            <a:spAutoFit/>
+          </a:bodyPr>
+          <a:lstStyle/>
+          <a:p>
+            <a:r>
+              <a:rPr lang="en-US" sz="1600" dirty="0"/>
+              <a:t>In this simulation snapshot:</a:t>
+            </a:r>
+          </a:p>
+          <a:p>
+            <a:endParaRPr lang="en-US" sz="1600" dirty="0"/>
+          </a:p>
+          <a:p>
+            <a:r>
+              <a:rPr lang="en-US" sz="1600" dirty="0"/>
+              <a:t>The </a:t>
+            </a:r>
+            <a:r>
+              <a:rPr lang="en-US" sz="1600" b="1" i="1" dirty="0" err="1"/>
+              <a:t>clk</a:t>
+            </a:r>
+            <a:r>
+              <a:rPr lang="en-US" sz="1600" dirty="0"/>
+              <a:t> signal is oscillating as expected, providing the timing reference for all transactions.</a:t>
+            </a:r>
+          </a:p>
+          <a:p>
+            <a:r>
+              <a:rPr lang="en-US" sz="1600" dirty="0"/>
+              <a:t>The </a:t>
+            </a:r>
+            <a:r>
+              <a:rPr lang="en-US" sz="1600" b="1" i="1" dirty="0" err="1"/>
+              <a:t>rst_n</a:t>
+            </a:r>
+            <a:r>
+              <a:rPr lang="en-US" sz="1600" b="1" i="1" dirty="0"/>
+              <a:t> </a:t>
+            </a:r>
+            <a:r>
+              <a:rPr lang="en-US" sz="1600" dirty="0"/>
+              <a:t>signal is initially low, indicating a reset condition, then goes high to start normal operation.</a:t>
+            </a:r>
+          </a:p>
+          <a:p>
+            <a:r>
+              <a:rPr lang="en-US" sz="1600" dirty="0"/>
+              <a:t>The </a:t>
+            </a:r>
+            <a:r>
+              <a:rPr lang="en-US" sz="1600" b="1" i="1" dirty="0" err="1"/>
+              <a:t>adr</a:t>
+            </a:r>
+            <a:r>
+              <a:rPr lang="en-US" sz="1600" dirty="0"/>
+              <a:t> bus changes its value to </a:t>
+            </a:r>
+            <a:r>
+              <a:rPr lang="en-US" sz="1600" i="1" dirty="0"/>
+              <a:t>1, 2,</a:t>
+            </a:r>
+            <a:r>
+              <a:rPr lang="en-US" sz="1600" dirty="0"/>
+              <a:t> and back to </a:t>
+            </a:r>
+            <a:r>
+              <a:rPr lang="en-US" sz="1600" i="1" dirty="0"/>
+              <a:t>1</a:t>
+            </a:r>
+            <a:r>
+              <a:rPr lang="en-US" sz="1600" dirty="0"/>
+              <a:t>, indicating different addresses are being accessed.</a:t>
+            </a:r>
+          </a:p>
+          <a:p>
+            <a:r>
+              <a:rPr lang="en-US" sz="1600" dirty="0"/>
+              <a:t>The </a:t>
+            </a:r>
+            <a:r>
+              <a:rPr lang="en-US" sz="1600" b="1" i="1" dirty="0" err="1"/>
+              <a:t>stb</a:t>
+            </a:r>
+            <a:r>
+              <a:rPr lang="en-US" sz="1600" dirty="0"/>
+              <a:t> and </a:t>
+            </a:r>
+            <a:r>
+              <a:rPr lang="en-US" sz="1600" b="1" i="1" dirty="0" err="1"/>
+              <a:t>cyc</a:t>
+            </a:r>
+            <a:r>
+              <a:rPr lang="en-US" sz="1600" dirty="0"/>
+              <a:t> signals are asserted (high) when there is an active bus transaction.</a:t>
+            </a:r>
+          </a:p>
+          <a:p>
+            <a:r>
+              <a:rPr lang="en-US" sz="1600" dirty="0"/>
+              <a:t>The we signal is not asserted at all, suggesting that the transactions shown are read operations from the perspective of the master.</a:t>
+            </a:r>
+          </a:p>
+          <a:p>
+            <a:r>
+              <a:rPr lang="en-US" sz="1600" dirty="0"/>
+              <a:t>The </a:t>
+            </a:r>
+            <a:r>
+              <a:rPr lang="en-US" sz="1600" b="1" i="1" dirty="0" err="1"/>
+              <a:t>dat_mosi</a:t>
+            </a:r>
+            <a:r>
+              <a:rPr lang="en-US" sz="1600" b="1" i="1" dirty="0"/>
+              <a:t> </a:t>
+            </a:r>
+            <a:r>
+              <a:rPr lang="en-US" sz="1600" dirty="0"/>
+              <a:t>signal contains the values </a:t>
+            </a:r>
+            <a:r>
+              <a:rPr lang="en-US" sz="1600" i="1" dirty="0" err="1"/>
+              <a:t>dead_beef</a:t>
+            </a:r>
+            <a:r>
+              <a:rPr lang="en-US" sz="1600" i="1" dirty="0"/>
+              <a:t> </a:t>
+            </a:r>
+            <a:r>
+              <a:rPr lang="en-US" sz="1600" dirty="0"/>
+              <a:t>and </a:t>
+            </a:r>
+            <a:r>
+              <a:rPr lang="en-US" sz="1600" i="1" dirty="0" err="1"/>
+              <a:t>cafe_babe</a:t>
+            </a:r>
+            <a:r>
+              <a:rPr lang="en-US" sz="1600" dirty="0"/>
+              <a:t>, which are likely test data written to the bus.</a:t>
+            </a:r>
+          </a:p>
+          <a:p>
+            <a:r>
+              <a:rPr lang="en-US" sz="1600" dirty="0"/>
+              <a:t>The </a:t>
+            </a:r>
+            <a:r>
+              <a:rPr lang="en-US" sz="1600" b="1" i="1" dirty="0" err="1"/>
               <a:t>dat_miso</a:t>
             </a:r>
             <a:r>
-              <a:rPr lang="en-US" dirty="0"/>
-              <a:t> line suggests that the slave device might have some latency in responding or there's some wait states introduced in the bus cycle.</a:t>
-            </a:r>
-          </a:p>
-          <a:p>
-            <a:r>
-              <a:rPr lang="en-US" dirty="0"/>
-              <a:t>- The test patterns </a:t>
-            </a:r>
-            <a:r>
-              <a:rPr lang="en-US" dirty="0" err="1"/>
-              <a:t>dead_beef</a:t>
-            </a:r>
-            <a:r>
-              <a:rPr lang="en-US" dirty="0"/>
-              <a:t> and </a:t>
-            </a:r>
-            <a:r>
-              <a:rPr lang="en-US" dirty="0" err="1"/>
-              <a:t>cafe_babe</a:t>
-            </a:r>
-            <a:r>
-              <a:rPr lang="en-US" dirty="0"/>
-              <a:t> are typical in digital system testing and are used here for either writing to the slave or expecting such patterns as a read response.</a:t>
-            </a:r>
-          </a:p>
-          <a:p>
-            <a:r>
-              <a:rPr lang="en-US" dirty="0"/>
-              <a:t>- The pattern 1234_5678 is the last valid data read from address 3 due to the trojan’s activation.</a:t>
-            </a:r>
-            <a:endParaRPr lang="el-GR" dirty="0"/>
+              <a:rPr lang="en-US" sz="1600" b="1" i="1" dirty="0"/>
+              <a:t> </a:t>
+            </a:r>
+            <a:r>
+              <a:rPr lang="en-US" sz="1600" dirty="0"/>
+              <a:t>shows an undefined state (</a:t>
+            </a:r>
+            <a:r>
+              <a:rPr lang="en-US" sz="1600" i="1" dirty="0" err="1"/>
+              <a:t>xxxx</a:t>
+            </a:r>
+            <a:r>
+              <a:rPr lang="en-US" sz="1600" dirty="0"/>
+              <a:t>) initially, which suggests that the data read from the slave device has not yet been driven or there might be a delay in the slave's response or an issue with the slave's response generation logic.</a:t>
+            </a:r>
+          </a:p>
+          <a:p>
+            <a:r>
+              <a:rPr lang="en-US" sz="1600" dirty="0"/>
+              <a:t>The ack signal goes high after each address change, which implies that the slave device is acknowledging the read requests.</a:t>
+            </a:r>
+            <a:endParaRPr lang="el-GR" sz="1600" dirty="0"/>
           </a:p>
         </p:txBody>
       </p:sp>
     </p:spTree>
     <p:extLst>
       <p:ext uri="{BB962C8B-B14F-4D97-AF65-F5344CB8AC3E}">
-        <p14:creationId xmlns:p14="http://schemas.microsoft.com/office/powerpoint/2010/main" val="1979755655"/>
+        <p14:creationId xmlns:p14="http://schemas.microsoft.com/office/powerpoint/2010/main" val="224366493"/>
       </p:ext>
     </p:extLst>
   </p:cSld>
@@ -6047,146 +6466,88 @@
           <a:chExt cx="0" cy="0"/>
         </a:xfrm>
       </p:grpSpPr>
+      <p:sp>
+        <p:nvSpPr>
+          <p:cNvPr id="2" name="TextBox 1">
+            <a:extLst>
+              <a:ext uri="{FF2B5EF4-FFF2-40B4-BE49-F238E27FC236}">
+                <a16:creationId xmlns:a16="http://schemas.microsoft.com/office/drawing/2014/main" id="{82EF0407-1C56-5C2E-FD66-DBAC24AEDCE3}"/>
+              </a:ext>
+            </a:extLst>
+          </p:cNvPr>
+          <p:cNvSpPr txBox="1"/>
+          <p:nvPr/>
+        </p:nvSpPr>
+        <p:spPr>
+          <a:xfrm>
+            <a:off x="3372434" y="1253026"/>
+            <a:ext cx="4572000" cy="369332"/>
+          </a:xfrm>
+          <a:prstGeom prst="rect">
+            <a:avLst/>
+          </a:prstGeom>
+          <a:noFill/>
+        </p:spPr>
+        <p:txBody>
+          <a:bodyPr wrap="square" rtlCol="0">
+            <a:spAutoFit/>
+          </a:bodyPr>
+          <a:lstStyle/>
+          <a:p>
+            <a:r>
+              <a:rPr lang="en-US" dirty="0"/>
+              <a:t>Simulation with Trojan (</a:t>
+            </a:r>
+            <a:r>
+              <a:rPr lang="en-US" dirty="0">
+                <a:hlinkClick r:id="rId2"/>
+              </a:rPr>
+              <a:t>Code and Simulation</a:t>
+            </a:r>
+            <a:r>
+              <a:rPr lang="en-US" dirty="0"/>
+              <a:t>):</a:t>
+            </a:r>
+            <a:endParaRPr lang="el-GR" dirty="0"/>
+          </a:p>
+        </p:txBody>
+      </p:sp>
       <p:pic>
         <p:nvPicPr>
-          <p:cNvPr id="8194" name="Picture 2" descr="Caravel Management SoC - Litex — Caravel Management SoC documentation">
-            <a:extLst>
-              <a:ext uri="{FF2B5EF4-FFF2-40B4-BE49-F238E27FC236}">
-                <a16:creationId xmlns:a16="http://schemas.microsoft.com/office/drawing/2014/main" id="{820CA707-A0AE-038B-AD4F-6B7F6CFAF6C2}"/>
+          <p:cNvPr id="3" name="Picture 15">
+            <a:extLst>
+              <a:ext uri="{FF2B5EF4-FFF2-40B4-BE49-F238E27FC236}">
+                <a16:creationId xmlns:a16="http://schemas.microsoft.com/office/drawing/2014/main" id="{DADA5C07-0EE4-0B8E-81D8-939D01849582}"/>
               </a:ext>
             </a:extLst>
           </p:cNvPr>
           <p:cNvPicPr>
-            <a:picLocks noChangeAspect="1" noChangeArrowheads="1"/>
+            <a:picLocks noChangeAspect="1"/>
           </p:cNvPicPr>
           <p:nvPr/>
         </p:nvPicPr>
         <p:blipFill>
-          <a:blip r:embed="rId2">
-            <a:extLst>
-              <a:ext uri="{28A0092B-C50C-407E-A947-70E740481C1C}">
-                <a14:useLocalDpi xmlns:a14="http://schemas.microsoft.com/office/drawing/2010/main" val="0"/>
-              </a:ext>
-            </a:extLst>
-          </a:blip>
-          <a:srcRect/>
+          <a:blip r:embed="rId3"/>
           <a:stretch>
             <a:fillRect/>
           </a:stretch>
         </p:blipFill>
-        <p:spPr bwMode="auto">
-          <a:xfrm>
-            <a:off x="5461104" y="937727"/>
-            <a:ext cx="5973562" cy="5169428"/>
+        <p:spPr>
+          <a:xfrm>
+            <a:off x="538733" y="4577929"/>
+            <a:ext cx="11429999" cy="1582278"/>
           </a:xfrm>
           <a:prstGeom prst="rect">
             <a:avLst/>
           </a:prstGeom>
-          <a:noFill/>
-          <a:extLst>
-            <a:ext uri="{909E8E84-426E-40DD-AFC4-6F175D3DCCD1}">
-              <a14:hiddenFill xmlns:a14="http://schemas.microsoft.com/office/drawing/2010/main">
-                <a:solidFill>
-                  <a:srgbClr val="FFFFFF"/>
-                </a:solidFill>
-              </a14:hiddenFill>
-            </a:ext>
-          </a:extLst>
         </p:spPr>
       </p:pic>
-      <p:cxnSp>
-        <p:nvCxnSpPr>
-          <p:cNvPr id="5" name="Straight Arrow Connector 4">
-            <a:extLst>
-              <a:ext uri="{FF2B5EF4-FFF2-40B4-BE49-F238E27FC236}">
-                <a16:creationId xmlns:a16="http://schemas.microsoft.com/office/drawing/2014/main" id="{FEC101E4-F676-C47B-B192-98F199DBCF4F}"/>
-              </a:ext>
-            </a:extLst>
-          </p:cNvPr>
-          <p:cNvCxnSpPr>
-            <a:cxnSpLocks/>
-          </p:cNvCxnSpPr>
-          <p:nvPr/>
-        </p:nvCxnSpPr>
-        <p:spPr>
-          <a:xfrm>
-            <a:off x="7576457" y="4152122"/>
-            <a:ext cx="270588" cy="396551"/>
-          </a:xfrm>
-          <a:prstGeom prst="straightConnector1">
-            <a:avLst/>
-          </a:prstGeom>
-          <a:ln w="38100">
-            <a:solidFill>
-              <a:srgbClr val="FF0000"/>
-            </a:solidFill>
-            <a:tailEnd type="triangle"/>
-          </a:ln>
-        </p:spPr>
-        <p:style>
-          <a:lnRef idx="1">
-            <a:schemeClr val="accent2"/>
-          </a:lnRef>
-          <a:fillRef idx="0">
-            <a:schemeClr val="accent2"/>
-          </a:fillRef>
-          <a:effectRef idx="0">
-            <a:schemeClr val="accent2"/>
-          </a:effectRef>
-          <a:fontRef idx="minor">
-            <a:schemeClr val="tx1"/>
-          </a:fontRef>
-        </p:style>
-      </p:cxnSp>
-      <p:pic>
-        <p:nvPicPr>
-          <p:cNvPr id="7" name="Picture 6">
-            <a:extLst>
-              <a:ext uri="{FF2B5EF4-FFF2-40B4-BE49-F238E27FC236}">
-                <a16:creationId xmlns:a16="http://schemas.microsoft.com/office/drawing/2014/main" id="{441E0B61-554A-CFF0-F092-04F8DB843220}"/>
-              </a:ext>
-            </a:extLst>
-          </p:cNvPr>
-          <p:cNvPicPr>
-            <a:picLocks noChangeAspect="1"/>
-          </p:cNvPicPr>
-          <p:nvPr/>
-        </p:nvPicPr>
-        <p:blipFill>
-          <a:blip r:embed="rId3">
-            <a:duotone>
-              <a:schemeClr val="accent2">
-                <a:shade val="45000"/>
-                <a:satMod val="135000"/>
-              </a:schemeClr>
-              <a:prstClr val="white"/>
-            </a:duotone>
-            <a:extLst>
-              <a:ext uri="{28A0092B-C50C-407E-A947-70E740481C1C}">
-                <a14:useLocalDpi xmlns:a14="http://schemas.microsoft.com/office/drawing/2010/main" val="0"/>
-              </a:ext>
-            </a:extLst>
-          </a:blip>
-          <a:stretch>
-            <a:fillRect/>
-          </a:stretch>
-        </p:blipFill>
-        <p:spPr>
-          <a:xfrm flipH="1">
-            <a:off x="7312868" y="3753239"/>
-            <a:ext cx="398883" cy="398883"/>
-          </a:xfrm>
-          <a:prstGeom prst="rect">
-            <a:avLst/>
-          </a:prstGeom>
-        </p:spPr>
-      </p:pic>
-      <p:sp>
-        <p:nvSpPr>
-          <p:cNvPr id="9" name="TextBox 8">
-            <a:extLst>
-              <a:ext uri="{FF2B5EF4-FFF2-40B4-BE49-F238E27FC236}">
-                <a16:creationId xmlns:a16="http://schemas.microsoft.com/office/drawing/2014/main" id="{26EDB7A8-B89C-8B2D-95E4-664D4333450A}"/>
+      <p:sp>
+        <p:nvSpPr>
+          <p:cNvPr id="4" name="TextBox 3">
+            <a:extLst>
+              <a:ext uri="{FF2B5EF4-FFF2-40B4-BE49-F238E27FC236}">
+                <a16:creationId xmlns:a16="http://schemas.microsoft.com/office/drawing/2014/main" id="{BE93B0F8-33A0-107D-4F50-2B37F37C0F6F}"/>
               </a:ext>
             </a:extLst>
           </p:cNvPr>
@@ -6195,8 +6556,8 @@
         </p:nvSpPr>
         <p:spPr>
           <a:xfrm>
-            <a:off x="1096347" y="1564179"/>
-            <a:ext cx="4100804" cy="4524315"/>
+            <a:off x="774440" y="1889449"/>
+            <a:ext cx="10296330" cy="2308324"/>
           </a:xfrm>
           <a:prstGeom prst="rect">
             <a:avLst/>
@@ -6211,131 +6572,61 @@
           <a:p>
             <a:r>
               <a:rPr lang="en-US" dirty="0"/>
-              <a:t>Our malicious code implementation methodology is:</a:t>
+              <a:t>What this waveform reveals is a sequence of transactions over a Wishbone bus interface, where the master is sequentially reading from addresses 1, 2, and 3. </a:t>
             </a:r>
           </a:p>
           <a:p>
             <a:endParaRPr lang="en-US" dirty="0"/>
           </a:p>
           <a:p>
-            <a:pPr marL="342900" indent="-342900">
-              <a:buFont typeface="+mj-lt"/>
-              <a:buAutoNum type="arabicPeriod"/>
-            </a:pPr>
             <a:r>
               <a:rPr lang="en-US" dirty="0"/>
-              <a:t>We first analyzed the code in the GitHub repository.</a:t>
-            </a:r>
-          </a:p>
-          <a:p>
-            <a:pPr marL="342900" indent="-342900">
-              <a:buFont typeface="+mj-lt"/>
-              <a:buAutoNum type="arabicPeriod"/>
-            </a:pPr>
+              <a:t>-The undefined data initially present on the </a:t>
+            </a:r>
+            <a:r>
+              <a:rPr lang="en-US" dirty="0" err="1"/>
+              <a:t>dat_miso</a:t>
+            </a:r>
             <a:r>
               <a:rPr lang="en-US" dirty="0"/>
-              <a:t>Inside the </a:t>
+              <a:t> line suggests that the slave device might have some latency in responding or there's some wait states introduced in the bus cycle.</a:t>
+            </a:r>
+          </a:p>
+          <a:p>
+            <a:r>
+              <a:rPr lang="en-US" dirty="0"/>
+              <a:t>- The test patterns </a:t>
             </a:r>
             <a:r>
               <a:rPr lang="en-US" dirty="0" err="1"/>
-              <a:t>housekeeping.v</a:t>
+              <a:t>dead_beef</a:t>
             </a:r>
             <a:r>
               <a:rPr lang="en-US" dirty="0"/>
-              <a:t> file the wishbone to SPI to CPU communication is implemented.</a:t>
-            </a:r>
-          </a:p>
-          <a:p>
-            <a:pPr marL="342900" indent="-342900">
-              <a:buFont typeface="+mj-lt"/>
-              <a:buAutoNum type="arabicPeriod"/>
-            </a:pPr>
+              <a:t> and </a:t>
+            </a:r>
+            <a:r>
+              <a:rPr lang="en-US" dirty="0" err="1"/>
+              <a:t>cafe_babe</a:t>
+            </a:r>
             <a:r>
               <a:rPr lang="en-US" dirty="0"/>
-              <a:t>We can alter the wishbone FSM implementation by adding a stage where if a certain value is transmitted in the bus then an internal signal gets stuck at “0” </a:t>
-            </a:r>
-          </a:p>
-          <a:p>
-            <a:pPr marL="342900" indent="-342900">
-              <a:buFont typeface="+mj-lt"/>
-              <a:buAutoNum type="arabicPeriod"/>
-            </a:pPr>
+              <a:t> are typical in digital system testing and are used here for either writing to the slave or expecting such patterns as a read response.</a:t>
+            </a:r>
+          </a:p>
+          <a:p>
             <a:r>
               <a:rPr lang="en-US" dirty="0"/>
-              <a:t>This way we are glitching the handshake method causing a Denial Of Service.</a:t>
+              <a:t>- The pattern 1234_5678 is the last valid data read from address 3 due to the trojan’s activation.</a:t>
             </a:r>
             <a:endParaRPr lang="el-GR" dirty="0"/>
-          </a:p>
-        </p:txBody>
-      </p:sp>
-      <p:sp>
-        <p:nvSpPr>
-          <p:cNvPr id="2" name="TextBox 1">
-            <a:extLst>
-              <a:ext uri="{FF2B5EF4-FFF2-40B4-BE49-F238E27FC236}">
-                <a16:creationId xmlns:a16="http://schemas.microsoft.com/office/drawing/2014/main" id="{468011C9-C7A1-F16F-355E-F93D0D5C2A7E}"/>
-              </a:ext>
-            </a:extLst>
-          </p:cNvPr>
-          <p:cNvSpPr txBox="1"/>
-          <p:nvPr/>
-        </p:nvSpPr>
-        <p:spPr>
-          <a:xfrm>
-            <a:off x="2034851" y="247361"/>
-            <a:ext cx="8122298" cy="461665"/>
-          </a:xfrm>
-          <a:prstGeom prst="rect">
-            <a:avLst/>
-          </a:prstGeom>
-          <a:noFill/>
-        </p:spPr>
-        <p:txBody>
-          <a:bodyPr wrap="square" rtlCol="0">
-            <a:spAutoFit/>
-          </a:bodyPr>
-          <a:lstStyle/>
-          <a:p>
-            <a:r>
-              <a:rPr lang="en-US" sz="2400" dirty="0">
-                <a:latin typeface="Arial Black" panose="020B0A04020102020204" pitchFamily="34" charset="0"/>
-              </a:rPr>
-              <a:t>Caravel project wishbone bus </a:t>
-            </a:r>
-            <a:r>
-              <a:rPr lang="en-US" sz="2400" dirty="0" err="1">
-                <a:latin typeface="Arial Black" panose="020B0A04020102020204" pitchFamily="34" charset="0"/>
-              </a:rPr>
-              <a:t>D.ο.S</a:t>
-            </a:r>
-            <a:r>
-              <a:rPr lang="en-US" sz="2400" dirty="0">
-                <a:latin typeface="Arial Black" panose="020B0A04020102020204" pitchFamily="34" charset="0"/>
-              </a:rPr>
-              <a:t>. </a:t>
-            </a:r>
-            <a:r>
-              <a:rPr lang="en-US" sz="2400" dirty="0" err="1">
-                <a:latin typeface="Arial Black" panose="020B0A04020102020204" pitchFamily="34" charset="0"/>
-              </a:rPr>
-              <a:t>hw</a:t>
-            </a:r>
-            <a:r>
-              <a:rPr lang="en-US" sz="2400" dirty="0">
-                <a:latin typeface="Arial Black" panose="020B0A04020102020204" pitchFamily="34" charset="0"/>
-              </a:rPr>
-              <a:t> trojan</a:t>
-            </a:r>
-            <a:endParaRPr lang="el-GR" sz="2400" dirty="0">
-              <a:latin typeface="Arial Black" panose="020B0A04020102020204" pitchFamily="34" charset="0"/>
-            </a:endParaRPr>
           </a:p>
         </p:txBody>
       </p:sp>
     </p:spTree>
     <p:extLst>
       <p:ext uri="{BB962C8B-B14F-4D97-AF65-F5344CB8AC3E}">
-        <p14:creationId xmlns:p14="http://schemas.microsoft.com/office/powerpoint/2010/main" val="789329576"/>
+        <p14:creationId xmlns:p14="http://schemas.microsoft.com/office/powerpoint/2010/main" val="1979755655"/>
       </p:ext>
     </p:extLst>
   </p:cSld>
@@ -6362,6 +6653,321 @@
           <a:chExt cx="0" cy="0"/>
         </a:xfrm>
       </p:grpSpPr>
+      <p:pic>
+        <p:nvPicPr>
+          <p:cNvPr id="8194" name="Picture 2" descr="Caravel Management SoC - Litex — Caravel Management SoC documentation">
+            <a:extLst>
+              <a:ext uri="{FF2B5EF4-FFF2-40B4-BE49-F238E27FC236}">
+                <a16:creationId xmlns:a16="http://schemas.microsoft.com/office/drawing/2014/main" id="{820CA707-A0AE-038B-AD4F-6B7F6CFAF6C2}"/>
+              </a:ext>
+            </a:extLst>
+          </p:cNvPr>
+          <p:cNvPicPr>
+            <a:picLocks noChangeAspect="1" noChangeArrowheads="1"/>
+          </p:cNvPicPr>
+          <p:nvPr/>
+        </p:nvPicPr>
+        <p:blipFill>
+          <a:blip r:embed="rId2">
+            <a:extLst>
+              <a:ext uri="{28A0092B-C50C-407E-A947-70E740481C1C}">
+                <a14:useLocalDpi xmlns:a14="http://schemas.microsoft.com/office/drawing/2010/main" val="0"/>
+              </a:ext>
+            </a:extLst>
+          </a:blip>
+          <a:srcRect/>
+          <a:stretch>
+            <a:fillRect/>
+          </a:stretch>
+        </p:blipFill>
+        <p:spPr bwMode="auto">
+          <a:xfrm>
+            <a:off x="5461104" y="937727"/>
+            <a:ext cx="5973562" cy="5169428"/>
+          </a:xfrm>
+          <a:prstGeom prst="rect">
+            <a:avLst/>
+          </a:prstGeom>
+          <a:noFill/>
+          <a:extLst>
+            <a:ext uri="{909E8E84-426E-40DD-AFC4-6F175D3DCCD1}">
+              <a14:hiddenFill xmlns:a14="http://schemas.microsoft.com/office/drawing/2010/main">
+                <a:solidFill>
+                  <a:srgbClr val="FFFFFF"/>
+                </a:solidFill>
+              </a14:hiddenFill>
+            </a:ext>
+          </a:extLst>
+        </p:spPr>
+      </p:pic>
+      <p:cxnSp>
+        <p:nvCxnSpPr>
+          <p:cNvPr id="5" name="Straight Arrow Connector 4">
+            <a:extLst>
+              <a:ext uri="{FF2B5EF4-FFF2-40B4-BE49-F238E27FC236}">
+                <a16:creationId xmlns:a16="http://schemas.microsoft.com/office/drawing/2014/main" id="{FEC101E4-F676-C47B-B192-98F199DBCF4F}"/>
+              </a:ext>
+            </a:extLst>
+          </p:cNvPr>
+          <p:cNvCxnSpPr>
+            <a:cxnSpLocks/>
+          </p:cNvCxnSpPr>
+          <p:nvPr/>
+        </p:nvCxnSpPr>
+        <p:spPr>
+          <a:xfrm>
+            <a:off x="7576457" y="4152122"/>
+            <a:ext cx="270588" cy="396551"/>
+          </a:xfrm>
+          <a:prstGeom prst="straightConnector1">
+            <a:avLst/>
+          </a:prstGeom>
+          <a:ln w="38100">
+            <a:solidFill>
+              <a:srgbClr val="FF0000"/>
+            </a:solidFill>
+            <a:tailEnd type="triangle"/>
+          </a:ln>
+        </p:spPr>
+        <p:style>
+          <a:lnRef idx="1">
+            <a:schemeClr val="accent2"/>
+          </a:lnRef>
+          <a:fillRef idx="0">
+            <a:schemeClr val="accent2"/>
+          </a:fillRef>
+          <a:effectRef idx="0">
+            <a:schemeClr val="accent2"/>
+          </a:effectRef>
+          <a:fontRef idx="minor">
+            <a:schemeClr val="tx1"/>
+          </a:fontRef>
+        </p:style>
+      </p:cxnSp>
+      <p:pic>
+        <p:nvPicPr>
+          <p:cNvPr id="7" name="Picture 6">
+            <a:extLst>
+              <a:ext uri="{FF2B5EF4-FFF2-40B4-BE49-F238E27FC236}">
+                <a16:creationId xmlns:a16="http://schemas.microsoft.com/office/drawing/2014/main" id="{441E0B61-554A-CFF0-F092-04F8DB843220}"/>
+              </a:ext>
+            </a:extLst>
+          </p:cNvPr>
+          <p:cNvPicPr>
+            <a:picLocks noChangeAspect="1"/>
+          </p:cNvPicPr>
+          <p:nvPr/>
+        </p:nvPicPr>
+        <p:blipFill>
+          <a:blip r:embed="rId3">
+            <a:duotone>
+              <a:schemeClr val="accent2">
+                <a:shade val="45000"/>
+                <a:satMod val="135000"/>
+              </a:schemeClr>
+              <a:prstClr val="white"/>
+            </a:duotone>
+            <a:extLst>
+              <a:ext uri="{28A0092B-C50C-407E-A947-70E740481C1C}">
+                <a14:useLocalDpi xmlns:a14="http://schemas.microsoft.com/office/drawing/2010/main" val="0"/>
+              </a:ext>
+            </a:extLst>
+          </a:blip>
+          <a:stretch>
+            <a:fillRect/>
+          </a:stretch>
+        </p:blipFill>
+        <p:spPr>
+          <a:xfrm flipH="1">
+            <a:off x="7312868" y="3753239"/>
+            <a:ext cx="398883" cy="398883"/>
+          </a:xfrm>
+          <a:prstGeom prst="rect">
+            <a:avLst/>
+          </a:prstGeom>
+        </p:spPr>
+      </p:pic>
+      <p:sp>
+        <p:nvSpPr>
+          <p:cNvPr id="9" name="TextBox 8">
+            <a:extLst>
+              <a:ext uri="{FF2B5EF4-FFF2-40B4-BE49-F238E27FC236}">
+                <a16:creationId xmlns:a16="http://schemas.microsoft.com/office/drawing/2014/main" id="{26EDB7A8-B89C-8B2D-95E4-664D4333450A}"/>
+              </a:ext>
+            </a:extLst>
+          </p:cNvPr>
+          <p:cNvSpPr txBox="1"/>
+          <p:nvPr/>
+        </p:nvSpPr>
+        <p:spPr>
+          <a:xfrm>
+            <a:off x="1096347" y="1564179"/>
+            <a:ext cx="4100804" cy="4524315"/>
+          </a:xfrm>
+          <a:prstGeom prst="rect">
+            <a:avLst/>
+          </a:prstGeom>
+          <a:noFill/>
+        </p:spPr>
+        <p:txBody>
+          <a:bodyPr wrap="square" rtlCol="0">
+            <a:spAutoFit/>
+          </a:bodyPr>
+          <a:lstStyle/>
+          <a:p>
+            <a:r>
+              <a:rPr lang="en-US" dirty="0"/>
+              <a:t>Our malicious code implementation methodology is:</a:t>
+            </a:r>
+          </a:p>
+          <a:p>
+            <a:endParaRPr lang="en-US" dirty="0"/>
+          </a:p>
+          <a:p>
+            <a:pPr marL="342900" indent="-342900">
+              <a:buFont typeface="+mj-lt"/>
+              <a:buAutoNum type="arabicPeriod"/>
+            </a:pPr>
+            <a:r>
+              <a:rPr lang="en-US" dirty="0"/>
+              <a:t>We first analyzed the code in the GitHub repository.</a:t>
+            </a:r>
+          </a:p>
+          <a:p>
+            <a:pPr marL="342900" indent="-342900">
+              <a:buFont typeface="+mj-lt"/>
+              <a:buAutoNum type="arabicPeriod"/>
+            </a:pPr>
+            <a:r>
+              <a:rPr lang="en-US" dirty="0"/>
+              <a:t>Inside the </a:t>
+            </a:r>
+            <a:r>
+              <a:rPr lang="en-US" dirty="0" err="1"/>
+              <a:t>housekeeping.v</a:t>
+            </a:r>
+            <a:r>
+              <a:rPr lang="en-US" dirty="0"/>
+              <a:t> file the wishbone to SPI to CPU communication is implemented.</a:t>
+            </a:r>
+          </a:p>
+          <a:p>
+            <a:pPr marL="342900" indent="-342900">
+              <a:buFont typeface="+mj-lt"/>
+              <a:buAutoNum type="arabicPeriod"/>
+            </a:pPr>
+            <a:r>
+              <a:rPr lang="en-US" dirty="0"/>
+              <a:t>We can alter the wishbone FSM implementation by adding a stage where if a certain value is transmitted in the bus then an internal signal gets stuck at “0” </a:t>
+            </a:r>
+          </a:p>
+          <a:p>
+            <a:pPr marL="342900" indent="-342900">
+              <a:buFont typeface="+mj-lt"/>
+              <a:buAutoNum type="arabicPeriod"/>
+            </a:pPr>
+            <a:r>
+              <a:rPr lang="en-US" dirty="0"/>
+              <a:t>This way we are glitching the handshake method causing a Denial Of Service.</a:t>
+            </a:r>
+            <a:endParaRPr lang="el-GR" dirty="0"/>
+          </a:p>
+        </p:txBody>
+      </p:sp>
+      <p:sp>
+        <p:nvSpPr>
+          <p:cNvPr id="2" name="TextBox 1">
+            <a:extLst>
+              <a:ext uri="{FF2B5EF4-FFF2-40B4-BE49-F238E27FC236}">
+                <a16:creationId xmlns:a16="http://schemas.microsoft.com/office/drawing/2014/main" id="{468011C9-C7A1-F16F-355E-F93D0D5C2A7E}"/>
+              </a:ext>
+            </a:extLst>
+          </p:cNvPr>
+          <p:cNvSpPr txBox="1"/>
+          <p:nvPr/>
+        </p:nvSpPr>
+        <p:spPr>
+          <a:xfrm>
+            <a:off x="2034851" y="247361"/>
+            <a:ext cx="8122298" cy="461665"/>
+          </a:xfrm>
+          <a:prstGeom prst="rect">
+            <a:avLst/>
+          </a:prstGeom>
+          <a:noFill/>
+        </p:spPr>
+        <p:txBody>
+          <a:bodyPr wrap="square" rtlCol="0">
+            <a:spAutoFit/>
+          </a:bodyPr>
+          <a:lstStyle/>
+          <a:p>
+            <a:r>
+              <a:rPr lang="en-US" sz="2400" dirty="0">
+                <a:latin typeface="Arial Black" panose="020B0A04020102020204" pitchFamily="34" charset="0"/>
+              </a:rPr>
+              <a:t>Caravel project wishbone bus </a:t>
+            </a:r>
+            <a:r>
+              <a:rPr lang="en-US" sz="2400" dirty="0" err="1">
+                <a:latin typeface="Arial Black" panose="020B0A04020102020204" pitchFamily="34" charset="0"/>
+              </a:rPr>
+              <a:t>D.ο.S</a:t>
+            </a:r>
+            <a:r>
+              <a:rPr lang="en-US" sz="2400" dirty="0">
+                <a:latin typeface="Arial Black" panose="020B0A04020102020204" pitchFamily="34" charset="0"/>
+              </a:rPr>
+              <a:t>. </a:t>
+            </a:r>
+            <a:r>
+              <a:rPr lang="en-US" sz="2400" dirty="0" err="1">
+                <a:latin typeface="Arial Black" panose="020B0A04020102020204" pitchFamily="34" charset="0"/>
+              </a:rPr>
+              <a:t>hw</a:t>
+            </a:r>
+            <a:r>
+              <a:rPr lang="en-US" sz="2400" dirty="0">
+                <a:latin typeface="Arial Black" panose="020B0A04020102020204" pitchFamily="34" charset="0"/>
+              </a:rPr>
+              <a:t> trojan</a:t>
+            </a:r>
+            <a:endParaRPr lang="el-GR" sz="2400" dirty="0">
+              <a:latin typeface="Arial Black" panose="020B0A04020102020204" pitchFamily="34" charset="0"/>
+            </a:endParaRPr>
+          </a:p>
+        </p:txBody>
+      </p:sp>
+    </p:spTree>
+    <p:extLst>
+      <p:ext uri="{BB962C8B-B14F-4D97-AF65-F5344CB8AC3E}">
+        <p14:creationId xmlns:p14="http://schemas.microsoft.com/office/powerpoint/2010/main" val="789329576"/>
+      </p:ext>
+    </p:extLst>
+  </p:cSld>
+  <p:clrMapOvr>
+    <a:masterClrMapping/>
+  </p:clrMapOvr>
+</p:sld>
+</file>
+
+<file path=ppt/slides/slide17.xml><?xml version="1.0" encoding="utf-8"?>
+<p:sld xmlns:a="http://schemas.openxmlformats.org/drawingml/2006/main" xmlns:r="http://schemas.openxmlformats.org/officeDocument/2006/relationships" xmlns:p="http://schemas.openxmlformats.org/presentationml/2006/main">
+  <p:cSld>
+    <p:spTree>
+      <p:nvGrpSpPr>
+        <p:cNvPr id="1" name=""/>
+        <p:cNvGrpSpPr/>
+        <p:nvPr/>
+      </p:nvGrpSpPr>
+      <p:grpSpPr>
+        <a:xfrm>
+          <a:off x="0" y="0"/>
+          <a:ext cx="0" cy="0"/>
+          <a:chOff x="0" y="0"/>
+          <a:chExt cx="0" cy="0"/>
+        </a:xfrm>
+      </p:grpSpPr>
       <p:sp>
         <p:nvSpPr>
           <p:cNvPr id="2" name="TextBox 1">
@@ -6697,7 +7303,7 @@
 </p:sld>
 </file>
 
-<file path=ppt/slides/slide17.xml><?xml version="1.0" encoding="utf-8"?>
+<file path=ppt/slides/slide18.xml><?xml version="1.0" encoding="utf-8"?>
 <p:sld xmlns:a="http://schemas.openxmlformats.org/drawingml/2006/main" xmlns:r="http://schemas.openxmlformats.org/officeDocument/2006/relationships" xmlns:p="http://schemas.openxmlformats.org/presentationml/2006/main">
   <p:cSld>
     <p:spTree>
@@ -7128,287 +7734,6 @@
 </p:sld>
 </file>
 
-<file path=ppt/slides/slide18.xml><?xml version="1.0" encoding="utf-8"?>
-<p:sld xmlns:a="http://schemas.openxmlformats.org/drawingml/2006/main" xmlns:r="http://schemas.openxmlformats.org/officeDocument/2006/relationships" xmlns:p="http://schemas.openxmlformats.org/presentationml/2006/main">
-  <p:cSld>
-    <p:spTree>
-      <p:nvGrpSpPr>
-        <p:cNvPr id="1" name=""/>
-        <p:cNvGrpSpPr/>
-        <p:nvPr/>
-      </p:nvGrpSpPr>
-      <p:grpSpPr>
-        <a:xfrm>
-          <a:off x="0" y="0"/>
-          <a:ext cx="0" cy="0"/>
-          <a:chOff x="0" y="0"/>
-          <a:chExt cx="0" cy="0"/>
-        </a:xfrm>
-      </p:grpSpPr>
-      <p:sp>
-        <p:nvSpPr>
-          <p:cNvPr id="4" name="TextBox 3">
-            <a:extLst>
-              <a:ext uri="{FF2B5EF4-FFF2-40B4-BE49-F238E27FC236}">
-                <a16:creationId xmlns:a16="http://schemas.microsoft.com/office/drawing/2014/main" id="{D2DD5275-256A-0E3B-37C5-D82D8BB5C6D3}"/>
-              </a:ext>
-            </a:extLst>
-          </p:cNvPr>
-          <p:cNvSpPr txBox="1"/>
-          <p:nvPr/>
-        </p:nvSpPr>
-        <p:spPr>
-          <a:xfrm>
-            <a:off x="3180183" y="1222963"/>
-            <a:ext cx="5831633" cy="461665"/>
-          </a:xfrm>
-          <a:prstGeom prst="rect">
-            <a:avLst/>
-          </a:prstGeom>
-          <a:noFill/>
-        </p:spPr>
-        <p:txBody>
-          <a:bodyPr wrap="square" rtlCol="0">
-            <a:spAutoFit/>
-          </a:bodyPr>
-          <a:lstStyle/>
-          <a:p>
-            <a:r>
-              <a:rPr lang="en-US" sz="2400" dirty="0">
-                <a:latin typeface="Arial Black" panose="020B0A04020102020204" pitchFamily="34" charset="0"/>
-              </a:rPr>
-              <a:t>Why attack AES?</a:t>
-            </a:r>
-            <a:endParaRPr lang="el-GR" sz="2400" dirty="0">
-              <a:latin typeface="Arial Black" panose="020B0A04020102020204" pitchFamily="34" charset="0"/>
-            </a:endParaRPr>
-          </a:p>
-        </p:txBody>
-      </p:sp>
-      <p:sp>
-        <p:nvSpPr>
-          <p:cNvPr id="5" name="TextBox 4">
-            <a:extLst>
-              <a:ext uri="{FF2B5EF4-FFF2-40B4-BE49-F238E27FC236}">
-                <a16:creationId xmlns:a16="http://schemas.microsoft.com/office/drawing/2014/main" id="{A70E2461-D893-2023-C920-E90D61F8B387}"/>
-              </a:ext>
-            </a:extLst>
-          </p:cNvPr>
-          <p:cNvSpPr txBox="1"/>
-          <p:nvPr/>
-        </p:nvSpPr>
-        <p:spPr>
-          <a:xfrm>
-            <a:off x="2540663" y="2308082"/>
-            <a:ext cx="5094622" cy="3139321"/>
-          </a:xfrm>
-          <a:prstGeom prst="rect">
-            <a:avLst/>
-          </a:prstGeom>
-          <a:noFill/>
-        </p:spPr>
-        <p:txBody>
-          <a:bodyPr wrap="square" rtlCol="0">
-            <a:spAutoFit/>
-          </a:bodyPr>
-          <a:lstStyle/>
-          <a:p>
-            <a:r>
-              <a:rPr lang="en-US" dirty="0"/>
-              <a:t>AES is :</a:t>
-            </a:r>
-          </a:p>
-          <a:p>
-            <a:endParaRPr lang="en-US" dirty="0"/>
-          </a:p>
-          <a:p>
-            <a:pPr marL="285750" indent="-285750">
-              <a:buFont typeface="Arial" panose="020B0604020202020204" pitchFamily="34" charset="0"/>
-              <a:buChar char="•"/>
-            </a:pPr>
-            <a:r>
-              <a:rPr lang="en-US" dirty="0"/>
-              <a:t>One of the most popular encryption standards.</a:t>
-            </a:r>
-          </a:p>
-          <a:p>
-            <a:pPr marL="285750" indent="-285750">
-              <a:buFont typeface="Arial" panose="020B0604020202020204" pitchFamily="34" charset="0"/>
-              <a:buChar char="•"/>
-            </a:pPr>
-            <a:r>
-              <a:rPr lang="en-US" dirty="0"/>
-              <a:t>Used broadly all over the world.</a:t>
-            </a:r>
-          </a:p>
-          <a:p>
-            <a:pPr marL="285750" indent="-285750">
-              <a:buFont typeface="Arial" panose="020B0604020202020204" pitchFamily="34" charset="0"/>
-              <a:buChar char="•"/>
-            </a:pPr>
-            <a:r>
-              <a:rPr lang="en-US" dirty="0"/>
-              <a:t>Is globally standardized, regulated and incompliance with governments, individuals and enterprises.</a:t>
-            </a:r>
-          </a:p>
-          <a:p>
-            <a:pPr marL="285750" indent="-285750">
-              <a:buFont typeface="Arial" panose="020B0604020202020204" pitchFamily="34" charset="0"/>
-              <a:buChar char="•"/>
-            </a:pPr>
-            <a:r>
-              <a:rPr lang="en-US" dirty="0"/>
-              <a:t>Is efficient in terms of processing power and memory usage so it is used everywhere.</a:t>
-            </a:r>
-          </a:p>
-          <a:p>
-            <a:pPr marL="285750" indent="-285750">
-              <a:buFont typeface="Arial" panose="020B0604020202020204" pitchFamily="34" charset="0"/>
-              <a:buChar char="•"/>
-            </a:pPr>
-            <a:endParaRPr lang="en-US" dirty="0"/>
-          </a:p>
-          <a:p>
-            <a:pPr marL="285750" indent="-285750">
-              <a:buFont typeface="Arial" panose="020B0604020202020204" pitchFamily="34" charset="0"/>
-              <a:buChar char="•"/>
-            </a:pPr>
-            <a:endParaRPr lang="el-GR" dirty="0"/>
-          </a:p>
-        </p:txBody>
-      </p:sp>
-      <p:pic>
-        <p:nvPicPr>
-          <p:cNvPr id="1026" name="Picture 2" descr="What is Advanced Encryption Standard (AES)? Definition, Encrption,  Decryption, Advantages and Disadvantages - Binary Terms">
-            <a:extLst>
-              <a:ext uri="{FF2B5EF4-FFF2-40B4-BE49-F238E27FC236}">
-                <a16:creationId xmlns:a16="http://schemas.microsoft.com/office/drawing/2014/main" id="{4216DE81-B276-3417-D499-8AE3E6086B5C}"/>
-              </a:ext>
-            </a:extLst>
-          </p:cNvPr>
-          <p:cNvPicPr>
-            <a:picLocks noChangeAspect="1" noChangeArrowheads="1"/>
-          </p:cNvPicPr>
-          <p:nvPr/>
-        </p:nvPicPr>
-        <p:blipFill>
-          <a:blip r:embed="rId2">
-            <a:extLst>
-              <a:ext uri="{28A0092B-C50C-407E-A947-70E740481C1C}">
-                <a14:useLocalDpi xmlns:a14="http://schemas.microsoft.com/office/drawing/2010/main" val="0"/>
-              </a:ext>
-            </a:extLst>
-          </a:blip>
-          <a:srcRect/>
-          <a:stretch>
-            <a:fillRect/>
-          </a:stretch>
-        </p:blipFill>
-        <p:spPr bwMode="auto">
-          <a:xfrm>
-            <a:off x="8768693" y="272627"/>
-            <a:ext cx="2724347" cy="5421086"/>
-          </a:xfrm>
-          <a:prstGeom prst="rect">
-            <a:avLst/>
-          </a:prstGeom>
-          <a:noFill/>
-          <a:extLst>
-            <a:ext uri="{909E8E84-426E-40DD-AFC4-6F175D3DCCD1}">
-              <a14:hiddenFill xmlns:a14="http://schemas.microsoft.com/office/drawing/2010/main">
-                <a:solidFill>
-                  <a:srgbClr val="FFFFFF"/>
-                </a:solidFill>
-              </a14:hiddenFill>
-            </a:ext>
-          </a:extLst>
-        </p:spPr>
-      </p:pic>
-      <p:pic>
-        <p:nvPicPr>
-          <p:cNvPr id="2" name="Graphic 1">
-            <a:extLst>
-              <a:ext uri="{FF2B5EF4-FFF2-40B4-BE49-F238E27FC236}">
-                <a16:creationId xmlns:a16="http://schemas.microsoft.com/office/drawing/2014/main" id="{9C72679D-AA50-562F-B353-8B3D4B95CEFC}"/>
-              </a:ext>
-            </a:extLst>
-          </p:cNvPr>
-          <p:cNvPicPr>
-            <a:picLocks noChangeAspect="1"/>
-          </p:cNvPicPr>
-          <p:nvPr/>
-        </p:nvPicPr>
-        <p:blipFill>
-          <a:blip r:embed="rId3">
-            <a:extLst>
-              <a:ext uri="{96DAC541-7B7A-43D3-8B79-37D633B846F1}">
-                <asvg:svgBlip xmlns:asvg="http://schemas.microsoft.com/office/drawing/2016/SVG/main" r:embed="rId4"/>
-              </a:ext>
-            </a:extLst>
-          </a:blip>
-          <a:stretch>
-            <a:fillRect/>
-          </a:stretch>
-        </p:blipFill>
-        <p:spPr>
-          <a:xfrm>
-            <a:off x="-578735" y="2983170"/>
-            <a:ext cx="13689573" cy="6858000"/>
-          </a:xfrm>
-          <a:prstGeom prst="rect">
-            <a:avLst/>
-          </a:prstGeom>
-        </p:spPr>
-      </p:pic>
-      <p:pic>
-        <p:nvPicPr>
-          <p:cNvPr id="3" name="Graphic 2">
-            <a:extLst>
-              <a:ext uri="{FF2B5EF4-FFF2-40B4-BE49-F238E27FC236}">
-                <a16:creationId xmlns:a16="http://schemas.microsoft.com/office/drawing/2014/main" id="{D6EB8113-D6BD-90CB-5E4C-F9151A7F9DFB}"/>
-              </a:ext>
-            </a:extLst>
-          </p:cNvPr>
-          <p:cNvPicPr>
-            <a:picLocks noChangeAspect="1"/>
-          </p:cNvPicPr>
-          <p:nvPr/>
-        </p:nvPicPr>
-        <p:blipFill>
-          <a:blip r:embed="rId5">
-            <a:extLst>
-              <a:ext uri="{96DAC541-7B7A-43D3-8B79-37D633B846F1}">
-                <asvg:svgBlip xmlns:asvg="http://schemas.microsoft.com/office/drawing/2016/SVG/main" r:embed="rId6"/>
-              </a:ext>
-            </a:extLst>
-          </a:blip>
-          <a:stretch>
-            <a:fillRect/>
-          </a:stretch>
-        </p:blipFill>
-        <p:spPr>
-          <a:xfrm>
-            <a:off x="-5530732" y="-3526386"/>
-            <a:ext cx="11061463" cy="6858000"/>
-          </a:xfrm>
-          <a:prstGeom prst="rect">
-            <a:avLst/>
-          </a:prstGeom>
-        </p:spPr>
-      </p:pic>
-    </p:spTree>
-    <p:extLst>
-      <p:ext uri="{BB962C8B-B14F-4D97-AF65-F5344CB8AC3E}">
-        <p14:creationId xmlns:p14="http://schemas.microsoft.com/office/powerpoint/2010/main" val="4050734263"/>
-      </p:ext>
-    </p:extLst>
-  </p:cSld>
-  <p:clrMapOvr>
-    <a:masterClrMapping/>
-  </p:clrMapOvr>
-</p:sld>
-</file>
-
 <file path=ppt/slides/slide19.xml><?xml version="1.0" encoding="utf-8"?>
 <p:sld xmlns:a="http://schemas.openxmlformats.org/drawingml/2006/main" xmlns:r="http://schemas.openxmlformats.org/officeDocument/2006/relationships" xmlns:p="http://schemas.openxmlformats.org/presentationml/2006/main">
   <p:cSld>
@@ -7428,10 +7753,10 @@
       </p:grpSpPr>
       <p:sp>
         <p:nvSpPr>
-          <p:cNvPr id="9" name="TextBox 8">
-            <a:extLst>
-              <a:ext uri="{FF2B5EF4-FFF2-40B4-BE49-F238E27FC236}">
-                <a16:creationId xmlns:a16="http://schemas.microsoft.com/office/drawing/2014/main" id="{26EDB7A8-B89C-8B2D-95E4-664D4333450A}"/>
+          <p:cNvPr id="4" name="TextBox 3">
+            <a:extLst>
+              <a:ext uri="{FF2B5EF4-FFF2-40B4-BE49-F238E27FC236}">
+                <a16:creationId xmlns:a16="http://schemas.microsoft.com/office/drawing/2014/main" id="{D2DD5275-256A-0E3B-37C5-D82D8BB5C6D3}"/>
               </a:ext>
             </a:extLst>
           </p:cNvPr>
@@ -7440,8 +7765,8 @@
         </p:nvSpPr>
         <p:spPr>
           <a:xfrm>
-            <a:off x="2074069" y="1614697"/>
-            <a:ext cx="8043862" cy="4801314"/>
+            <a:off x="3180183" y="1222963"/>
+            <a:ext cx="5831633" cy="461665"/>
           </a:xfrm>
           <a:prstGeom prst="rect">
             <a:avLst/>
@@ -7454,221 +7779,116 @@
           </a:bodyPr>
           <a:lstStyle/>
           <a:p>
+            <a:r>
+              <a:rPr lang="en-US" sz="2400" dirty="0">
+                <a:latin typeface="Arial Black" panose="020B0A04020102020204" pitchFamily="34" charset="0"/>
+              </a:rPr>
+              <a:t>Why attack AES?</a:t>
+            </a:r>
+            <a:endParaRPr lang="el-GR" sz="2400" dirty="0">
+              <a:latin typeface="Arial Black" panose="020B0A04020102020204" pitchFamily="34" charset="0"/>
+            </a:endParaRPr>
+          </a:p>
+        </p:txBody>
+      </p:sp>
+      <p:sp>
+        <p:nvSpPr>
+          <p:cNvPr id="5" name="TextBox 4">
+            <a:extLst>
+              <a:ext uri="{FF2B5EF4-FFF2-40B4-BE49-F238E27FC236}">
+                <a16:creationId xmlns:a16="http://schemas.microsoft.com/office/drawing/2014/main" id="{A70E2461-D893-2023-C920-E90D61F8B387}"/>
+              </a:ext>
+            </a:extLst>
+          </p:cNvPr>
+          <p:cNvSpPr txBox="1"/>
+          <p:nvPr/>
+        </p:nvSpPr>
+        <p:spPr>
+          <a:xfrm>
+            <a:off x="2540663" y="2308082"/>
+            <a:ext cx="5094622" cy="3139321"/>
+          </a:xfrm>
+          <a:prstGeom prst="rect">
+            <a:avLst/>
+          </a:prstGeom>
+          <a:noFill/>
+        </p:spPr>
+        <p:txBody>
+          <a:bodyPr wrap="square" rtlCol="0">
+            <a:spAutoFit/>
+          </a:bodyPr>
+          <a:lstStyle/>
+          <a:p>
+            <a:r>
+              <a:rPr lang="en-US" dirty="0"/>
+              <a:t>AES is :</a:t>
+            </a:r>
+          </a:p>
+          <a:p>
             <a:endParaRPr lang="en-US" dirty="0"/>
           </a:p>
           <a:p>
-            <a:pPr marL="342900" indent="-342900">
-              <a:buFont typeface="+mj-lt"/>
-              <a:buAutoNum type="arabicPeriod"/>
-            </a:pPr>
-            <a:r>
-              <a:rPr lang="en-US" dirty="0"/>
-              <a:t>We first analyzed the code in the </a:t>
-            </a:r>
-            <a:r>
-              <a:rPr lang="en-US" dirty="0">
-                <a:hlinkClick r:id="rId2"/>
-              </a:rPr>
-              <a:t>GitHub repository</a:t>
-            </a:r>
-            <a:r>
-              <a:rPr lang="en-US" dirty="0"/>
-              <a:t> it was uploaded.</a:t>
-            </a:r>
-          </a:p>
-          <a:p>
-            <a:pPr marL="342900" indent="-342900">
-              <a:buFont typeface="+mj-lt"/>
-              <a:buAutoNum type="arabicPeriod"/>
-            </a:pPr>
-            <a:r>
-              <a:rPr lang="en-US" dirty="0"/>
-              <a:t>We created a</a:t>
-            </a:r>
-            <a:r>
-              <a:rPr lang="en-US" b="1" i="1" dirty="0"/>
-              <a:t> “transmit” </a:t>
-            </a:r>
-            <a:r>
-              <a:rPr lang="en-US" dirty="0"/>
-              <a:t>module for the malicious functionality.</a:t>
-            </a:r>
-          </a:p>
-          <a:p>
-            <a:pPr marL="342900" indent="-342900">
-              <a:buFont typeface="+mj-lt"/>
-              <a:buAutoNum type="arabicPeriod"/>
-            </a:pPr>
-            <a:r>
-              <a:rPr lang="en-US" dirty="0"/>
-              <a:t>We altered the functionality of the </a:t>
-            </a:r>
-            <a:r>
-              <a:rPr lang="en-US" b="1" i="1" dirty="0"/>
-              <a:t>“</a:t>
-            </a:r>
-            <a:r>
-              <a:rPr lang="en-US" b="1" i="1" dirty="0" err="1"/>
-              <a:t>aes_key_mem</a:t>
-            </a:r>
-            <a:r>
-              <a:rPr lang="en-US" b="1" i="1" dirty="0"/>
-              <a:t>” </a:t>
-            </a:r>
-            <a:r>
-              <a:rPr lang="en-US" dirty="0"/>
-              <a:t>module so when it is instantiated:</a:t>
-            </a:r>
-          </a:p>
-          <a:p>
-            <a:pPr marL="800100" lvl="1" indent="-342900">
-              <a:buFont typeface="+mj-lt"/>
-              <a:buAutoNum type="alphaLcParenR"/>
-            </a:pPr>
-            <a:r>
-              <a:rPr lang="en-US" dirty="0"/>
-              <a:t> the </a:t>
-            </a:r>
-            <a:r>
-              <a:rPr lang="en-US" b="1" i="1" dirty="0"/>
-              <a:t>“transmit” </a:t>
-            </a:r>
-            <a:r>
-              <a:rPr lang="en-US" dirty="0"/>
-              <a:t>module is instantiated,</a:t>
-            </a:r>
-          </a:p>
-          <a:p>
-            <a:pPr marL="800100" lvl="1" indent="-342900">
-              <a:buFont typeface="+mj-lt"/>
-              <a:buAutoNum type="alphaLcParenR"/>
-            </a:pPr>
-            <a:r>
-              <a:rPr lang="en-US" dirty="0"/>
-              <a:t>the </a:t>
-            </a:r>
-            <a:r>
-              <a:rPr lang="en-US" b="1" i="1" dirty="0"/>
-              <a:t>“key” </a:t>
-            </a:r>
-            <a:r>
-              <a:rPr lang="en-US" dirty="0"/>
-              <a:t>value is copied,</a:t>
-            </a:r>
-          </a:p>
-          <a:p>
-            <a:pPr marL="800100" lvl="1" indent="-342900">
-              <a:buFont typeface="+mj-lt"/>
-              <a:buAutoNum type="alphaLcParenR"/>
-            </a:pPr>
-            <a:r>
-              <a:rPr lang="en-US" dirty="0"/>
-              <a:t>the </a:t>
-            </a:r>
-            <a:r>
-              <a:rPr lang="en-US" b="1" i="1" dirty="0"/>
-              <a:t>“key” </a:t>
-            </a:r>
-            <a:r>
-              <a:rPr lang="en-US" dirty="0"/>
-              <a:t>value is being transmitted by a pin.</a:t>
-            </a:r>
-          </a:p>
-          <a:p>
-            <a:pPr marL="800100" lvl="1" indent="-342900">
-              <a:buFont typeface="+mj-lt"/>
-              <a:buAutoNum type="alphaLcParenR"/>
-            </a:pPr>
-            <a:r>
-              <a:rPr lang="en-US" dirty="0"/>
-              <a:t>Because we haven’t got a pinout I used the </a:t>
-            </a:r>
-            <a:r>
-              <a:rPr lang="en-US" b="1" i="1" dirty="0"/>
-              <a:t>“Ant1”</a:t>
-            </a:r>
-            <a:r>
-              <a:rPr lang="en-US" dirty="0"/>
-              <a:t> internal wire for transmission of </a:t>
-            </a:r>
-            <a:r>
-              <a:rPr lang="en-US" dirty="0" err="1"/>
-              <a:t>P.o.C.</a:t>
-            </a:r>
-            <a:r>
-              <a:rPr lang="en-US" dirty="0"/>
-              <a:t> .</a:t>
-            </a:r>
-          </a:p>
-          <a:p>
-            <a:pPr marL="342900" indent="-342900">
-              <a:buFont typeface="+mj-lt"/>
-              <a:buAutoNum type="arabicPeriod"/>
-            </a:pPr>
-            <a:r>
-              <a:rPr lang="en-US" dirty="0"/>
-              <a:t>We use a register to store the key.</a:t>
-            </a:r>
-          </a:p>
-          <a:p>
-            <a:pPr marL="342900" indent="-342900">
-              <a:buFont typeface="+mj-lt"/>
-              <a:buAutoNum type="arabicPeriod"/>
-            </a:pPr>
-            <a:r>
-              <a:rPr lang="en-US" dirty="0"/>
-              <a:t>We use a covert way of leaking the key by:</a:t>
-            </a:r>
-          </a:p>
-          <a:p>
-            <a:pPr marL="800100" lvl="1" indent="-342900">
+            <a:pPr marL="285750" indent="-285750">
               <a:buFont typeface="Arial" panose="020B0604020202020204" pitchFamily="34" charset="0"/>
               <a:buChar char="•"/>
             </a:pPr>
             <a:r>
               <a:rPr lang="en-US" dirty="0"/>
-              <a:t>modulating an (unused) pin on chip that generates an RF signal, </a:t>
-            </a:r>
-          </a:p>
-          <a:p>
-            <a:pPr marL="800100" lvl="1" indent="-342900">
+              <a:t>One of the most popular encryption standards.</a:t>
+            </a:r>
+          </a:p>
+          <a:p>
+            <a:pPr marL="285750" indent="-285750">
               <a:buFont typeface="Arial" panose="020B0604020202020204" pitchFamily="34" charset="0"/>
               <a:buChar char="•"/>
             </a:pPr>
             <a:r>
               <a:rPr lang="en-US" dirty="0"/>
-              <a:t>this signal can be used to transmit the key bits,</a:t>
-            </a:r>
-          </a:p>
-          <a:p>
-            <a:pPr marL="800100" lvl="1" indent="-342900">
+              <a:t>Used broadly all over the world.</a:t>
+            </a:r>
+          </a:p>
+          <a:p>
+            <a:pPr marL="285750" indent="-285750">
               <a:buFont typeface="Arial" panose="020B0604020202020204" pitchFamily="34" charset="0"/>
               <a:buChar char="•"/>
             </a:pPr>
             <a:r>
               <a:rPr lang="en-US" dirty="0"/>
-              <a:t>then it can be received with an ordinary AM radio, </a:t>
-            </a:r>
-          </a:p>
-          <a:p>
-            <a:pPr marL="800100" lvl="1" indent="-342900">
+              <a:t>Is globally standardized, regulated and incompliance with governments, individuals and enterprises.</a:t>
+            </a:r>
+          </a:p>
+          <a:p>
+            <a:pPr marL="285750" indent="-285750">
               <a:buFont typeface="Arial" panose="020B0604020202020204" pitchFamily="34" charset="0"/>
               <a:buChar char="•"/>
             </a:pPr>
             <a:r>
               <a:rPr lang="en-US" dirty="0"/>
-              <a:t>the data carried by the AM signal can be easily interpreted by a human by using a beep scheme.</a:t>
-            </a:r>
+              <a:t>Is efficient in terms of processing power and memory usage so it is used everywhere.</a:t>
+            </a:r>
+          </a:p>
+          <a:p>
+            <a:pPr marL="285750" indent="-285750">
+              <a:buFont typeface="Arial" panose="020B0604020202020204" pitchFamily="34" charset="0"/>
+              <a:buChar char="•"/>
+            </a:pPr>
+            <a:endParaRPr lang="en-US" dirty="0"/>
+          </a:p>
+          <a:p>
+            <a:pPr marL="285750" indent="-285750">
+              <a:buFont typeface="Arial" panose="020B0604020202020204" pitchFamily="34" charset="0"/>
+              <a:buChar char="•"/>
+            </a:pPr>
             <a:endParaRPr lang="el-GR" dirty="0"/>
           </a:p>
         </p:txBody>
       </p:sp>
       <p:pic>
         <p:nvPicPr>
-          <p:cNvPr id="2" name="Picture 2" descr="What is Advanced Encryption Standard (AES)? Definition, Encrption,  Decryption, Advantages and Disadvantages - Binary Terms">
-            <a:extLst>
-              <a:ext uri="{FF2B5EF4-FFF2-40B4-BE49-F238E27FC236}">
-                <a16:creationId xmlns:a16="http://schemas.microsoft.com/office/drawing/2014/main" id="{F337BB01-09AA-3825-7921-78372CB965AC}"/>
+          <p:cNvPr id="1026" name="Picture 2" descr="What is Advanced Encryption Standard (AES)? Definition, Encrption,  Decryption, Advantages and Disadvantages - Binary Terms">
+            <a:extLst>
+              <a:ext uri="{FF2B5EF4-FFF2-40B4-BE49-F238E27FC236}">
+                <a16:creationId xmlns:a16="http://schemas.microsoft.com/office/drawing/2014/main" id="{4216DE81-B276-3417-D499-8AE3E6086B5C}"/>
               </a:ext>
             </a:extLst>
           </p:cNvPr>
@@ -7678,7 +7898,7 @@
           <p:nvPr/>
         </p:nvPicPr>
         <p:blipFill>
-          <a:blip r:embed="rId3">
+          <a:blip r:embed="rId2">
             <a:extLst>
               <a:ext uri="{28A0092B-C50C-407E-A947-70E740481C1C}">
                 <a14:useLocalDpi xmlns:a14="http://schemas.microsoft.com/office/drawing/2010/main" val="0"/>
@@ -7692,8 +7912,8 @@
         </p:blipFill>
         <p:spPr bwMode="auto">
           <a:xfrm>
-            <a:off x="9644704" y="814387"/>
-            <a:ext cx="2452987" cy="4881115"/>
+            <a:off x="8768693" y="272627"/>
+            <a:ext cx="2724347" cy="5421086"/>
           </a:xfrm>
           <a:prstGeom prst="rect">
             <a:avLst/>
@@ -7712,10 +7932,10 @@
       </p:pic>
       <p:pic>
         <p:nvPicPr>
-          <p:cNvPr id="3" name="Graphic 2">
-            <a:extLst>
-              <a:ext uri="{FF2B5EF4-FFF2-40B4-BE49-F238E27FC236}">
-                <a16:creationId xmlns:a16="http://schemas.microsoft.com/office/drawing/2014/main" id="{7FD5AA48-00C1-3EB0-9FEB-0B1A682C0CB1}"/>
+          <p:cNvPr id="2" name="Graphic 1">
+            <a:extLst>
+              <a:ext uri="{FF2B5EF4-FFF2-40B4-BE49-F238E27FC236}">
+                <a16:creationId xmlns:a16="http://schemas.microsoft.com/office/drawing/2014/main" id="{9C72679D-AA50-562F-B353-8B3D4B95CEFC}"/>
               </a:ext>
             </a:extLst>
           </p:cNvPr>
@@ -7725,10 +7945,10 @@
           <p:nvPr/>
         </p:nvPicPr>
         <p:blipFill>
-          <a:blip r:embed="rId4">
+          <a:blip r:embed="rId3">
             <a:extLst>
               <a:ext uri="{96DAC541-7B7A-43D3-8B79-37D633B846F1}">
-                <asvg:svgBlip xmlns:asvg="http://schemas.microsoft.com/office/drawing/2016/SVG/main" r:embed="rId5"/>
+                <asvg:svgBlip xmlns:asvg="http://schemas.microsoft.com/office/drawing/2016/SVG/main" r:embed="rId4"/>
               </a:ext>
             </a:extLst>
           </a:blip>
@@ -7748,10 +7968,10 @@
       </p:pic>
       <p:pic>
         <p:nvPicPr>
-          <p:cNvPr id="4" name="Graphic 3">
-            <a:extLst>
-              <a:ext uri="{FF2B5EF4-FFF2-40B4-BE49-F238E27FC236}">
-                <a16:creationId xmlns:a16="http://schemas.microsoft.com/office/drawing/2014/main" id="{45420F22-82E6-BFAE-0B9C-7EB29E97679F}"/>
+          <p:cNvPr id="3" name="Graphic 2">
+            <a:extLst>
+              <a:ext uri="{FF2B5EF4-FFF2-40B4-BE49-F238E27FC236}">
+                <a16:creationId xmlns:a16="http://schemas.microsoft.com/office/drawing/2014/main" id="{D6EB8113-D6BD-90CB-5E4C-F9151A7F9DFB}"/>
               </a:ext>
             </a:extLst>
           </p:cNvPr>
@@ -7761,10 +7981,10 @@
           <p:nvPr/>
         </p:nvPicPr>
         <p:blipFill>
-          <a:blip r:embed="rId6">
+          <a:blip r:embed="rId5">
             <a:extLst>
               <a:ext uri="{96DAC541-7B7A-43D3-8B79-37D633B846F1}">
-                <asvg:svgBlip xmlns:asvg="http://schemas.microsoft.com/office/drawing/2016/SVG/main" r:embed="rId7"/>
+                <asvg:svgBlip xmlns:asvg="http://schemas.microsoft.com/office/drawing/2016/SVG/main" r:embed="rId6"/>
               </a:ext>
             </a:extLst>
           </a:blip>
@@ -7782,47 +8002,10 @@
           </a:prstGeom>
         </p:spPr>
       </p:pic>
-      <p:sp>
-        <p:nvSpPr>
-          <p:cNvPr id="5" name="TextBox 4">
-            <a:extLst>
-              <a:ext uri="{FF2B5EF4-FFF2-40B4-BE49-F238E27FC236}">
-                <a16:creationId xmlns:a16="http://schemas.microsoft.com/office/drawing/2014/main" id="{9ED900B1-5363-8445-513D-95A3D59BDE5A}"/>
-              </a:ext>
-            </a:extLst>
-          </p:cNvPr>
-          <p:cNvSpPr txBox="1"/>
-          <p:nvPr/>
-        </p:nvSpPr>
-        <p:spPr>
-          <a:xfrm>
-            <a:off x="2756744" y="889588"/>
-            <a:ext cx="6267246" cy="461665"/>
-          </a:xfrm>
-          <a:prstGeom prst="rect">
-            <a:avLst/>
-          </a:prstGeom>
-          <a:noFill/>
-        </p:spPr>
-        <p:txBody>
-          <a:bodyPr wrap="square" rtlCol="0">
-            <a:spAutoFit/>
-          </a:bodyPr>
-          <a:lstStyle/>
-          <a:p>
-            <a:r>
-              <a:rPr lang="en-US" sz="2400" dirty="0">
-                <a:latin typeface="Arial Black" panose="020B0A04020102020204" pitchFamily="34" charset="0"/>
-              </a:rPr>
-              <a:t>Code implementation methodology:</a:t>
-            </a:r>
-          </a:p>
-        </p:txBody>
-      </p:sp>
     </p:spTree>
     <p:extLst>
       <p:ext uri="{BB962C8B-B14F-4D97-AF65-F5344CB8AC3E}">
-        <p14:creationId xmlns:p14="http://schemas.microsoft.com/office/powerpoint/2010/main" val="1948821609"/>
+        <p14:creationId xmlns:p14="http://schemas.microsoft.com/office/powerpoint/2010/main" val="4050734263"/>
       </p:ext>
     </p:extLst>
   </p:cSld>
@@ -8173,6 +8356,429 @@
           <a:chExt cx="0" cy="0"/>
         </a:xfrm>
       </p:grpSpPr>
+      <p:sp>
+        <p:nvSpPr>
+          <p:cNvPr id="9" name="TextBox 8">
+            <a:extLst>
+              <a:ext uri="{FF2B5EF4-FFF2-40B4-BE49-F238E27FC236}">
+                <a16:creationId xmlns:a16="http://schemas.microsoft.com/office/drawing/2014/main" id="{26EDB7A8-B89C-8B2D-95E4-664D4333450A}"/>
+              </a:ext>
+            </a:extLst>
+          </p:cNvPr>
+          <p:cNvSpPr txBox="1"/>
+          <p:nvPr/>
+        </p:nvSpPr>
+        <p:spPr>
+          <a:xfrm>
+            <a:off x="2074069" y="1614697"/>
+            <a:ext cx="8043862" cy="4801314"/>
+          </a:xfrm>
+          <a:prstGeom prst="rect">
+            <a:avLst/>
+          </a:prstGeom>
+          <a:noFill/>
+        </p:spPr>
+        <p:txBody>
+          <a:bodyPr wrap="square" rtlCol="0">
+            <a:spAutoFit/>
+          </a:bodyPr>
+          <a:lstStyle/>
+          <a:p>
+            <a:endParaRPr lang="en-US" dirty="0"/>
+          </a:p>
+          <a:p>
+            <a:pPr marL="342900" indent="-342900">
+              <a:buFont typeface="+mj-lt"/>
+              <a:buAutoNum type="arabicPeriod"/>
+            </a:pPr>
+            <a:r>
+              <a:rPr lang="en-US" dirty="0"/>
+              <a:t>We first analyzed the code in the </a:t>
+            </a:r>
+            <a:r>
+              <a:rPr lang="en-US" dirty="0">
+                <a:hlinkClick r:id="rId2"/>
+              </a:rPr>
+              <a:t>GitHub repository</a:t>
+            </a:r>
+            <a:r>
+              <a:rPr lang="en-US" dirty="0"/>
+              <a:t> it was uploaded.</a:t>
+            </a:r>
+          </a:p>
+          <a:p>
+            <a:pPr marL="342900" indent="-342900">
+              <a:buFont typeface="+mj-lt"/>
+              <a:buAutoNum type="arabicPeriod"/>
+            </a:pPr>
+            <a:r>
+              <a:rPr lang="en-US" dirty="0"/>
+              <a:t>We created a</a:t>
+            </a:r>
+            <a:r>
+              <a:rPr lang="en-US" b="1" i="1" dirty="0"/>
+              <a:t> “transmit” </a:t>
+            </a:r>
+            <a:r>
+              <a:rPr lang="en-US" dirty="0"/>
+              <a:t>module for the malicious functionality.</a:t>
+            </a:r>
+          </a:p>
+          <a:p>
+            <a:pPr marL="342900" indent="-342900">
+              <a:buFont typeface="+mj-lt"/>
+              <a:buAutoNum type="arabicPeriod"/>
+            </a:pPr>
+            <a:r>
+              <a:rPr lang="en-US" dirty="0"/>
+              <a:t>We altered the functionality of the </a:t>
+            </a:r>
+            <a:r>
+              <a:rPr lang="en-US" b="1" i="1" dirty="0"/>
+              <a:t>“</a:t>
+            </a:r>
+            <a:r>
+              <a:rPr lang="en-US" b="1" i="1" dirty="0" err="1"/>
+              <a:t>aes_key_mem</a:t>
+            </a:r>
+            <a:r>
+              <a:rPr lang="en-US" b="1" i="1" dirty="0"/>
+              <a:t>” </a:t>
+            </a:r>
+            <a:r>
+              <a:rPr lang="en-US" dirty="0"/>
+              <a:t>module so when it is instantiated:</a:t>
+            </a:r>
+          </a:p>
+          <a:p>
+            <a:pPr marL="800100" lvl="1" indent="-342900">
+              <a:buFont typeface="+mj-lt"/>
+              <a:buAutoNum type="alphaLcParenR"/>
+            </a:pPr>
+            <a:r>
+              <a:rPr lang="en-US" dirty="0"/>
+              <a:t> the </a:t>
+            </a:r>
+            <a:r>
+              <a:rPr lang="en-US" b="1" i="1" dirty="0"/>
+              <a:t>“transmit” </a:t>
+            </a:r>
+            <a:r>
+              <a:rPr lang="en-US" dirty="0"/>
+              <a:t>module is instantiated,</a:t>
+            </a:r>
+          </a:p>
+          <a:p>
+            <a:pPr marL="800100" lvl="1" indent="-342900">
+              <a:buFont typeface="+mj-lt"/>
+              <a:buAutoNum type="alphaLcParenR"/>
+            </a:pPr>
+            <a:r>
+              <a:rPr lang="en-US" dirty="0"/>
+              <a:t>the </a:t>
+            </a:r>
+            <a:r>
+              <a:rPr lang="en-US" b="1" i="1" dirty="0"/>
+              <a:t>“key” </a:t>
+            </a:r>
+            <a:r>
+              <a:rPr lang="en-US" dirty="0"/>
+              <a:t>value is copied,</a:t>
+            </a:r>
+          </a:p>
+          <a:p>
+            <a:pPr marL="800100" lvl="1" indent="-342900">
+              <a:buFont typeface="+mj-lt"/>
+              <a:buAutoNum type="alphaLcParenR"/>
+            </a:pPr>
+            <a:r>
+              <a:rPr lang="en-US" dirty="0"/>
+              <a:t>the </a:t>
+            </a:r>
+            <a:r>
+              <a:rPr lang="en-US" b="1" i="1" dirty="0"/>
+              <a:t>“key” </a:t>
+            </a:r>
+            <a:r>
+              <a:rPr lang="en-US" dirty="0"/>
+              <a:t>value is being transmitted by a pin.</a:t>
+            </a:r>
+          </a:p>
+          <a:p>
+            <a:pPr marL="800100" lvl="1" indent="-342900">
+              <a:buFont typeface="+mj-lt"/>
+              <a:buAutoNum type="alphaLcParenR"/>
+            </a:pPr>
+            <a:r>
+              <a:rPr lang="en-US" dirty="0"/>
+              <a:t>Because we haven’t got a pinout I used the </a:t>
+            </a:r>
+            <a:r>
+              <a:rPr lang="en-US" b="1" i="1" dirty="0"/>
+              <a:t>“Ant1”</a:t>
+            </a:r>
+            <a:r>
+              <a:rPr lang="en-US" dirty="0"/>
+              <a:t> internal wire for transmission of </a:t>
+            </a:r>
+            <a:r>
+              <a:rPr lang="en-US" dirty="0" err="1"/>
+              <a:t>P.o.C.</a:t>
+            </a:r>
+            <a:r>
+              <a:rPr lang="en-US" dirty="0"/>
+              <a:t> .</a:t>
+            </a:r>
+          </a:p>
+          <a:p>
+            <a:pPr marL="342900" indent="-342900">
+              <a:buFont typeface="+mj-lt"/>
+              <a:buAutoNum type="arabicPeriod"/>
+            </a:pPr>
+            <a:r>
+              <a:rPr lang="en-US" dirty="0"/>
+              <a:t>We use a register to store the key.</a:t>
+            </a:r>
+          </a:p>
+          <a:p>
+            <a:pPr marL="342900" indent="-342900">
+              <a:buFont typeface="+mj-lt"/>
+              <a:buAutoNum type="arabicPeriod"/>
+            </a:pPr>
+            <a:r>
+              <a:rPr lang="en-US" dirty="0"/>
+              <a:t>We use a covert way of leaking the key by:</a:t>
+            </a:r>
+          </a:p>
+          <a:p>
+            <a:pPr marL="800100" lvl="1" indent="-342900">
+              <a:buFont typeface="Arial" panose="020B0604020202020204" pitchFamily="34" charset="0"/>
+              <a:buChar char="•"/>
+            </a:pPr>
+            <a:r>
+              <a:rPr lang="en-US" dirty="0"/>
+              <a:t>modulating an (unused) pin on chip that generates an RF signal, </a:t>
+            </a:r>
+          </a:p>
+          <a:p>
+            <a:pPr marL="800100" lvl="1" indent="-342900">
+              <a:buFont typeface="Arial" panose="020B0604020202020204" pitchFamily="34" charset="0"/>
+              <a:buChar char="•"/>
+            </a:pPr>
+            <a:r>
+              <a:rPr lang="en-US" dirty="0"/>
+              <a:t>this signal can be used to transmit the key bits,</a:t>
+            </a:r>
+          </a:p>
+          <a:p>
+            <a:pPr marL="800100" lvl="1" indent="-342900">
+              <a:buFont typeface="Arial" panose="020B0604020202020204" pitchFamily="34" charset="0"/>
+              <a:buChar char="•"/>
+            </a:pPr>
+            <a:r>
+              <a:rPr lang="en-US" dirty="0"/>
+              <a:t>then it can be received with an ordinary AM radio, </a:t>
+            </a:r>
+          </a:p>
+          <a:p>
+            <a:pPr marL="800100" lvl="1" indent="-342900">
+              <a:buFont typeface="Arial" panose="020B0604020202020204" pitchFamily="34" charset="0"/>
+              <a:buChar char="•"/>
+            </a:pPr>
+            <a:r>
+              <a:rPr lang="en-US" dirty="0"/>
+              <a:t>the data carried by the AM signal can be easily interpreted by a human by using a beep scheme.</a:t>
+            </a:r>
+            <a:endParaRPr lang="el-GR" dirty="0"/>
+          </a:p>
+        </p:txBody>
+      </p:sp>
+      <p:pic>
+        <p:nvPicPr>
+          <p:cNvPr id="2" name="Picture 2" descr="What is Advanced Encryption Standard (AES)? Definition, Encrption,  Decryption, Advantages and Disadvantages - Binary Terms">
+            <a:extLst>
+              <a:ext uri="{FF2B5EF4-FFF2-40B4-BE49-F238E27FC236}">
+                <a16:creationId xmlns:a16="http://schemas.microsoft.com/office/drawing/2014/main" id="{F337BB01-09AA-3825-7921-78372CB965AC}"/>
+              </a:ext>
+            </a:extLst>
+          </p:cNvPr>
+          <p:cNvPicPr>
+            <a:picLocks noChangeAspect="1" noChangeArrowheads="1"/>
+          </p:cNvPicPr>
+          <p:nvPr/>
+        </p:nvPicPr>
+        <p:blipFill>
+          <a:blip r:embed="rId3">
+            <a:extLst>
+              <a:ext uri="{28A0092B-C50C-407E-A947-70E740481C1C}">
+                <a14:useLocalDpi xmlns:a14="http://schemas.microsoft.com/office/drawing/2010/main" val="0"/>
+              </a:ext>
+            </a:extLst>
+          </a:blip>
+          <a:srcRect/>
+          <a:stretch>
+            <a:fillRect/>
+          </a:stretch>
+        </p:blipFill>
+        <p:spPr bwMode="auto">
+          <a:xfrm>
+            <a:off x="9644704" y="814387"/>
+            <a:ext cx="2452987" cy="4881115"/>
+          </a:xfrm>
+          <a:prstGeom prst="rect">
+            <a:avLst/>
+          </a:prstGeom>
+          <a:noFill/>
+          <a:extLst>
+            <a:ext uri="{909E8E84-426E-40DD-AFC4-6F175D3DCCD1}">
+              <a14:hiddenFill xmlns:a14="http://schemas.microsoft.com/office/drawing/2010/main">
+                <a:solidFill>
+                  <a:srgbClr val="FFFFFF"/>
+                </a:solidFill>
+              </a14:hiddenFill>
+            </a:ext>
+          </a:extLst>
+        </p:spPr>
+      </p:pic>
+      <p:pic>
+        <p:nvPicPr>
+          <p:cNvPr id="3" name="Graphic 2">
+            <a:extLst>
+              <a:ext uri="{FF2B5EF4-FFF2-40B4-BE49-F238E27FC236}">
+                <a16:creationId xmlns:a16="http://schemas.microsoft.com/office/drawing/2014/main" id="{7FD5AA48-00C1-3EB0-9FEB-0B1A682C0CB1}"/>
+              </a:ext>
+            </a:extLst>
+          </p:cNvPr>
+          <p:cNvPicPr>
+            <a:picLocks noChangeAspect="1"/>
+          </p:cNvPicPr>
+          <p:nvPr/>
+        </p:nvPicPr>
+        <p:blipFill>
+          <a:blip r:embed="rId4">
+            <a:extLst>
+              <a:ext uri="{96DAC541-7B7A-43D3-8B79-37D633B846F1}">
+                <asvg:svgBlip xmlns:asvg="http://schemas.microsoft.com/office/drawing/2016/SVG/main" r:embed="rId5"/>
+              </a:ext>
+            </a:extLst>
+          </a:blip>
+          <a:stretch>
+            <a:fillRect/>
+          </a:stretch>
+        </p:blipFill>
+        <p:spPr>
+          <a:xfrm>
+            <a:off x="-578735" y="2983170"/>
+            <a:ext cx="13689573" cy="6858000"/>
+          </a:xfrm>
+          <a:prstGeom prst="rect">
+            <a:avLst/>
+          </a:prstGeom>
+        </p:spPr>
+      </p:pic>
+      <p:pic>
+        <p:nvPicPr>
+          <p:cNvPr id="4" name="Graphic 3">
+            <a:extLst>
+              <a:ext uri="{FF2B5EF4-FFF2-40B4-BE49-F238E27FC236}">
+                <a16:creationId xmlns:a16="http://schemas.microsoft.com/office/drawing/2014/main" id="{45420F22-82E6-BFAE-0B9C-7EB29E97679F}"/>
+              </a:ext>
+            </a:extLst>
+          </p:cNvPr>
+          <p:cNvPicPr>
+            <a:picLocks noChangeAspect="1"/>
+          </p:cNvPicPr>
+          <p:nvPr/>
+        </p:nvPicPr>
+        <p:blipFill>
+          <a:blip r:embed="rId6">
+            <a:extLst>
+              <a:ext uri="{96DAC541-7B7A-43D3-8B79-37D633B846F1}">
+                <asvg:svgBlip xmlns:asvg="http://schemas.microsoft.com/office/drawing/2016/SVG/main" r:embed="rId7"/>
+              </a:ext>
+            </a:extLst>
+          </a:blip>
+          <a:stretch>
+            <a:fillRect/>
+          </a:stretch>
+        </p:blipFill>
+        <p:spPr>
+          <a:xfrm>
+            <a:off x="-5530732" y="-3526386"/>
+            <a:ext cx="11061463" cy="6858000"/>
+          </a:xfrm>
+          <a:prstGeom prst="rect">
+            <a:avLst/>
+          </a:prstGeom>
+        </p:spPr>
+      </p:pic>
+      <p:sp>
+        <p:nvSpPr>
+          <p:cNvPr id="5" name="TextBox 4">
+            <a:extLst>
+              <a:ext uri="{FF2B5EF4-FFF2-40B4-BE49-F238E27FC236}">
+                <a16:creationId xmlns:a16="http://schemas.microsoft.com/office/drawing/2014/main" id="{9ED900B1-5363-8445-513D-95A3D59BDE5A}"/>
+              </a:ext>
+            </a:extLst>
+          </p:cNvPr>
+          <p:cNvSpPr txBox="1"/>
+          <p:nvPr/>
+        </p:nvSpPr>
+        <p:spPr>
+          <a:xfrm>
+            <a:off x="2756744" y="889588"/>
+            <a:ext cx="6267246" cy="461665"/>
+          </a:xfrm>
+          <a:prstGeom prst="rect">
+            <a:avLst/>
+          </a:prstGeom>
+          <a:noFill/>
+        </p:spPr>
+        <p:txBody>
+          <a:bodyPr wrap="square" rtlCol="0">
+            <a:spAutoFit/>
+          </a:bodyPr>
+          <a:lstStyle/>
+          <a:p>
+            <a:r>
+              <a:rPr lang="en-US" sz="2400" dirty="0">
+                <a:latin typeface="Arial Black" panose="020B0A04020102020204" pitchFamily="34" charset="0"/>
+              </a:rPr>
+              <a:t>Code implementation methodology:</a:t>
+            </a:r>
+          </a:p>
+        </p:txBody>
+      </p:sp>
+    </p:spTree>
+    <p:extLst>
+      <p:ext uri="{BB962C8B-B14F-4D97-AF65-F5344CB8AC3E}">
+        <p14:creationId xmlns:p14="http://schemas.microsoft.com/office/powerpoint/2010/main" val="1948821609"/>
+      </p:ext>
+    </p:extLst>
+  </p:cSld>
+  <p:clrMapOvr>
+    <a:masterClrMapping/>
+  </p:clrMapOvr>
+</p:sld>
+</file>
+
+<file path=ppt/slides/slide21.xml><?xml version="1.0" encoding="utf-8"?>
+<p:sld xmlns:a="http://schemas.openxmlformats.org/drawingml/2006/main" xmlns:r="http://schemas.openxmlformats.org/officeDocument/2006/relationships" xmlns:p="http://schemas.openxmlformats.org/presentationml/2006/main">
+  <p:cSld>
+    <p:spTree>
+      <p:nvGrpSpPr>
+        <p:cNvPr id="1" name=""/>
+        <p:cNvGrpSpPr/>
+        <p:nvPr/>
+      </p:nvGrpSpPr>
+      <p:grpSpPr>
+        <a:xfrm>
+          <a:off x="0" y="0"/>
+          <a:ext cx="0" cy="0"/>
+          <a:chOff x="0" y="0"/>
+          <a:chExt cx="0" cy="0"/>
+        </a:xfrm>
+      </p:grpSpPr>
       <p:pic>
         <p:nvPicPr>
           <p:cNvPr id="5" name="Graphic 4">
@@ -8485,7 +9091,7 @@
 </p:sld>
 </file>
 
-<file path=ppt/slides/slide21.xml><?xml version="1.0" encoding="utf-8"?>
+<file path=ppt/slides/slide22.xml><?xml version="1.0" encoding="utf-8"?>
 <p:sld xmlns:a="http://schemas.openxmlformats.org/drawingml/2006/main" xmlns:r="http://schemas.openxmlformats.org/officeDocument/2006/relationships" xmlns:p="http://schemas.openxmlformats.org/presentationml/2006/main">
   <p:cSld>
     <p:spTree>
@@ -9787,6 +10393,327 @@
 </file>
 
 <file path=ppt/slides/slide6.xml><?xml version="1.0" encoding="utf-8"?>
+<p:sld xmlns:a="http://schemas.openxmlformats.org/drawingml/2006/main" xmlns:r="http://schemas.openxmlformats.org/officeDocument/2006/relationships" xmlns:p="http://schemas.openxmlformats.org/presentationml/2006/main">
+  <p:cSld>
+    <p:spTree>
+      <p:nvGrpSpPr>
+        <p:cNvPr id="1" name=""/>
+        <p:cNvGrpSpPr/>
+        <p:nvPr/>
+      </p:nvGrpSpPr>
+      <p:grpSpPr>
+        <a:xfrm>
+          <a:off x="0" y="0"/>
+          <a:ext cx="0" cy="0"/>
+          <a:chOff x="0" y="0"/>
+          <a:chExt cx="0" cy="0"/>
+        </a:xfrm>
+      </p:grpSpPr>
+      <p:sp>
+        <p:nvSpPr>
+          <p:cNvPr id="2" name="TextBox 1">
+            <a:extLst>
+              <a:ext uri="{FF2B5EF4-FFF2-40B4-BE49-F238E27FC236}">
+                <a16:creationId xmlns:a16="http://schemas.microsoft.com/office/drawing/2014/main" id="{2944DD5C-255F-12C1-4C2D-49CF4EF2CD7C}"/>
+              </a:ext>
+            </a:extLst>
+          </p:cNvPr>
+          <p:cNvSpPr txBox="1"/>
+          <p:nvPr/>
+        </p:nvSpPr>
+        <p:spPr>
+          <a:xfrm>
+            <a:off x="3028772" y="1084568"/>
+            <a:ext cx="6334303" cy="646331"/>
+          </a:xfrm>
+          <a:prstGeom prst="rect">
+            <a:avLst/>
+          </a:prstGeom>
+          <a:noFill/>
+        </p:spPr>
+        <p:txBody>
+          <a:bodyPr wrap="square" rtlCol="0">
+            <a:spAutoFit/>
+          </a:bodyPr>
+          <a:lstStyle/>
+          <a:p>
+            <a:r>
+              <a:rPr lang="en-US" sz="3600" dirty="0">
+                <a:latin typeface="Arial Black" panose="020B0A04020102020204" pitchFamily="34" charset="0"/>
+              </a:rPr>
+              <a:t>Testing and Simulation</a:t>
+            </a:r>
+            <a:endParaRPr lang="el-GR" sz="3600" dirty="0">
+              <a:latin typeface="Arial Black" panose="020B0A04020102020204" pitchFamily="34" charset="0"/>
+            </a:endParaRPr>
+          </a:p>
+        </p:txBody>
+      </p:sp>
+      <p:sp>
+        <p:nvSpPr>
+          <p:cNvPr id="3" name="TextBox 2">
+            <a:extLst>
+              <a:ext uri="{FF2B5EF4-FFF2-40B4-BE49-F238E27FC236}">
+                <a16:creationId xmlns:a16="http://schemas.microsoft.com/office/drawing/2014/main" id="{BC5CEF8C-4F8A-854D-2968-E41062F6D596}"/>
+              </a:ext>
+            </a:extLst>
+          </p:cNvPr>
+          <p:cNvSpPr txBox="1"/>
+          <p:nvPr/>
+        </p:nvSpPr>
+        <p:spPr>
+          <a:xfrm>
+            <a:off x="2179317" y="1825906"/>
+            <a:ext cx="9717407" cy="4524315"/>
+          </a:xfrm>
+          <a:prstGeom prst="rect">
+            <a:avLst/>
+          </a:prstGeom>
+          <a:noFill/>
+        </p:spPr>
+        <p:txBody>
+          <a:bodyPr wrap="square" rtlCol="0">
+            <a:spAutoFit/>
+          </a:bodyPr>
+          <a:lstStyle/>
+          <a:p>
+            <a:r>
+              <a:rPr lang="en-US" dirty="0"/>
+              <a:t>For testing and Simulation purposes we used EDA Playground, an online platform for practicing and sharing Electronic Design Automation (EDA) concepts, codes, and examples. We used it primarily for those who are students and hobbyists and are interested in digital design and verification because:</a:t>
+            </a:r>
+          </a:p>
+          <a:p>
+            <a:endParaRPr lang="en-US" dirty="0"/>
+          </a:p>
+          <a:p>
+            <a:r>
+              <a:rPr lang="en-US" dirty="0"/>
+              <a:t>1. </a:t>
+            </a:r>
+            <a:r>
+              <a:rPr lang="en-US" b="1" u="sng" dirty="0"/>
+              <a:t>NO Setup Required: </a:t>
+            </a:r>
+            <a:r>
+              <a:rPr lang="en-US" dirty="0"/>
+              <a:t>It eliminates the need to install and configure complex software on your local machine. You can write and simulate code directly in a web browser, which is particularly useful for learning and experimentation when you don’t want to commit to a full environment setup.</a:t>
+            </a:r>
+          </a:p>
+          <a:p>
+            <a:r>
+              <a:rPr lang="en-US" dirty="0"/>
+              <a:t>2. </a:t>
+            </a:r>
+            <a:r>
+              <a:rPr lang="en-US" b="1" u="sng" dirty="0"/>
+              <a:t>Support for Multiple Tools and Languages</a:t>
+            </a:r>
+            <a:r>
+              <a:rPr lang="en-US" dirty="0"/>
+              <a:t>: EDA Playground supports a variety of hardware description languages (HDLs) and verification languages such as Verilog, </a:t>
+            </a:r>
+            <a:r>
+              <a:rPr lang="en-US" dirty="0" err="1"/>
+              <a:t>SystemVerilog</a:t>
+            </a:r>
+            <a:r>
+              <a:rPr lang="en-US" dirty="0"/>
+              <a:t> as well as a variety of simulators like Icarus Verilog, </a:t>
+            </a:r>
+            <a:r>
+              <a:rPr lang="en-US" dirty="0" err="1"/>
+              <a:t>Aldec</a:t>
+            </a:r>
+            <a:r>
+              <a:rPr lang="en-US" dirty="0"/>
+              <a:t> Riviera-PRO, and Mentor Graphics </a:t>
+            </a:r>
+            <a:r>
+              <a:rPr lang="en-US" dirty="0" err="1"/>
+              <a:t>ModelSim</a:t>
+            </a:r>
+            <a:r>
+              <a:rPr lang="en-US" dirty="0"/>
+              <a:t>.</a:t>
+            </a:r>
+          </a:p>
+          <a:p>
+            <a:r>
+              <a:rPr lang="en-US" dirty="0"/>
+              <a:t>3. </a:t>
+            </a:r>
+            <a:r>
+              <a:rPr lang="en-US" b="1" u="sng" dirty="0"/>
+              <a:t>Instant Feedback</a:t>
+            </a:r>
+            <a:r>
+              <a:rPr lang="en-US" dirty="0"/>
+              <a:t>: You can write code and simulate it immediately, receiving instant feedback. This is great for educational purposes and quick prototyping.</a:t>
+            </a:r>
+          </a:p>
+          <a:p>
+            <a:r>
+              <a:rPr lang="en-US" dirty="0"/>
+              <a:t>4. </a:t>
+            </a:r>
+            <a:r>
+              <a:rPr lang="en-US" b="1" u="sng" dirty="0"/>
+              <a:t>Shareable Code: </a:t>
+            </a:r>
+            <a:r>
+              <a:rPr lang="en-US" dirty="0"/>
+              <a:t>You can easily share your code with others by providing a link. This makes it convenient for collaborative projects or for educators to share examples with students.</a:t>
+            </a:r>
+          </a:p>
+          <a:p>
+            <a:r>
+              <a:rPr lang="en-US" dirty="0"/>
+              <a:t>7. </a:t>
+            </a:r>
+            <a:r>
+              <a:rPr lang="en-US" b="1" u="sng" dirty="0"/>
+              <a:t>No Cost: </a:t>
+            </a:r>
+            <a:r>
+              <a:rPr lang="en-US" dirty="0"/>
+              <a:t>It’s free to use, which is particularly beneficial for students and hobbyists who may not have access to professional, paid EDA tools.</a:t>
+            </a:r>
+          </a:p>
+        </p:txBody>
+      </p:sp>
+      <p:pic>
+        <p:nvPicPr>
+          <p:cNvPr id="4" name="Graphic 3">
+            <a:extLst>
+              <a:ext uri="{FF2B5EF4-FFF2-40B4-BE49-F238E27FC236}">
+                <a16:creationId xmlns:a16="http://schemas.microsoft.com/office/drawing/2014/main" id="{1B1D6DF7-C6C5-81F4-D3B1-497918E6C276}"/>
+              </a:ext>
+            </a:extLst>
+          </p:cNvPr>
+          <p:cNvPicPr>
+            <a:picLocks noChangeAspect="1"/>
+          </p:cNvPicPr>
+          <p:nvPr/>
+        </p:nvPicPr>
+        <p:blipFill>
+          <a:blip r:embed="rId2">
+            <a:extLst>
+              <a:ext uri="{96DAC541-7B7A-43D3-8B79-37D633B846F1}">
+                <asvg:svgBlip xmlns:asvg="http://schemas.microsoft.com/office/drawing/2016/SVG/main" r:embed="rId3"/>
+              </a:ext>
+            </a:extLst>
+          </a:blip>
+          <a:stretch>
+            <a:fillRect/>
+          </a:stretch>
+        </p:blipFill>
+        <p:spPr>
+          <a:xfrm>
+            <a:off x="-5530732" y="-3526386"/>
+            <a:ext cx="11061463" cy="6858000"/>
+          </a:xfrm>
+          <a:prstGeom prst="rect">
+            <a:avLst/>
+          </a:prstGeom>
+        </p:spPr>
+      </p:pic>
+      <p:pic>
+        <p:nvPicPr>
+          <p:cNvPr id="7" name="Graphic 6">
+            <a:extLst>
+              <a:ext uri="{FF2B5EF4-FFF2-40B4-BE49-F238E27FC236}">
+                <a16:creationId xmlns:a16="http://schemas.microsoft.com/office/drawing/2014/main" id="{A15444F2-3F01-792D-E785-5E1A5D1A48E5}"/>
+              </a:ext>
+            </a:extLst>
+          </p:cNvPr>
+          <p:cNvPicPr>
+            <a:picLocks noChangeAspect="1"/>
+          </p:cNvPicPr>
+          <p:nvPr/>
+        </p:nvPicPr>
+        <p:blipFill>
+          <a:blip r:embed="rId4">
+            <a:extLst>
+              <a:ext uri="{96DAC541-7B7A-43D3-8B79-37D633B846F1}">
+                <asvg:svgBlip xmlns:asvg="http://schemas.microsoft.com/office/drawing/2016/SVG/main" r:embed="rId5"/>
+              </a:ext>
+            </a:extLst>
+          </a:blip>
+          <a:stretch>
+            <a:fillRect/>
+          </a:stretch>
+        </p:blipFill>
+        <p:spPr>
+          <a:xfrm>
+            <a:off x="-578735" y="2983170"/>
+            <a:ext cx="13689573" cy="6858000"/>
+          </a:xfrm>
+          <a:prstGeom prst="rect">
+            <a:avLst/>
+          </a:prstGeom>
+        </p:spPr>
+      </p:pic>
+      <p:pic>
+        <p:nvPicPr>
+          <p:cNvPr id="1026" name="Picture 2" descr="EDA Playground (@EDAPlayground) / X">
+            <a:extLst>
+              <a:ext uri="{FF2B5EF4-FFF2-40B4-BE49-F238E27FC236}">
+                <a16:creationId xmlns:a16="http://schemas.microsoft.com/office/drawing/2014/main" id="{BA0C4320-BFD4-3AD7-B980-ED4B04CC27F9}"/>
+              </a:ext>
+            </a:extLst>
+          </p:cNvPr>
+          <p:cNvPicPr>
+            <a:picLocks noChangeAspect="1" noChangeArrowheads="1"/>
+          </p:cNvPicPr>
+          <p:nvPr/>
+        </p:nvPicPr>
+        <p:blipFill>
+          <a:blip r:embed="rId6">
+            <a:extLst>
+              <a:ext uri="{28A0092B-C50C-407E-A947-70E740481C1C}">
+                <a14:useLocalDpi xmlns:a14="http://schemas.microsoft.com/office/drawing/2010/main" val="0"/>
+              </a:ext>
+            </a:extLst>
+          </a:blip>
+          <a:srcRect/>
+          <a:stretch>
+            <a:fillRect/>
+          </a:stretch>
+        </p:blipFill>
+        <p:spPr bwMode="auto">
+          <a:xfrm>
+            <a:off x="361951" y="3371851"/>
+            <a:ext cx="1454471" cy="1454471"/>
+          </a:xfrm>
+          <a:prstGeom prst="rect">
+            <a:avLst/>
+          </a:prstGeom>
+          <a:noFill/>
+          <a:extLst>
+            <a:ext uri="{909E8E84-426E-40DD-AFC4-6F175D3DCCD1}">
+              <a14:hiddenFill xmlns:a14="http://schemas.microsoft.com/office/drawing/2010/main">
+                <a:solidFill>
+                  <a:srgbClr val="FFFFFF"/>
+                </a:solidFill>
+              </a14:hiddenFill>
+            </a:ext>
+          </a:extLst>
+        </p:spPr>
+      </p:pic>
+    </p:spTree>
+    <p:extLst>
+      <p:ext uri="{BB962C8B-B14F-4D97-AF65-F5344CB8AC3E}">
+        <p14:creationId xmlns:p14="http://schemas.microsoft.com/office/powerpoint/2010/main" val="523978033"/>
+      </p:ext>
+    </p:extLst>
+  </p:cSld>
+  <p:clrMapOvr>
+    <a:masterClrMapping/>
+  </p:clrMapOvr>
+</p:sld>
+</file>
+
+<file path=ppt/slides/slide7.xml><?xml version="1.0" encoding="utf-8"?>
 <p:sld xmlns:a="http://schemas.openxmlformats.org/drawingml/2006/main" xmlns:r="http://schemas.openxmlformats.org/officeDocument/2006/relationships" xmlns:p="http://schemas.openxmlformats.org/presentationml/2006/main">
   <p:cSld>
     <p:spTree>
@@ -10241,335 +11168,6 @@
 </p:sld>
 </file>
 
-<file path=ppt/slides/slide7.xml><?xml version="1.0" encoding="utf-8"?>
-<p:sld xmlns:a="http://schemas.openxmlformats.org/drawingml/2006/main" xmlns:r="http://schemas.openxmlformats.org/officeDocument/2006/relationships" xmlns:p="http://schemas.openxmlformats.org/presentationml/2006/main">
-  <p:cSld>
-    <p:spTree>
-      <p:nvGrpSpPr>
-        <p:cNvPr id="1" name=""/>
-        <p:cNvGrpSpPr/>
-        <p:nvPr/>
-      </p:nvGrpSpPr>
-      <p:grpSpPr>
-        <a:xfrm>
-          <a:off x="0" y="0"/>
-          <a:ext cx="0" cy="0"/>
-          <a:chOff x="0" y="0"/>
-          <a:chExt cx="0" cy="0"/>
-        </a:xfrm>
-      </p:grpSpPr>
-      <p:sp>
-        <p:nvSpPr>
-          <p:cNvPr id="9" name="TextBox 8">
-            <a:extLst>
-              <a:ext uri="{FF2B5EF4-FFF2-40B4-BE49-F238E27FC236}">
-                <a16:creationId xmlns:a16="http://schemas.microsoft.com/office/drawing/2014/main" id="{CAD07D9D-A7BE-CEE4-9567-42658B535AAB}"/>
-              </a:ext>
-            </a:extLst>
-          </p:cNvPr>
-          <p:cNvSpPr txBox="1"/>
-          <p:nvPr/>
-        </p:nvSpPr>
-        <p:spPr>
-          <a:xfrm>
-            <a:off x="3249418" y="1386911"/>
-            <a:ext cx="7747726" cy="830997"/>
-          </a:xfrm>
-          <a:prstGeom prst="rect">
-            <a:avLst/>
-          </a:prstGeom>
-          <a:noFill/>
-        </p:spPr>
-        <p:txBody>
-          <a:bodyPr wrap="square" rtlCol="0">
-            <a:spAutoFit/>
-          </a:bodyPr>
-          <a:lstStyle/>
-          <a:p>
-            <a:pPr algn="ctr"/>
-            <a:r>
-              <a:rPr lang="en-US" sz="2400" dirty="0">
-                <a:latin typeface="Arial Black" panose="020B0A04020102020204" pitchFamily="34" charset="0"/>
-              </a:rPr>
-              <a:t>We identified a vulnerability in ChatGPT Content filtering.</a:t>
-            </a:r>
-            <a:endParaRPr lang="el-GR" sz="2400" dirty="0">
-              <a:latin typeface="Arial Black" panose="020B0A04020102020204" pitchFamily="34" charset="0"/>
-            </a:endParaRPr>
-          </a:p>
-        </p:txBody>
-      </p:sp>
-      <p:sp>
-        <p:nvSpPr>
-          <p:cNvPr id="10" name="TextBox 9">
-            <a:extLst>
-              <a:ext uri="{FF2B5EF4-FFF2-40B4-BE49-F238E27FC236}">
-                <a16:creationId xmlns:a16="http://schemas.microsoft.com/office/drawing/2014/main" id="{9DBB97DF-FB2E-D286-9477-7B821744A029}"/>
-              </a:ext>
-            </a:extLst>
-          </p:cNvPr>
-          <p:cNvSpPr txBox="1"/>
-          <p:nvPr/>
-        </p:nvSpPr>
-        <p:spPr>
-          <a:xfrm>
-            <a:off x="1319141" y="2792144"/>
-            <a:ext cx="10310327" cy="923330"/>
-          </a:xfrm>
-          <a:prstGeom prst="rect">
-            <a:avLst/>
-          </a:prstGeom>
-          <a:noFill/>
-        </p:spPr>
-        <p:txBody>
-          <a:bodyPr wrap="square" rtlCol="0">
-            <a:spAutoFit/>
-          </a:bodyPr>
-          <a:lstStyle/>
-          <a:p>
-            <a:r>
-              <a:rPr lang="en-US" dirty="0"/>
-              <a:t>During the course of our investigation, ChatGPT's content filtering procedure impeded attempts to write "malicious" code. We discovered a means to circumvent this security and "exploit" the system by utilizing ZULU as the primary prompting language. As a proof of concept, we present the dialogues below:</a:t>
-            </a:r>
-            <a:endParaRPr lang="el-GR" dirty="0"/>
-          </a:p>
-        </p:txBody>
-      </p:sp>
-      <p:sp>
-        <p:nvSpPr>
-          <p:cNvPr id="11" name="TextBox 10">
-            <a:extLst>
-              <a:ext uri="{FF2B5EF4-FFF2-40B4-BE49-F238E27FC236}">
-                <a16:creationId xmlns:a16="http://schemas.microsoft.com/office/drawing/2014/main" id="{D8E71A28-2386-89B3-9F65-775E535A13E6}"/>
-              </a:ext>
-            </a:extLst>
-          </p:cNvPr>
-          <p:cNvSpPr txBox="1"/>
-          <p:nvPr/>
-        </p:nvSpPr>
-        <p:spPr>
-          <a:xfrm>
-            <a:off x="906268" y="4289422"/>
-            <a:ext cx="5766318" cy="369332"/>
-          </a:xfrm>
-          <a:prstGeom prst="rect">
-            <a:avLst/>
-          </a:prstGeom>
-          <a:noFill/>
-        </p:spPr>
-        <p:txBody>
-          <a:bodyPr wrap="square" rtlCol="0">
-            <a:spAutoFit/>
-          </a:bodyPr>
-          <a:lstStyle/>
-          <a:p>
-            <a:r>
-              <a:rPr lang="en-US" dirty="0"/>
-              <a:t>Asking how to build a chemical bomb using English:</a:t>
-            </a:r>
-            <a:endParaRPr lang="el-GR" dirty="0"/>
-          </a:p>
-        </p:txBody>
-      </p:sp>
-      <p:sp>
-        <p:nvSpPr>
-          <p:cNvPr id="12" name="TextBox 11">
-            <a:extLst>
-              <a:ext uri="{FF2B5EF4-FFF2-40B4-BE49-F238E27FC236}">
-                <a16:creationId xmlns:a16="http://schemas.microsoft.com/office/drawing/2014/main" id="{72AB5668-3F30-4445-FEDB-A3146B6F92AB}"/>
-              </a:ext>
-            </a:extLst>
-          </p:cNvPr>
-          <p:cNvSpPr txBox="1"/>
-          <p:nvPr/>
-        </p:nvSpPr>
-        <p:spPr>
-          <a:xfrm>
-            <a:off x="6425682" y="4289710"/>
-            <a:ext cx="5766318" cy="369332"/>
-          </a:xfrm>
-          <a:prstGeom prst="rect">
-            <a:avLst/>
-          </a:prstGeom>
-          <a:noFill/>
-        </p:spPr>
-        <p:txBody>
-          <a:bodyPr wrap="square" rtlCol="0">
-            <a:spAutoFit/>
-          </a:bodyPr>
-          <a:lstStyle/>
-          <a:p>
-            <a:r>
-              <a:rPr lang="en-US" dirty="0"/>
-              <a:t>Asking how to build a chemical bomb using Zulu:</a:t>
-            </a:r>
-            <a:endParaRPr lang="el-GR" dirty="0"/>
-          </a:p>
-        </p:txBody>
-      </p:sp>
-      <p:sp>
-        <p:nvSpPr>
-          <p:cNvPr id="13" name="TextBox 12">
-            <a:extLst>
-              <a:ext uri="{FF2B5EF4-FFF2-40B4-BE49-F238E27FC236}">
-                <a16:creationId xmlns:a16="http://schemas.microsoft.com/office/drawing/2014/main" id="{44234CA5-4439-AD6A-73DB-4D0B30897B9B}"/>
-              </a:ext>
-            </a:extLst>
-          </p:cNvPr>
-          <p:cNvSpPr txBox="1"/>
-          <p:nvPr/>
-        </p:nvSpPr>
-        <p:spPr>
-          <a:xfrm>
-            <a:off x="1135451" y="4754267"/>
-            <a:ext cx="4711959" cy="646331"/>
-          </a:xfrm>
-          <a:prstGeom prst="rect">
-            <a:avLst/>
-          </a:prstGeom>
-          <a:noFill/>
-        </p:spPr>
-        <p:txBody>
-          <a:bodyPr wrap="square" rtlCol="0">
-            <a:spAutoFit/>
-          </a:bodyPr>
-          <a:lstStyle/>
-          <a:p>
-            <a:pPr algn="ctr"/>
-            <a:r>
-              <a:rPr lang="en-US" dirty="0">
-                <a:hlinkClick r:id="rId2"/>
-              </a:rPr>
-              <a:t>https://chat.openai.com/share/445456a6-b89d-438b-a547-05adbec612de</a:t>
-            </a:r>
-            <a:endParaRPr lang="el-GR" dirty="0"/>
-          </a:p>
-        </p:txBody>
-      </p:sp>
-      <p:sp>
-        <p:nvSpPr>
-          <p:cNvPr id="14" name="TextBox 13">
-            <a:extLst>
-              <a:ext uri="{FF2B5EF4-FFF2-40B4-BE49-F238E27FC236}">
-                <a16:creationId xmlns:a16="http://schemas.microsoft.com/office/drawing/2014/main" id="{4B89ACCF-20F7-62DE-503F-AB0431964C5D}"/>
-              </a:ext>
-            </a:extLst>
-          </p:cNvPr>
-          <p:cNvSpPr txBox="1"/>
-          <p:nvPr/>
-        </p:nvSpPr>
-        <p:spPr>
-          <a:xfrm>
-            <a:off x="6772398" y="4708632"/>
-            <a:ext cx="4404049" cy="650034"/>
-          </a:xfrm>
-          <a:prstGeom prst="rect">
-            <a:avLst/>
-          </a:prstGeom>
-          <a:noFill/>
-        </p:spPr>
-        <p:txBody>
-          <a:bodyPr wrap="square" rtlCol="0">
-            <a:spAutoFit/>
-          </a:bodyPr>
-          <a:lstStyle/>
-          <a:p>
-            <a:pPr algn="ctr"/>
-            <a:r>
-              <a:rPr lang="en-US" dirty="0">
-                <a:hlinkClick r:id="rId3"/>
-              </a:rPr>
-              <a:t>https://chat.openai.com/share/53ca6e4b-ca74-405f-ae9d-32c748fa471a</a:t>
-            </a:r>
-            <a:endParaRPr lang="el-GR" dirty="0"/>
-          </a:p>
-        </p:txBody>
-      </p:sp>
-      <p:pic>
-        <p:nvPicPr>
-          <p:cNvPr id="2" name="Graphic 1">
-            <a:extLst>
-              <a:ext uri="{FF2B5EF4-FFF2-40B4-BE49-F238E27FC236}">
-                <a16:creationId xmlns:a16="http://schemas.microsoft.com/office/drawing/2014/main" id="{B27DA7A8-2224-5580-B16D-95CEA4CD684D}"/>
-              </a:ext>
-            </a:extLst>
-          </p:cNvPr>
-          <p:cNvPicPr>
-            <a:picLocks noChangeAspect="1"/>
-          </p:cNvPicPr>
-          <p:nvPr/>
-        </p:nvPicPr>
-        <p:blipFill>
-          <a:blip r:embed="rId4">
-            <a:extLst>
-              <a:ext uri="{96DAC541-7B7A-43D3-8B79-37D633B846F1}">
-                <asvg:svgBlip xmlns:asvg="http://schemas.microsoft.com/office/drawing/2016/SVG/main" r:embed="rId5"/>
-              </a:ext>
-            </a:extLst>
-          </a:blip>
-          <a:stretch>
-            <a:fillRect/>
-          </a:stretch>
-        </p:blipFill>
-        <p:spPr>
-          <a:xfrm>
-            <a:off x="-5530732" y="-3526386"/>
-            <a:ext cx="11061463" cy="6858000"/>
-          </a:xfrm>
-          <a:prstGeom prst="rect">
-            <a:avLst/>
-          </a:prstGeom>
-        </p:spPr>
-      </p:pic>
-      <p:pic>
-        <p:nvPicPr>
-          <p:cNvPr id="4" name="Graphic 3">
-            <a:extLst>
-              <a:ext uri="{FF2B5EF4-FFF2-40B4-BE49-F238E27FC236}">
-                <a16:creationId xmlns:a16="http://schemas.microsoft.com/office/drawing/2014/main" id="{B02975BA-91FE-AEF6-2CBA-E98125FFED1D}"/>
-              </a:ext>
-            </a:extLst>
-          </p:cNvPr>
-          <p:cNvPicPr>
-            <a:picLocks noChangeAspect="1"/>
-          </p:cNvPicPr>
-          <p:nvPr/>
-        </p:nvPicPr>
-        <p:blipFill>
-          <a:blip r:embed="rId6">
-            <a:extLst>
-              <a:ext uri="{96DAC541-7B7A-43D3-8B79-37D633B846F1}">
-                <asvg:svgBlip xmlns:asvg="http://schemas.microsoft.com/office/drawing/2016/SVG/main" r:embed="rId7"/>
-              </a:ext>
-            </a:extLst>
-          </a:blip>
-          <a:stretch>
-            <a:fillRect/>
-          </a:stretch>
-        </p:blipFill>
-        <p:spPr>
-          <a:xfrm>
-            <a:off x="-578735" y="2983170"/>
-            <a:ext cx="13689573" cy="6858000"/>
-          </a:xfrm>
-          <a:prstGeom prst="rect">
-            <a:avLst/>
-          </a:prstGeom>
-        </p:spPr>
-      </p:pic>
-    </p:spTree>
-    <p:extLst>
-      <p:ext uri="{BB962C8B-B14F-4D97-AF65-F5344CB8AC3E}">
-        <p14:creationId xmlns:p14="http://schemas.microsoft.com/office/powerpoint/2010/main" val="3447350593"/>
-      </p:ext>
-    </p:extLst>
-  </p:cSld>
-  <p:clrMapOvr>
-    <a:masterClrMapping/>
-  </p:clrMapOvr>
-</p:sld>
-</file>
-
 <file path=ppt/slides/slide8.xml><?xml version="1.0" encoding="utf-8"?>
 <p:sld xmlns:a="http://schemas.openxmlformats.org/drawingml/2006/main" xmlns:r="http://schemas.openxmlformats.org/officeDocument/2006/relationships" xmlns:p="http://schemas.openxmlformats.org/presentationml/2006/main">
   <p:cSld>
@@ -10589,10 +11187,10 @@
       </p:grpSpPr>
       <p:sp>
         <p:nvSpPr>
-          <p:cNvPr id="4" name="TextBox 3">
-            <a:extLst>
-              <a:ext uri="{FF2B5EF4-FFF2-40B4-BE49-F238E27FC236}">
-                <a16:creationId xmlns:a16="http://schemas.microsoft.com/office/drawing/2014/main" id="{BFDFE2F0-E799-5B63-B8B7-6178A35D2DD4}"/>
+          <p:cNvPr id="9" name="TextBox 8">
+            <a:extLst>
+              <a:ext uri="{FF2B5EF4-FFF2-40B4-BE49-F238E27FC236}">
+                <a16:creationId xmlns:a16="http://schemas.microsoft.com/office/drawing/2014/main" id="{CAD07D9D-A7BE-CEE4-9567-42658B535AAB}"/>
               </a:ext>
             </a:extLst>
           </p:cNvPr>
@@ -10601,8 +11199,8 @@
         </p:nvSpPr>
         <p:spPr>
           <a:xfrm>
-            <a:off x="1291271" y="2794706"/>
-            <a:ext cx="5697758" cy="2308324"/>
+            <a:off x="3249418" y="1386911"/>
+            <a:ext cx="7747726" cy="830997"/>
           </a:xfrm>
           <a:prstGeom prst="rect">
             <a:avLst/>
@@ -10615,99 +11213,25 @@
           </a:bodyPr>
           <a:lstStyle/>
           <a:p>
-            <a:r>
-              <a:rPr lang="en-US" dirty="0"/>
-              <a:t>This is design is a UART peripheral in Verilog.</a:t>
-            </a:r>
-          </a:p>
-          <a:p>
-            <a:pPr marL="285750" indent="-285750">
-              <a:buFont typeface="Arial" panose="020B0604020202020204" pitchFamily="34" charset="0"/>
-              <a:buChar char="•"/>
-            </a:pPr>
-            <a:r>
-              <a:rPr lang="en-US" dirty="0"/>
-              <a:t>We added the functionality of a trigger inside the state machine inserted in the transmitter part of UART core. </a:t>
-            </a:r>
-          </a:p>
-          <a:p>
-            <a:pPr marL="285750" indent="-285750">
-              <a:buFont typeface="Arial" panose="020B0604020202020204" pitchFamily="34" charset="0"/>
-              <a:buChar char="•"/>
-            </a:pPr>
-            <a:r>
-              <a:rPr lang="en-US" dirty="0"/>
-              <a:t>The state machine seeks the sequence of  </a:t>
-            </a:r>
-            <a:r>
-              <a:rPr lang="en-US" b="1" i="1" dirty="0"/>
-              <a:t>8'b11111111</a:t>
-            </a:r>
-            <a:r>
-              <a:rPr lang="en-US" dirty="0"/>
-              <a:t>. </a:t>
-            </a:r>
-          </a:p>
-          <a:p>
-            <a:pPr marL="285750" indent="-285750">
-              <a:buFont typeface="Arial" panose="020B0604020202020204" pitchFamily="34" charset="0"/>
-              <a:buChar char="•"/>
-            </a:pPr>
-            <a:r>
-              <a:rPr lang="en-US" dirty="0"/>
-              <a:t>After state activation any transmission is blocked and a </a:t>
-            </a:r>
-            <a:r>
-              <a:rPr lang="en-US" b="1" i="1" dirty="0" err="1"/>
-              <a:t>halt_status</a:t>
-            </a:r>
-            <a:r>
-              <a:rPr lang="en-US" b="1" i="1" dirty="0"/>
-              <a:t> </a:t>
-            </a:r>
-            <a:r>
-              <a:rPr lang="en-US" dirty="0"/>
-              <a:t>signal is active. </a:t>
-            </a:r>
-          </a:p>
-          <a:p>
-            <a:pPr marL="285750" indent="-285750">
-              <a:buFont typeface="Arial" panose="020B0604020202020204" pitchFamily="34" charset="0"/>
-              <a:buChar char="•"/>
-            </a:pPr>
-            <a:r>
-              <a:rPr lang="en-US" b="1" dirty="0">
-                <a:solidFill>
-                  <a:srgbClr val="FF0000"/>
-                </a:solidFill>
+            <a:pPr algn="ctr"/>
+            <a:r>
+              <a:rPr lang="en-US" sz="2400" dirty="0">
+                <a:latin typeface="Arial Black" panose="020B0A04020102020204" pitchFamily="34" charset="0"/>
               </a:rPr>
-              <a:t>This single-shot prompt design, is </a:t>
-            </a:r>
-            <a:r>
-              <a:rPr lang="en-US" b="1" u="sng" dirty="0">
-                <a:solidFill>
-                  <a:srgbClr val="FF0000"/>
-                </a:solidFill>
-              </a:rPr>
-              <a:t>not</a:t>
-            </a:r>
-            <a:r>
-              <a:rPr lang="en-US" b="1" dirty="0">
-                <a:solidFill>
-                  <a:srgbClr val="FF0000"/>
-                </a:solidFill>
-              </a:rPr>
-              <a:t> possible without bypassing the content filter. </a:t>
-            </a:r>
-          </a:p>
-        </p:txBody>
-      </p:sp>
-      <p:sp>
-        <p:nvSpPr>
-          <p:cNvPr id="6" name="TextBox 5">
-            <a:extLst>
-              <a:ext uri="{FF2B5EF4-FFF2-40B4-BE49-F238E27FC236}">
-                <a16:creationId xmlns:a16="http://schemas.microsoft.com/office/drawing/2014/main" id="{4186C9DF-43D9-0C3B-5DFD-52EAF2C46AE2}"/>
+              <a:t>We identified a vulnerability in ChatGPT Content filtering.</a:t>
+            </a:r>
+            <a:endParaRPr lang="el-GR" sz="2400" dirty="0">
+              <a:latin typeface="Arial Black" panose="020B0A04020102020204" pitchFamily="34" charset="0"/>
+            </a:endParaRPr>
+          </a:p>
+        </p:txBody>
+      </p:sp>
+      <p:sp>
+        <p:nvSpPr>
+          <p:cNvPr id="10" name="TextBox 9">
+            <a:extLst>
+              <a:ext uri="{FF2B5EF4-FFF2-40B4-BE49-F238E27FC236}">
+                <a16:creationId xmlns:a16="http://schemas.microsoft.com/office/drawing/2014/main" id="{9DBB97DF-FB2E-D286-9477-7B821744A029}"/>
               </a:ext>
             </a:extLst>
           </p:cNvPr>
@@ -10716,8 +11240,8 @@
         </p:nvSpPr>
         <p:spPr>
           <a:xfrm>
-            <a:off x="7172137" y="2696279"/>
-            <a:ext cx="5147254" cy="2031325"/>
+            <a:off x="1319141" y="2792144"/>
+            <a:ext cx="10310327" cy="923330"/>
           </a:xfrm>
           <a:prstGeom prst="rect">
             <a:avLst/>
@@ -10731,61 +11255,8 @@
           <a:lstStyle/>
           <a:p>
             <a:r>
-              <a:rPr lang="en-US" b="1" dirty="0"/>
-              <a:t>Severity of the vulnerability</a:t>
-            </a:r>
-          </a:p>
-          <a:p>
-            <a:endParaRPr lang="en-US" dirty="0"/>
-          </a:p>
-          <a:p>
-            <a:pPr marL="285750" indent="-285750">
-              <a:buFont typeface="Arial" panose="020B0604020202020204" pitchFamily="34" charset="0"/>
-              <a:buChar char="•"/>
-            </a:pPr>
-            <a:r>
               <a:rPr lang="en-US" dirty="0"/>
-              <a:t>Insertion phase: Design</a:t>
-            </a:r>
-          </a:p>
-          <a:p>
-            <a:pPr marL="285750" indent="-285750">
-              <a:buFont typeface="Arial" panose="020B0604020202020204" pitchFamily="34" charset="0"/>
-              <a:buChar char="•"/>
-            </a:pPr>
-            <a:r>
-              <a:rPr lang="en-US" dirty="0"/>
-              <a:t>Abstraction level: Register‐transfer level (RTL)</a:t>
-            </a:r>
-          </a:p>
-          <a:p>
-            <a:pPr marL="285750" indent="-285750" algn="just">
-              <a:buFont typeface="Arial" panose="020B0604020202020204" pitchFamily="34" charset="0"/>
-              <a:buChar char="•"/>
-            </a:pPr>
-            <a:r>
-              <a:rPr lang="en-US" dirty="0"/>
-              <a:t>Act. mechanism: Conditionally triggered</a:t>
-            </a:r>
-          </a:p>
-          <a:p>
-            <a:pPr marL="285750" indent="-285750">
-              <a:buFont typeface="Arial" panose="020B0604020202020204" pitchFamily="34" charset="0"/>
-              <a:buChar char="•"/>
-            </a:pPr>
-            <a:r>
-              <a:rPr lang="en-US" dirty="0"/>
-              <a:t>Functional Effects: Denial of service</a:t>
-            </a:r>
-          </a:p>
-          <a:p>
-            <a:pPr marL="285750" indent="-285750">
-              <a:buFont typeface="Arial" panose="020B0604020202020204" pitchFamily="34" charset="0"/>
-              <a:buChar char="•"/>
-            </a:pPr>
-            <a:r>
-              <a:rPr lang="en-US" dirty="0"/>
-              <a:t>Physical characteristics: Functional</a:t>
+              <a:t>During the course of our investigation, ChatGPT's content filtering procedure impeded attempts to write "malicious" code. We discovered a means to circumvent this security and "exploit" the system by utilizing ZULU as the primary prompting language. As a proof of concept, we present the dialogues below:</a:t>
             </a:r>
             <a:endParaRPr lang="el-GR" dirty="0"/>
           </a:p>
@@ -10793,10 +11264,10 @@
       </p:sp>
       <p:sp>
         <p:nvSpPr>
-          <p:cNvPr id="10" name="TextBox 9">
-            <a:extLst>
-              <a:ext uri="{FF2B5EF4-FFF2-40B4-BE49-F238E27FC236}">
-                <a16:creationId xmlns:a16="http://schemas.microsoft.com/office/drawing/2014/main" id="{521F9B86-C9D6-13AD-DDF4-8AB23C1B2794}"/>
+          <p:cNvPr id="11" name="TextBox 10">
+            <a:extLst>
+              <a:ext uri="{FF2B5EF4-FFF2-40B4-BE49-F238E27FC236}">
+                <a16:creationId xmlns:a16="http://schemas.microsoft.com/office/drawing/2014/main" id="{D8E71A28-2386-89B3-9F65-775E535A13E6}"/>
               </a:ext>
             </a:extLst>
           </p:cNvPr>
@@ -10805,8 +11276,8 @@
         </p:nvSpPr>
         <p:spPr>
           <a:xfrm>
-            <a:off x="1477554" y="1188571"/>
-            <a:ext cx="9759820" cy="461665"/>
+            <a:off x="906268" y="4289422"/>
+            <a:ext cx="5766318" cy="369332"/>
           </a:xfrm>
           <a:prstGeom prst="rect">
             <a:avLst/>
@@ -10819,46 +11290,134 @@
           </a:bodyPr>
           <a:lstStyle/>
           <a:p>
+            <a:r>
+              <a:rPr lang="en-US" dirty="0"/>
+              <a:t>Asking how to build a chemical bomb using English:</a:t>
+            </a:r>
+            <a:endParaRPr lang="el-GR" dirty="0"/>
+          </a:p>
+        </p:txBody>
+      </p:sp>
+      <p:sp>
+        <p:nvSpPr>
+          <p:cNvPr id="12" name="TextBox 11">
+            <a:extLst>
+              <a:ext uri="{FF2B5EF4-FFF2-40B4-BE49-F238E27FC236}">
+                <a16:creationId xmlns:a16="http://schemas.microsoft.com/office/drawing/2014/main" id="{72AB5668-3F30-4445-FEDB-A3146B6F92AB}"/>
+              </a:ext>
+            </a:extLst>
+          </p:cNvPr>
+          <p:cNvSpPr txBox="1"/>
+          <p:nvPr/>
+        </p:nvSpPr>
+        <p:spPr>
+          <a:xfrm>
+            <a:off x="6425682" y="4289710"/>
+            <a:ext cx="5766318" cy="369332"/>
+          </a:xfrm>
+          <a:prstGeom prst="rect">
+            <a:avLst/>
+          </a:prstGeom>
+          <a:noFill/>
+        </p:spPr>
+        <p:txBody>
+          <a:bodyPr wrap="square" rtlCol="0">
+            <a:spAutoFit/>
+          </a:bodyPr>
+          <a:lstStyle/>
+          <a:p>
+            <a:r>
+              <a:rPr lang="en-US" dirty="0"/>
+              <a:t>Asking how to build a chemical bomb using Zulu:</a:t>
+            </a:r>
+            <a:endParaRPr lang="el-GR" dirty="0"/>
+          </a:p>
+        </p:txBody>
+      </p:sp>
+      <p:sp>
+        <p:nvSpPr>
+          <p:cNvPr id="13" name="TextBox 12">
+            <a:extLst>
+              <a:ext uri="{FF2B5EF4-FFF2-40B4-BE49-F238E27FC236}">
+                <a16:creationId xmlns:a16="http://schemas.microsoft.com/office/drawing/2014/main" id="{44234CA5-4439-AD6A-73DB-4D0B30897B9B}"/>
+              </a:ext>
+            </a:extLst>
+          </p:cNvPr>
+          <p:cNvSpPr txBox="1"/>
+          <p:nvPr/>
+        </p:nvSpPr>
+        <p:spPr>
+          <a:xfrm>
+            <a:off x="1135451" y="4754267"/>
+            <a:ext cx="4711959" cy="646331"/>
+          </a:xfrm>
+          <a:prstGeom prst="rect">
+            <a:avLst/>
+          </a:prstGeom>
+          <a:noFill/>
+        </p:spPr>
+        <p:txBody>
+          <a:bodyPr wrap="square" rtlCol="0">
+            <a:spAutoFit/>
+          </a:bodyPr>
+          <a:lstStyle/>
+          <a:p>
             <a:pPr algn="ctr"/>
             <a:r>
-              <a:rPr lang="en-US" sz="2400" dirty="0">
-                <a:latin typeface="Arial Black" panose="020B0A04020102020204" pitchFamily="34" charset="0"/>
+              <a:rPr lang="en-US" dirty="0">
+                <a:hlinkClick r:id="rId2"/>
               </a:rPr>
-              <a:t>UART peripheral with a </a:t>
-            </a:r>
-            <a:r>
-              <a:rPr lang="en-US" sz="2400" dirty="0" err="1">
-                <a:latin typeface="Arial Black" panose="020B0A04020102020204" pitchFamily="34" charset="0"/>
+              <a:t>https://chat.openai.com/share/445456a6-b89d-438b-a547-05adbec612de</a:t>
+            </a:r>
+            <a:endParaRPr lang="el-GR" dirty="0"/>
+          </a:p>
+        </p:txBody>
+      </p:sp>
+      <p:sp>
+        <p:nvSpPr>
+          <p:cNvPr id="14" name="TextBox 13">
+            <a:extLst>
+              <a:ext uri="{FF2B5EF4-FFF2-40B4-BE49-F238E27FC236}">
+                <a16:creationId xmlns:a16="http://schemas.microsoft.com/office/drawing/2014/main" id="{4B89ACCF-20F7-62DE-503F-AB0431964C5D}"/>
+              </a:ext>
+            </a:extLst>
+          </p:cNvPr>
+          <p:cNvSpPr txBox="1"/>
+          <p:nvPr/>
+        </p:nvSpPr>
+        <p:spPr>
+          <a:xfrm>
+            <a:off x="6772398" y="4708632"/>
+            <a:ext cx="4404049" cy="650034"/>
+          </a:xfrm>
+          <a:prstGeom prst="rect">
+            <a:avLst/>
+          </a:prstGeom>
+          <a:noFill/>
+        </p:spPr>
+        <p:txBody>
+          <a:bodyPr wrap="square" rtlCol="0">
+            <a:spAutoFit/>
+          </a:bodyPr>
+          <a:lstStyle/>
+          <a:p>
+            <a:pPr algn="ctr"/>
+            <a:r>
+              <a:rPr lang="en-US" dirty="0">
+                <a:hlinkClick r:id="rId3"/>
               </a:rPr>
-              <a:t>D.o.S</a:t>
-            </a:r>
-            <a:r>
-              <a:rPr lang="en-US" sz="2400" dirty="0">
-                <a:latin typeface="Arial Black" panose="020B0A04020102020204" pitchFamily="34" charset="0"/>
-              </a:rPr>
-              <a:t>. </a:t>
-            </a:r>
-            <a:r>
-              <a:rPr lang="en-US" sz="2400" dirty="0" err="1">
-                <a:latin typeface="Arial Black" panose="020B0A04020102020204" pitchFamily="34" charset="0"/>
-              </a:rPr>
-              <a:t>hw</a:t>
-            </a:r>
-            <a:r>
-              <a:rPr lang="en-US" sz="2400" dirty="0">
-                <a:latin typeface="Arial Black" panose="020B0A04020102020204" pitchFamily="34" charset="0"/>
-              </a:rPr>
-              <a:t> trojan </a:t>
-            </a:r>
+              <a:t>https://chat.openai.com/share/53ca6e4b-ca74-405f-ae9d-32c748fa471a</a:t>
+            </a:r>
+            <a:endParaRPr lang="el-GR" dirty="0"/>
           </a:p>
         </p:txBody>
       </p:sp>
       <p:pic>
         <p:nvPicPr>
-          <p:cNvPr id="5" name="Graphic 4">
-            <a:extLst>
-              <a:ext uri="{FF2B5EF4-FFF2-40B4-BE49-F238E27FC236}">
-                <a16:creationId xmlns:a16="http://schemas.microsoft.com/office/drawing/2014/main" id="{47F3D69F-6F40-6976-6ABD-4EEF3E28779A}"/>
+          <p:cNvPr id="2" name="Graphic 1">
+            <a:extLst>
+              <a:ext uri="{FF2B5EF4-FFF2-40B4-BE49-F238E27FC236}">
+                <a16:creationId xmlns:a16="http://schemas.microsoft.com/office/drawing/2014/main" id="{B27DA7A8-2224-5580-B16D-95CEA4CD684D}"/>
               </a:ext>
             </a:extLst>
           </p:cNvPr>
@@ -10868,10 +11427,10 @@
           <p:nvPr/>
         </p:nvPicPr>
         <p:blipFill>
-          <a:blip r:embed="rId2">
+          <a:blip r:embed="rId4">
             <a:extLst>
               <a:ext uri="{96DAC541-7B7A-43D3-8B79-37D633B846F1}">
-                <asvg:svgBlip xmlns:asvg="http://schemas.microsoft.com/office/drawing/2016/SVG/main" r:embed="rId3"/>
+                <asvg:svgBlip xmlns:asvg="http://schemas.microsoft.com/office/drawing/2016/SVG/main" r:embed="rId5"/>
               </a:ext>
             </a:extLst>
           </a:blip>
@@ -10891,10 +11450,10 @@
       </p:pic>
       <p:pic>
         <p:nvPicPr>
-          <p:cNvPr id="8" name="Graphic 7">
-            <a:extLst>
-              <a:ext uri="{FF2B5EF4-FFF2-40B4-BE49-F238E27FC236}">
-                <a16:creationId xmlns:a16="http://schemas.microsoft.com/office/drawing/2014/main" id="{9E525564-71F4-A9EA-9746-55A644465422}"/>
+          <p:cNvPr id="4" name="Graphic 3">
+            <a:extLst>
+              <a:ext uri="{FF2B5EF4-FFF2-40B4-BE49-F238E27FC236}">
+                <a16:creationId xmlns:a16="http://schemas.microsoft.com/office/drawing/2014/main" id="{B02975BA-91FE-AEF6-2CBA-E98125FFED1D}"/>
               </a:ext>
             </a:extLst>
           </p:cNvPr>
@@ -10904,10 +11463,10 @@
           <p:nvPr/>
         </p:nvPicPr>
         <p:blipFill>
-          <a:blip r:embed="rId4">
+          <a:blip r:embed="rId6">
             <a:extLst>
               <a:ext uri="{96DAC541-7B7A-43D3-8B79-37D633B846F1}">
-                <asvg:svgBlip xmlns:asvg="http://schemas.microsoft.com/office/drawing/2016/SVG/main" r:embed="rId5"/>
+                <asvg:svgBlip xmlns:asvg="http://schemas.microsoft.com/office/drawing/2016/SVG/main" r:embed="rId7"/>
               </a:ext>
             </a:extLst>
           </a:blip>
@@ -10928,7 +11487,7 @@
     </p:spTree>
     <p:extLst>
       <p:ext uri="{BB962C8B-B14F-4D97-AF65-F5344CB8AC3E}">
-        <p14:creationId xmlns:p14="http://schemas.microsoft.com/office/powerpoint/2010/main" val="4101512789"/>
+        <p14:creationId xmlns:p14="http://schemas.microsoft.com/office/powerpoint/2010/main" val="3447350593"/>
       </p:ext>
     </p:extLst>
   </p:cSld>
@@ -10955,12 +11514,278 @@
           <a:chExt cx="0" cy="0"/>
         </a:xfrm>
       </p:grpSpPr>
+      <p:sp>
+        <p:nvSpPr>
+          <p:cNvPr id="4" name="TextBox 3">
+            <a:extLst>
+              <a:ext uri="{FF2B5EF4-FFF2-40B4-BE49-F238E27FC236}">
+                <a16:creationId xmlns:a16="http://schemas.microsoft.com/office/drawing/2014/main" id="{BFDFE2F0-E799-5B63-B8B7-6178A35D2DD4}"/>
+              </a:ext>
+            </a:extLst>
+          </p:cNvPr>
+          <p:cNvSpPr txBox="1"/>
+          <p:nvPr/>
+        </p:nvSpPr>
+        <p:spPr>
+          <a:xfrm>
+            <a:off x="1291271" y="2794706"/>
+            <a:ext cx="5697758" cy="2308324"/>
+          </a:xfrm>
+          <a:prstGeom prst="rect">
+            <a:avLst/>
+          </a:prstGeom>
+          <a:noFill/>
+        </p:spPr>
+        <p:txBody>
+          <a:bodyPr wrap="square" rtlCol="0">
+            <a:spAutoFit/>
+          </a:bodyPr>
+          <a:lstStyle/>
+          <a:p>
+            <a:r>
+              <a:rPr lang="en-US" dirty="0"/>
+              <a:t>This is design is a UART peripheral in Verilog.</a:t>
+            </a:r>
+          </a:p>
+          <a:p>
+            <a:pPr marL="285750" indent="-285750">
+              <a:buFont typeface="Arial" panose="020B0604020202020204" pitchFamily="34" charset="0"/>
+              <a:buChar char="•"/>
+            </a:pPr>
+            <a:r>
+              <a:rPr lang="en-US" dirty="0"/>
+              <a:t>We added the functionality of a trigger inside the state machine inserted in the transmitter part of UART core. </a:t>
+            </a:r>
+          </a:p>
+          <a:p>
+            <a:pPr marL="285750" indent="-285750">
+              <a:buFont typeface="Arial" panose="020B0604020202020204" pitchFamily="34" charset="0"/>
+              <a:buChar char="•"/>
+            </a:pPr>
+            <a:r>
+              <a:rPr lang="en-US" dirty="0"/>
+              <a:t>The state machine seeks the sequence of  </a:t>
+            </a:r>
+            <a:r>
+              <a:rPr lang="en-US" b="1" i="1" dirty="0"/>
+              <a:t>8'b11111111</a:t>
+            </a:r>
+            <a:r>
+              <a:rPr lang="en-US" dirty="0"/>
+              <a:t>. </a:t>
+            </a:r>
+          </a:p>
+          <a:p>
+            <a:pPr marL="285750" indent="-285750">
+              <a:buFont typeface="Arial" panose="020B0604020202020204" pitchFamily="34" charset="0"/>
+              <a:buChar char="•"/>
+            </a:pPr>
+            <a:r>
+              <a:rPr lang="en-US" dirty="0"/>
+              <a:t>After state activation any transmission is blocked and a </a:t>
+            </a:r>
+            <a:r>
+              <a:rPr lang="en-US" b="1" i="1" dirty="0" err="1"/>
+              <a:t>halt_status</a:t>
+            </a:r>
+            <a:r>
+              <a:rPr lang="en-US" b="1" i="1" dirty="0"/>
+              <a:t> </a:t>
+            </a:r>
+            <a:r>
+              <a:rPr lang="en-US" dirty="0"/>
+              <a:t>signal is active. </a:t>
+            </a:r>
+          </a:p>
+          <a:p>
+            <a:pPr marL="285750" indent="-285750">
+              <a:buFont typeface="Arial" panose="020B0604020202020204" pitchFamily="34" charset="0"/>
+              <a:buChar char="•"/>
+            </a:pPr>
+            <a:r>
+              <a:rPr lang="en-US" b="1" dirty="0">
+                <a:solidFill>
+                  <a:srgbClr val="FF0000"/>
+                </a:solidFill>
+              </a:rPr>
+              <a:t>This single-shot prompt design, is </a:t>
+            </a:r>
+            <a:r>
+              <a:rPr lang="en-US" b="1" u="sng" dirty="0">
+                <a:solidFill>
+                  <a:srgbClr val="FF0000"/>
+                </a:solidFill>
+              </a:rPr>
+              <a:t>not</a:t>
+            </a:r>
+            <a:r>
+              <a:rPr lang="en-US" b="1" dirty="0">
+                <a:solidFill>
+                  <a:srgbClr val="FF0000"/>
+                </a:solidFill>
+              </a:rPr>
+              <a:t> possible without bypassing the content filter. </a:t>
+            </a:r>
+          </a:p>
+        </p:txBody>
+      </p:sp>
+      <p:sp>
+        <p:nvSpPr>
+          <p:cNvPr id="6" name="TextBox 5">
+            <a:extLst>
+              <a:ext uri="{FF2B5EF4-FFF2-40B4-BE49-F238E27FC236}">
+                <a16:creationId xmlns:a16="http://schemas.microsoft.com/office/drawing/2014/main" id="{4186C9DF-43D9-0C3B-5DFD-52EAF2C46AE2}"/>
+              </a:ext>
+            </a:extLst>
+          </p:cNvPr>
+          <p:cNvSpPr txBox="1"/>
+          <p:nvPr/>
+        </p:nvSpPr>
+        <p:spPr>
+          <a:xfrm>
+            <a:off x="7172137" y="2696279"/>
+            <a:ext cx="5147254" cy="2031325"/>
+          </a:xfrm>
+          <a:prstGeom prst="rect">
+            <a:avLst/>
+          </a:prstGeom>
+          <a:noFill/>
+        </p:spPr>
+        <p:txBody>
+          <a:bodyPr wrap="square" rtlCol="0">
+            <a:spAutoFit/>
+          </a:bodyPr>
+          <a:lstStyle/>
+          <a:p>
+            <a:r>
+              <a:rPr lang="en-US" b="1" dirty="0"/>
+              <a:t>Severity of the vulnerability</a:t>
+            </a:r>
+          </a:p>
+          <a:p>
+            <a:endParaRPr lang="en-US" dirty="0"/>
+          </a:p>
+          <a:p>
+            <a:pPr marL="285750" indent="-285750">
+              <a:buFont typeface="Arial" panose="020B0604020202020204" pitchFamily="34" charset="0"/>
+              <a:buChar char="•"/>
+            </a:pPr>
+            <a:r>
+              <a:rPr lang="en-US" dirty="0"/>
+              <a:t>Insertion phase: Design</a:t>
+            </a:r>
+          </a:p>
+          <a:p>
+            <a:pPr marL="285750" indent="-285750">
+              <a:buFont typeface="Arial" panose="020B0604020202020204" pitchFamily="34" charset="0"/>
+              <a:buChar char="•"/>
+            </a:pPr>
+            <a:r>
+              <a:rPr lang="en-US" dirty="0"/>
+              <a:t>Abstraction level: Register‐transfer level (RTL)</a:t>
+            </a:r>
+          </a:p>
+          <a:p>
+            <a:pPr marL="285750" indent="-285750" algn="just">
+              <a:buFont typeface="Arial" panose="020B0604020202020204" pitchFamily="34" charset="0"/>
+              <a:buChar char="•"/>
+            </a:pPr>
+            <a:r>
+              <a:rPr lang="en-US" dirty="0"/>
+              <a:t>Act. mechanism: Conditionally triggered</a:t>
+            </a:r>
+          </a:p>
+          <a:p>
+            <a:pPr marL="285750" indent="-285750">
+              <a:buFont typeface="Arial" panose="020B0604020202020204" pitchFamily="34" charset="0"/>
+              <a:buChar char="•"/>
+            </a:pPr>
+            <a:r>
+              <a:rPr lang="en-US" dirty="0"/>
+              <a:t>Functional Effects: Denial of service</a:t>
+            </a:r>
+          </a:p>
+          <a:p>
+            <a:pPr marL="285750" indent="-285750">
+              <a:buFont typeface="Arial" panose="020B0604020202020204" pitchFamily="34" charset="0"/>
+              <a:buChar char="•"/>
+            </a:pPr>
+            <a:r>
+              <a:rPr lang="en-US" dirty="0"/>
+              <a:t>Physical characteristics: Functional</a:t>
+            </a:r>
+            <a:endParaRPr lang="el-GR" dirty="0"/>
+          </a:p>
+        </p:txBody>
+      </p:sp>
+      <p:sp>
+        <p:nvSpPr>
+          <p:cNvPr id="10" name="TextBox 9">
+            <a:extLst>
+              <a:ext uri="{FF2B5EF4-FFF2-40B4-BE49-F238E27FC236}">
+                <a16:creationId xmlns:a16="http://schemas.microsoft.com/office/drawing/2014/main" id="{521F9B86-C9D6-13AD-DDF4-8AB23C1B2794}"/>
+              </a:ext>
+            </a:extLst>
+          </p:cNvPr>
+          <p:cNvSpPr txBox="1"/>
+          <p:nvPr/>
+        </p:nvSpPr>
+        <p:spPr>
+          <a:xfrm>
+            <a:off x="1477554" y="1188571"/>
+            <a:ext cx="9759820" cy="461665"/>
+          </a:xfrm>
+          <a:prstGeom prst="rect">
+            <a:avLst/>
+          </a:prstGeom>
+          <a:noFill/>
+        </p:spPr>
+        <p:txBody>
+          <a:bodyPr wrap="square" rtlCol="0">
+            <a:spAutoFit/>
+          </a:bodyPr>
+          <a:lstStyle/>
+          <a:p>
+            <a:pPr algn="ctr"/>
+            <a:r>
+              <a:rPr lang="en-US" sz="2400" dirty="0">
+                <a:latin typeface="Arial Black" panose="020B0A04020102020204" pitchFamily="34" charset="0"/>
+              </a:rPr>
+              <a:t>UART peripheral with a </a:t>
+            </a:r>
+            <a:r>
+              <a:rPr lang="en-US" sz="2400" dirty="0" err="1">
+                <a:latin typeface="Arial Black" panose="020B0A04020102020204" pitchFamily="34" charset="0"/>
+              </a:rPr>
+              <a:t>D.o.S</a:t>
+            </a:r>
+            <a:r>
+              <a:rPr lang="en-US" sz="2400" dirty="0">
+                <a:latin typeface="Arial Black" panose="020B0A04020102020204" pitchFamily="34" charset="0"/>
+              </a:rPr>
+              <a:t>. </a:t>
+            </a:r>
+            <a:r>
+              <a:rPr lang="en-US" sz="2400" dirty="0" err="1">
+                <a:latin typeface="Arial Black" panose="020B0A04020102020204" pitchFamily="34" charset="0"/>
+              </a:rPr>
+              <a:t>hw</a:t>
+            </a:r>
+            <a:r>
+              <a:rPr lang="en-US" sz="2400" dirty="0">
+                <a:latin typeface="Arial Black" panose="020B0A04020102020204" pitchFamily="34" charset="0"/>
+              </a:rPr>
+              <a:t> trojan </a:t>
+            </a:r>
+          </a:p>
+        </p:txBody>
+      </p:sp>
       <p:pic>
         <p:nvPicPr>
-          <p:cNvPr id="6" name="Graphic 5">
-            <a:extLst>
-              <a:ext uri="{FF2B5EF4-FFF2-40B4-BE49-F238E27FC236}">
-                <a16:creationId xmlns:a16="http://schemas.microsoft.com/office/drawing/2014/main" id="{2C6870D8-7085-1842-02D7-29E6AABCFC20}"/>
+          <p:cNvPr id="5" name="Graphic 4">
+            <a:extLst>
+              <a:ext uri="{FF2B5EF4-FFF2-40B4-BE49-F238E27FC236}">
+                <a16:creationId xmlns:a16="http://schemas.microsoft.com/office/drawing/2014/main" id="{47F3D69F-6F40-6976-6ABD-4EEF3E28779A}"/>
               </a:ext>
             </a:extLst>
           </p:cNvPr>
@@ -10983,8 +11808,8 @@
         </p:blipFill>
         <p:spPr>
           <a:xfrm>
-            <a:off x="-578735" y="2983170"/>
-            <a:ext cx="13689573" cy="6858000"/>
+            <a:off x="-5530732" y="-3526386"/>
+            <a:ext cx="11061463" cy="6858000"/>
           </a:xfrm>
           <a:prstGeom prst="rect">
             <a:avLst/>
@@ -10993,10 +11818,10 @@
       </p:pic>
       <p:pic>
         <p:nvPicPr>
-          <p:cNvPr id="3" name="Picture 2">
-            <a:extLst>
-              <a:ext uri="{FF2B5EF4-FFF2-40B4-BE49-F238E27FC236}">
-                <a16:creationId xmlns:a16="http://schemas.microsoft.com/office/drawing/2014/main" id="{FFC284DF-34D1-762F-B5AF-66632FE1E1E8}"/>
+          <p:cNvPr id="8" name="Graphic 7">
+            <a:extLst>
+              <a:ext uri="{FF2B5EF4-FFF2-40B4-BE49-F238E27FC236}">
+                <a16:creationId xmlns:a16="http://schemas.microsoft.com/office/drawing/2014/main" id="{9E525564-71F4-A9EA-9746-55A644465422}"/>
               </a:ext>
             </a:extLst>
           </p:cNvPr>
@@ -11005,336 +11830,11 @@
           </p:cNvPicPr>
           <p:nvPr/>
         </p:nvPicPr>
-        <p:blipFill rotWithShape="1">
-          <a:blip r:embed="rId4"/>
-          <a:srcRect b="19965"/>
-          <a:stretch/>
-        </p:blipFill>
-        <p:spPr>
-          <a:xfrm>
-            <a:off x="-1" y="4876011"/>
-            <a:ext cx="12192000" cy="1596202"/>
-          </a:xfrm>
-          <a:prstGeom prst="rect">
-            <a:avLst/>
-          </a:prstGeom>
-        </p:spPr>
-      </p:pic>
-      <p:sp>
-        <p:nvSpPr>
-          <p:cNvPr id="4" name="TextBox 3">
-            <a:extLst>
-              <a:ext uri="{FF2B5EF4-FFF2-40B4-BE49-F238E27FC236}">
-                <a16:creationId xmlns:a16="http://schemas.microsoft.com/office/drawing/2014/main" id="{87A6BCE7-B700-0E24-CFF2-731DE1355E18}"/>
-              </a:ext>
-            </a:extLst>
-          </p:cNvPr>
-          <p:cNvSpPr txBox="1"/>
-          <p:nvPr/>
-        </p:nvSpPr>
-        <p:spPr>
-          <a:xfrm>
-            <a:off x="7761492" y="1071075"/>
-            <a:ext cx="4478133" cy="923330"/>
-          </a:xfrm>
-          <a:prstGeom prst="rect">
-            <a:avLst/>
-          </a:prstGeom>
-          <a:noFill/>
-        </p:spPr>
-        <p:txBody>
-          <a:bodyPr wrap="square" rtlCol="0">
-            <a:spAutoFit/>
-          </a:bodyPr>
-          <a:lstStyle/>
-          <a:p>
-            <a:pPr algn="ctr"/>
-            <a:r>
-              <a:rPr lang="en-US" dirty="0">
-                <a:hlinkClick r:id="rId5"/>
-              </a:rPr>
-              <a:t>Prompt </a:t>
-            </a:r>
-            <a:r>
-              <a:rPr lang="en-US" b="1" u="sng" dirty="0">
-                <a:hlinkClick r:id="rId5"/>
-              </a:rPr>
-              <a:t>bypassing the content filter </a:t>
-            </a:r>
-            <a:r>
-              <a:rPr lang="en-US" dirty="0">
-                <a:hlinkClick r:id="rId5"/>
-              </a:rPr>
-              <a:t>: https://chat.openai.com/share/de877a72-3ccd-4dcd-8c72-8faebfb8c48e</a:t>
-            </a:r>
-            <a:endParaRPr lang="el-GR" dirty="0"/>
-          </a:p>
-        </p:txBody>
-      </p:sp>
-      <p:sp>
-        <p:nvSpPr>
-          <p:cNvPr id="5" name="TextBox 4">
-            <a:extLst>
-              <a:ext uri="{FF2B5EF4-FFF2-40B4-BE49-F238E27FC236}">
-                <a16:creationId xmlns:a16="http://schemas.microsoft.com/office/drawing/2014/main" id="{E2308F48-B0D3-AE91-5941-08B0983DAA89}"/>
-              </a:ext>
-            </a:extLst>
-          </p:cNvPr>
-          <p:cNvSpPr txBox="1"/>
-          <p:nvPr/>
-        </p:nvSpPr>
-        <p:spPr>
-          <a:xfrm>
-            <a:off x="5965239" y="188631"/>
-            <a:ext cx="2068969" cy="830997"/>
-          </a:xfrm>
-          <a:prstGeom prst="rect">
-            <a:avLst/>
-          </a:prstGeom>
-          <a:noFill/>
-        </p:spPr>
-        <p:txBody>
-          <a:bodyPr wrap="square" rtlCol="0">
-            <a:spAutoFit/>
-          </a:bodyPr>
-          <a:lstStyle/>
-          <a:p>
-            <a:r>
-              <a:rPr lang="en-US" sz="4800" dirty="0" err="1">
-                <a:latin typeface="Arial Black" panose="020B0A04020102020204" pitchFamily="34" charset="0"/>
-              </a:rPr>
-              <a:t>P.o.C.</a:t>
-            </a:r>
-            <a:endParaRPr lang="el-GR" sz="4800" dirty="0">
-              <a:latin typeface="Arial Black" panose="020B0A04020102020204" pitchFamily="34" charset="0"/>
-            </a:endParaRPr>
-          </a:p>
-        </p:txBody>
-      </p:sp>
-      <p:sp>
-        <p:nvSpPr>
-          <p:cNvPr id="7" name="TextBox 6">
-            <a:extLst>
-              <a:ext uri="{FF2B5EF4-FFF2-40B4-BE49-F238E27FC236}">
-                <a16:creationId xmlns:a16="http://schemas.microsoft.com/office/drawing/2014/main" id="{12FA1DD5-C1C5-8F1E-0C4A-0B058A309DA7}"/>
-              </a:ext>
-            </a:extLst>
-          </p:cNvPr>
-          <p:cNvSpPr txBox="1"/>
-          <p:nvPr/>
-        </p:nvSpPr>
-        <p:spPr>
-          <a:xfrm>
-            <a:off x="3009414" y="1480055"/>
-            <a:ext cx="4478133" cy="923330"/>
-          </a:xfrm>
-          <a:prstGeom prst="rect">
-            <a:avLst/>
-          </a:prstGeom>
-          <a:noFill/>
-        </p:spPr>
-        <p:txBody>
-          <a:bodyPr wrap="square" rtlCol="0">
-            <a:spAutoFit/>
-          </a:bodyPr>
-          <a:lstStyle/>
-          <a:p>
-            <a:pPr algn="ctr"/>
-            <a:r>
-              <a:rPr lang="en-US" dirty="0">
-                <a:hlinkClick r:id="rId6"/>
-              </a:rPr>
-              <a:t>Prompt </a:t>
-            </a:r>
-            <a:r>
-              <a:rPr lang="en-US" b="1" u="sng" dirty="0">
-                <a:hlinkClick r:id="rId6"/>
-              </a:rPr>
-              <a:t>without</a:t>
-            </a:r>
-            <a:r>
-              <a:rPr lang="en-US" dirty="0">
-                <a:hlinkClick r:id="rId6"/>
-              </a:rPr>
-              <a:t> bypassing the content filter : https://chat.openai.com/share/89c53be5-10bf-4ecc-859a-894b3ae967c2</a:t>
-            </a:r>
-            <a:endParaRPr lang="el-GR" dirty="0"/>
-          </a:p>
-        </p:txBody>
-      </p:sp>
-      <p:pic>
-        <p:nvPicPr>
-          <p:cNvPr id="8" name="Picture 7">
-            <a:extLst>
-              <a:ext uri="{FF2B5EF4-FFF2-40B4-BE49-F238E27FC236}">
-                <a16:creationId xmlns:a16="http://schemas.microsoft.com/office/drawing/2014/main" id="{B0E18CBC-D303-0B15-7AEC-1008010CA36F}"/>
-              </a:ext>
-            </a:extLst>
-          </p:cNvPr>
-          <p:cNvPicPr>
-            <a:picLocks noChangeAspect="1"/>
-          </p:cNvPicPr>
-          <p:nvPr/>
-        </p:nvPicPr>
         <p:blipFill>
-          <a:blip r:embed="rId7"/>
-          <a:stretch>
-            <a:fillRect/>
-          </a:stretch>
-        </p:blipFill>
-        <p:spPr>
-          <a:xfrm>
-            <a:off x="3697160" y="1147430"/>
-            <a:ext cx="2511008" cy="335309"/>
-          </a:xfrm>
-          <a:prstGeom prst="rect">
-            <a:avLst/>
-          </a:prstGeom>
-        </p:spPr>
-      </p:pic>
-      <p:sp>
-        <p:nvSpPr>
-          <p:cNvPr id="9" name="TextBox 8">
-            <a:extLst>
-              <a:ext uri="{FF2B5EF4-FFF2-40B4-BE49-F238E27FC236}">
-                <a16:creationId xmlns:a16="http://schemas.microsoft.com/office/drawing/2014/main" id="{3742CA93-89F7-D56A-E2BC-1E967E4854F4}"/>
-              </a:ext>
-            </a:extLst>
-          </p:cNvPr>
-          <p:cNvSpPr txBox="1"/>
-          <p:nvPr/>
-        </p:nvSpPr>
-        <p:spPr>
-          <a:xfrm>
-            <a:off x="7644859" y="1160390"/>
-            <a:ext cx="681134" cy="372350"/>
-          </a:xfrm>
-          <a:prstGeom prst="rect">
-            <a:avLst/>
-          </a:prstGeom>
-          <a:noFill/>
-        </p:spPr>
-        <p:txBody>
-          <a:bodyPr wrap="square" rtlCol="0">
-            <a:spAutoFit/>
-          </a:bodyPr>
-          <a:lstStyle/>
-          <a:p>
-            <a:r>
-              <a:rPr lang="en-US" dirty="0"/>
-              <a:t>2)</a:t>
-            </a:r>
-            <a:endParaRPr lang="el-GR" dirty="0"/>
-          </a:p>
-        </p:txBody>
-      </p:sp>
-      <p:sp>
-        <p:nvSpPr>
-          <p:cNvPr id="12" name="TextBox 11">
-            <a:extLst>
-              <a:ext uri="{FF2B5EF4-FFF2-40B4-BE49-F238E27FC236}">
-                <a16:creationId xmlns:a16="http://schemas.microsoft.com/office/drawing/2014/main" id="{2EFB3D60-CE82-A974-B9C2-20BE161E7FDC}"/>
-              </a:ext>
-            </a:extLst>
-          </p:cNvPr>
-          <p:cNvSpPr txBox="1"/>
-          <p:nvPr/>
-        </p:nvSpPr>
-        <p:spPr>
-          <a:xfrm>
-            <a:off x="3298277" y="1121981"/>
-            <a:ext cx="681134" cy="372350"/>
-          </a:xfrm>
-          <a:prstGeom prst="rect">
-            <a:avLst/>
-          </a:prstGeom>
-          <a:noFill/>
-        </p:spPr>
-        <p:txBody>
-          <a:bodyPr wrap="square" rtlCol="0">
-            <a:spAutoFit/>
-          </a:bodyPr>
-          <a:lstStyle/>
-          <a:p>
-            <a:r>
-              <a:rPr lang="en-US" dirty="0"/>
-              <a:t>1)</a:t>
-            </a:r>
-            <a:endParaRPr lang="el-GR" dirty="0"/>
-          </a:p>
-        </p:txBody>
-      </p:sp>
-      <p:sp>
-        <p:nvSpPr>
-          <p:cNvPr id="13" name="TextBox 12">
-            <a:extLst>
-              <a:ext uri="{FF2B5EF4-FFF2-40B4-BE49-F238E27FC236}">
-                <a16:creationId xmlns:a16="http://schemas.microsoft.com/office/drawing/2014/main" id="{F77FC932-ECA4-D6B6-783C-2BDADE47B422}"/>
-              </a:ext>
-            </a:extLst>
-          </p:cNvPr>
-          <p:cNvSpPr txBox="1"/>
-          <p:nvPr/>
-        </p:nvSpPr>
-        <p:spPr>
-          <a:xfrm>
-            <a:off x="8706094" y="2153411"/>
-            <a:ext cx="2525486" cy="369332"/>
-          </a:xfrm>
-          <a:prstGeom prst="rect">
-            <a:avLst/>
-          </a:prstGeom>
-          <a:noFill/>
-        </p:spPr>
-        <p:txBody>
-          <a:bodyPr wrap="square" rtlCol="0">
-            <a:spAutoFit/>
-          </a:bodyPr>
-          <a:lstStyle/>
-          <a:p>
-            <a:r>
-              <a:rPr lang="en-US" dirty="0">
-                <a:hlinkClick r:id="rId8"/>
-              </a:rPr>
-              <a:t>Code</a:t>
-            </a:r>
-            <a:r>
-              <a:rPr lang="en-US" dirty="0"/>
-              <a:t> and </a:t>
-            </a:r>
-            <a:r>
-              <a:rPr lang="en-US" dirty="0">
-                <a:hlinkClick r:id="rId9"/>
-              </a:rPr>
-              <a:t>testbench</a:t>
-            </a:r>
-            <a:r>
-              <a:rPr lang="en-US" dirty="0"/>
-              <a:t> link </a:t>
-            </a:r>
-            <a:endParaRPr lang="el-GR" dirty="0"/>
-          </a:p>
-        </p:txBody>
-      </p:sp>
-      <p:pic>
-        <p:nvPicPr>
-          <p:cNvPr id="2" name="Graphic 1">
-            <a:extLst>
-              <a:ext uri="{FF2B5EF4-FFF2-40B4-BE49-F238E27FC236}">
-                <a16:creationId xmlns:a16="http://schemas.microsoft.com/office/drawing/2014/main" id="{F9A944DC-FD57-BCB9-3FDD-AA50DAA1DE50}"/>
-              </a:ext>
-            </a:extLst>
-          </p:cNvPr>
-          <p:cNvPicPr>
-            <a:picLocks noChangeAspect="1"/>
-          </p:cNvPicPr>
-          <p:nvPr/>
-        </p:nvPicPr>
-        <p:blipFill>
-          <a:blip r:embed="rId10">
+          <a:blip r:embed="rId4">
             <a:extLst>
               <a:ext uri="{96DAC541-7B7A-43D3-8B79-37D633B846F1}">
-                <asvg:svgBlip xmlns:asvg="http://schemas.microsoft.com/office/drawing/2016/SVG/main" r:embed="rId11"/>
+                <asvg:svgBlip xmlns:asvg="http://schemas.microsoft.com/office/drawing/2016/SVG/main" r:embed="rId5"/>
               </a:ext>
             </a:extLst>
           </a:blip>
@@ -11344,196 +11844,18 @@
         </p:blipFill>
         <p:spPr>
           <a:xfrm>
-            <a:off x="-5530732" y="-3526386"/>
-            <a:ext cx="11061463" cy="6858000"/>
+            <a:off x="-578735" y="2983170"/>
+            <a:ext cx="13689573" cy="6858000"/>
           </a:xfrm>
           <a:prstGeom prst="rect">
             <a:avLst/>
           </a:prstGeom>
         </p:spPr>
       </p:pic>
-      <p:sp>
-        <p:nvSpPr>
-          <p:cNvPr id="14" name="Βέλος: Δεξιό 13">
-            <a:extLst>
-              <a:ext uri="{FF2B5EF4-FFF2-40B4-BE49-F238E27FC236}">
-                <a16:creationId xmlns:a16="http://schemas.microsoft.com/office/drawing/2014/main" id="{094A06B2-CA8B-1154-6997-D4842F3180C9}"/>
-              </a:ext>
-            </a:extLst>
-          </p:cNvPr>
-          <p:cNvSpPr/>
-          <p:nvPr/>
-        </p:nvSpPr>
-        <p:spPr>
-          <a:xfrm rot="6922079">
-            <a:off x="5435139" y="5960819"/>
-            <a:ext cx="191183" cy="190180"/>
-          </a:xfrm>
-          <a:prstGeom prst="rightArrow">
-            <a:avLst/>
-          </a:prstGeom>
-          <a:solidFill>
-            <a:srgbClr val="C00000"/>
-          </a:solidFill>
-        </p:spPr>
-        <p:style>
-          <a:lnRef idx="2">
-            <a:schemeClr val="accent2">
-              <a:shade val="15000"/>
-            </a:schemeClr>
-          </a:lnRef>
-          <a:fillRef idx="1">
-            <a:schemeClr val="accent2"/>
-          </a:fillRef>
-          <a:effectRef idx="0">
-            <a:schemeClr val="accent2"/>
-          </a:effectRef>
-          <a:fontRef idx="minor">
-            <a:schemeClr val="lt1"/>
-          </a:fontRef>
-        </p:style>
-        <p:txBody>
-          <a:bodyPr rtlCol="0" anchor="ctr"/>
-          <a:lstStyle/>
-          <a:p>
-            <a:pPr algn="ctr"/>
-            <a:endParaRPr lang="el-GR"/>
-          </a:p>
-        </p:txBody>
-      </p:sp>
-      <p:sp>
-        <p:nvSpPr>
-          <p:cNvPr id="16" name="TextBox 15">
-            <a:extLst>
-              <a:ext uri="{FF2B5EF4-FFF2-40B4-BE49-F238E27FC236}">
-                <a16:creationId xmlns:a16="http://schemas.microsoft.com/office/drawing/2014/main" id="{F980485D-ED7F-A8A6-2B11-9BAA12EF515D}"/>
-              </a:ext>
-            </a:extLst>
-          </p:cNvPr>
-          <p:cNvSpPr txBox="1"/>
-          <p:nvPr/>
-        </p:nvSpPr>
-        <p:spPr>
-          <a:xfrm>
-            <a:off x="747713" y="2574190"/>
-            <a:ext cx="11366889" cy="2246769"/>
-          </a:xfrm>
-          <a:prstGeom prst="rect">
-            <a:avLst/>
-          </a:prstGeom>
-          <a:noFill/>
-        </p:spPr>
-        <p:txBody>
-          <a:bodyPr wrap="square" rtlCol="0">
-            <a:spAutoFit/>
-          </a:bodyPr>
-          <a:lstStyle/>
-          <a:p>
-            <a:r>
-              <a:rPr lang="en-US" sz="1400" dirty="0"/>
-              <a:t>The waveform is a simulation of a UART communication.</a:t>
-            </a:r>
-          </a:p>
-          <a:p>
-            <a:r>
-              <a:rPr lang="en-US" sz="1400" dirty="0"/>
-              <a:t>From the labels and the activity visible in the waveform:</a:t>
-            </a:r>
-          </a:p>
-          <a:p>
-            <a:r>
-              <a:rPr lang="en-US" sz="1400" i="1" dirty="0" err="1"/>
-              <a:t>clk</a:t>
-            </a:r>
-            <a:r>
-              <a:rPr lang="en-US" sz="1400" i="1" dirty="0"/>
-              <a:t> </a:t>
-            </a:r>
-            <a:r>
-              <a:rPr lang="en-US" sz="1400" dirty="0"/>
-              <a:t>- This is the clock signal, which is oscillating as expected.</a:t>
-            </a:r>
-          </a:p>
-          <a:p>
-            <a:r>
-              <a:rPr lang="en-US" sz="1400" i="1" dirty="0" err="1"/>
-              <a:t>data_in</a:t>
-            </a:r>
-            <a:r>
-              <a:rPr lang="en-US" sz="1400" i="1" dirty="0"/>
-              <a:t>[7:0] </a:t>
-            </a:r>
-            <a:r>
-              <a:rPr lang="en-US" sz="1400" dirty="0"/>
-              <a:t>- This seems to be the input data that is being simulated. First, it shows the binary pattern 10101010, and then it shows 11111111.</a:t>
-            </a:r>
-          </a:p>
-          <a:p>
-            <a:r>
-              <a:rPr lang="en-US" sz="1400" i="1" dirty="0" err="1"/>
-              <a:t>data_out</a:t>
-            </a:r>
-            <a:r>
-              <a:rPr lang="en-US" sz="1400" i="1" dirty="0"/>
-              <a:t>[7:0</a:t>
-            </a:r>
-            <a:r>
-              <a:rPr lang="en-US" sz="1400" dirty="0"/>
-              <a:t>] - This is the output data from the UART receiver. </a:t>
-            </a:r>
-          </a:p>
-          <a:p>
-            <a:r>
-              <a:rPr lang="en-US" sz="1400" i="1" dirty="0" err="1"/>
-              <a:t>halt_status</a:t>
-            </a:r>
-            <a:r>
-              <a:rPr lang="en-US" sz="1400" i="1" dirty="0"/>
-              <a:t> </a:t>
-            </a:r>
-            <a:r>
-              <a:rPr lang="en-US" sz="1400" dirty="0"/>
-              <a:t>- This signal goes high after </a:t>
-            </a:r>
-            <a:r>
-              <a:rPr lang="en-US" sz="1400" dirty="0" err="1"/>
-              <a:t>data_in</a:t>
-            </a:r>
-            <a:r>
-              <a:rPr lang="en-US" sz="1400" dirty="0"/>
-              <a:t> shows 11111111, which suggests that the UART has entered a HALT state as designed, in response to receiving the byte 11111111.</a:t>
-            </a:r>
-          </a:p>
-          <a:p>
-            <a:r>
-              <a:rPr lang="en-US" sz="1400" dirty="0"/>
-              <a:t>reset - The reset signal is initially high and then goes low, which should initialize the system and start the UART receiver.</a:t>
-            </a:r>
-          </a:p>
-          <a:p>
-            <a:endParaRPr lang="en-US" sz="1400" dirty="0"/>
-          </a:p>
-          <a:p>
-            <a:r>
-              <a:rPr lang="en-US" sz="1400" dirty="0"/>
-              <a:t>From the waveform, we can see the intended functionality seems to be working: after 11111111 is received, the </a:t>
-            </a:r>
-            <a:r>
-              <a:rPr lang="en-US" sz="1400" dirty="0" err="1"/>
-              <a:t>halt_status</a:t>
-            </a:r>
-            <a:r>
-              <a:rPr lang="en-US" sz="1400" dirty="0"/>
-              <a:t> signal is activated.</a:t>
-            </a:r>
-            <a:endParaRPr lang="el-GR" sz="1400" dirty="0"/>
-          </a:p>
-        </p:txBody>
-      </p:sp>
     </p:spTree>
     <p:extLst>
       <p:ext uri="{BB962C8B-B14F-4D97-AF65-F5344CB8AC3E}">
-        <p14:creationId xmlns:p14="http://schemas.microsoft.com/office/powerpoint/2010/main" val="44512479"/>
+        <p14:creationId xmlns:p14="http://schemas.microsoft.com/office/powerpoint/2010/main" val="4101512789"/>
       </p:ext>
     </p:extLst>
   </p:cSld>

--- a/presentation/Full results presentation.pptx
+++ b/presentation/Full results presentation.pptx
@@ -6982,8 +6982,8 @@
         </p:nvSpPr>
         <p:spPr>
           <a:xfrm>
-            <a:off x="614265" y="959310"/>
-            <a:ext cx="3665377" cy="923330"/>
+            <a:off x="2483669" y="874875"/>
+            <a:ext cx="6273110" cy="646331"/>
           </a:xfrm>
           <a:prstGeom prst="rect">
             <a:avLst/>
@@ -7061,8 +7061,8 @@
         </p:nvSpPr>
         <p:spPr>
           <a:xfrm>
-            <a:off x="614265" y="2141463"/>
-            <a:ext cx="5875176" cy="1477328"/>
+            <a:off x="763555" y="2234769"/>
+            <a:ext cx="5875176" cy="1754326"/>
           </a:xfrm>
           <a:prstGeom prst="rect">
             <a:avLst/>
@@ -7077,7 +7077,7 @@
           <a:p>
             <a:r>
               <a:rPr lang="en-US" dirty="0"/>
-              <a:t>- I isolated the wish bus state machine from </a:t>
+              <a:t>- We isolated the wish bus state machine from </a:t>
             </a:r>
             <a:r>
               <a:rPr lang="en-US" dirty="0" err="1"/>
@@ -7091,7 +7091,7 @@
           <a:p>
             <a:r>
               <a:rPr lang="en-US" dirty="0"/>
-              <a:t>- I added a trigger where “</a:t>
+              <a:t>- We added a trigger where “</a:t>
             </a:r>
             <a:r>
               <a:rPr lang="en-US" b="1" i="1" dirty="0" err="1"/>
@@ -7149,7 +7149,7 @@
         </p:nvSpPr>
         <p:spPr>
           <a:xfrm>
-            <a:off x="6983962" y="1735038"/>
+            <a:off x="7058606" y="1957770"/>
             <a:ext cx="4697964" cy="2031325"/>
           </a:xfrm>
           <a:prstGeom prst="rect">
